--- a/日日夜夜(崇拜版).pptx
+++ b/日日夜夜(崇拜版).pptx
@@ -12,6 +12,10 @@
     <p:sldId id="260" r:id="rId6"/>
     <p:sldId id="261" r:id="rId7"/>
     <p:sldId id="262" r:id="rId8"/>
+    <p:sldId id="263" r:id="rId9"/>
+    <p:sldId id="264" r:id="rId10"/>
+    <p:sldId id="265" r:id="rId11"/>
+    <p:sldId id="266" r:id="rId12"/>
   </p:sldIdLst>
   <p:sldSz cx="9144000" cy="6858000" type="screen4x3"/>
   <p:notesSz cx="6858000" cy="9144000"/>
@@ -294,7 +298,8 @@
           <a:p>
             <a:fld id="{04C1145A-3C92-4883-98E3-4E816F7AA2D1}" type="datetimeFigureOut">
               <a:rPr lang="zh-TW" altLang="en-US" smtClean="0"/>
-              <a:t>2017/8/20</a:t>
+              <a:pPr/>
+              <a:t>2019/1/22</a:t>
             </a:fld>
             <a:endParaRPr lang="zh-TW" altLang="en-US"/>
           </a:p>
@@ -336,6 +341,7 @@
           <a:p>
             <a:fld id="{B55A8FCE-E372-4EDA-A51B-7BDD7713D4E8}" type="slidenum">
               <a:rPr lang="zh-TW" altLang="en-US" smtClean="0"/>
+              <a:pPr/>
               <a:t>‹#›</a:t>
             </a:fld>
             <a:endParaRPr lang="zh-TW" altLang="en-US"/>
@@ -459,7 +465,8 @@
           <a:p>
             <a:fld id="{04C1145A-3C92-4883-98E3-4E816F7AA2D1}" type="datetimeFigureOut">
               <a:rPr lang="zh-TW" altLang="en-US" smtClean="0"/>
-              <a:t>2017/8/20</a:t>
+              <a:pPr/>
+              <a:t>2019/1/22</a:t>
             </a:fld>
             <a:endParaRPr lang="zh-TW" altLang="en-US"/>
           </a:p>
@@ -501,6 +508,7 @@
           <a:p>
             <a:fld id="{B55A8FCE-E372-4EDA-A51B-7BDD7713D4E8}" type="slidenum">
               <a:rPr lang="zh-TW" altLang="en-US" smtClean="0"/>
+              <a:pPr/>
               <a:t>‹#›</a:t>
             </a:fld>
             <a:endParaRPr lang="zh-TW" altLang="en-US"/>
@@ -634,7 +642,8 @@
           <a:p>
             <a:fld id="{04C1145A-3C92-4883-98E3-4E816F7AA2D1}" type="datetimeFigureOut">
               <a:rPr lang="zh-TW" altLang="en-US" smtClean="0"/>
-              <a:t>2017/8/20</a:t>
+              <a:pPr/>
+              <a:t>2019/1/22</a:t>
             </a:fld>
             <a:endParaRPr lang="zh-TW" altLang="en-US"/>
           </a:p>
@@ -676,6 +685,7 @@
           <a:p>
             <a:fld id="{B55A8FCE-E372-4EDA-A51B-7BDD7713D4E8}" type="slidenum">
               <a:rPr lang="zh-TW" altLang="en-US" smtClean="0"/>
+              <a:pPr/>
               <a:t>‹#›</a:t>
             </a:fld>
             <a:endParaRPr lang="zh-TW" altLang="en-US"/>
@@ -799,7 +809,8 @@
           <a:p>
             <a:fld id="{04C1145A-3C92-4883-98E3-4E816F7AA2D1}" type="datetimeFigureOut">
               <a:rPr lang="zh-TW" altLang="en-US" smtClean="0"/>
-              <a:t>2017/8/20</a:t>
+              <a:pPr/>
+              <a:t>2019/1/22</a:t>
             </a:fld>
             <a:endParaRPr lang="zh-TW" altLang="en-US"/>
           </a:p>
@@ -841,6 +852,7 @@
           <a:p>
             <a:fld id="{B55A8FCE-E372-4EDA-A51B-7BDD7713D4E8}" type="slidenum">
               <a:rPr lang="zh-TW" altLang="en-US" smtClean="0"/>
+              <a:pPr/>
               <a:t>‹#›</a:t>
             </a:fld>
             <a:endParaRPr lang="zh-TW" altLang="en-US"/>
@@ -1040,7 +1052,8 @@
           <a:p>
             <a:fld id="{04C1145A-3C92-4883-98E3-4E816F7AA2D1}" type="datetimeFigureOut">
               <a:rPr lang="zh-TW" altLang="en-US" smtClean="0"/>
-              <a:t>2017/8/20</a:t>
+              <a:pPr/>
+              <a:t>2019/1/22</a:t>
             </a:fld>
             <a:endParaRPr lang="zh-TW" altLang="en-US"/>
           </a:p>
@@ -1082,6 +1095,7 @@
           <a:p>
             <a:fld id="{B55A8FCE-E372-4EDA-A51B-7BDD7713D4E8}" type="slidenum">
               <a:rPr lang="zh-TW" altLang="en-US" smtClean="0"/>
+              <a:pPr/>
               <a:t>‹#›</a:t>
             </a:fld>
             <a:endParaRPr lang="zh-TW" altLang="en-US"/>
@@ -1323,7 +1337,8 @@
           <a:p>
             <a:fld id="{04C1145A-3C92-4883-98E3-4E816F7AA2D1}" type="datetimeFigureOut">
               <a:rPr lang="zh-TW" altLang="en-US" smtClean="0"/>
-              <a:t>2017/8/20</a:t>
+              <a:pPr/>
+              <a:t>2019/1/22</a:t>
             </a:fld>
             <a:endParaRPr lang="zh-TW" altLang="en-US"/>
           </a:p>
@@ -1365,6 +1380,7 @@
           <a:p>
             <a:fld id="{B55A8FCE-E372-4EDA-A51B-7BDD7713D4E8}" type="slidenum">
               <a:rPr lang="zh-TW" altLang="en-US" smtClean="0"/>
+              <a:pPr/>
               <a:t>‹#›</a:t>
             </a:fld>
             <a:endParaRPr lang="zh-TW" altLang="en-US"/>
@@ -1740,7 +1756,8 @@
           <a:p>
             <a:fld id="{04C1145A-3C92-4883-98E3-4E816F7AA2D1}" type="datetimeFigureOut">
               <a:rPr lang="zh-TW" altLang="en-US" smtClean="0"/>
-              <a:t>2017/8/20</a:t>
+              <a:pPr/>
+              <a:t>2019/1/22</a:t>
             </a:fld>
             <a:endParaRPr lang="zh-TW" altLang="en-US"/>
           </a:p>
@@ -1782,6 +1799,7 @@
           <a:p>
             <a:fld id="{B55A8FCE-E372-4EDA-A51B-7BDD7713D4E8}" type="slidenum">
               <a:rPr lang="zh-TW" altLang="en-US" smtClean="0"/>
+              <a:pPr/>
               <a:t>‹#›</a:t>
             </a:fld>
             <a:endParaRPr lang="zh-TW" altLang="en-US"/>
@@ -1853,7 +1871,8 @@
           <a:p>
             <a:fld id="{04C1145A-3C92-4883-98E3-4E816F7AA2D1}" type="datetimeFigureOut">
               <a:rPr lang="zh-TW" altLang="en-US" smtClean="0"/>
-              <a:t>2017/8/20</a:t>
+              <a:pPr/>
+              <a:t>2019/1/22</a:t>
             </a:fld>
             <a:endParaRPr lang="zh-TW" altLang="en-US"/>
           </a:p>
@@ -1895,6 +1914,7 @@
           <a:p>
             <a:fld id="{B55A8FCE-E372-4EDA-A51B-7BDD7713D4E8}" type="slidenum">
               <a:rPr lang="zh-TW" altLang="en-US" smtClean="0"/>
+              <a:pPr/>
               <a:t>‹#›</a:t>
             </a:fld>
             <a:endParaRPr lang="zh-TW" altLang="en-US"/>
@@ -1943,7 +1963,8 @@
           <a:p>
             <a:fld id="{04C1145A-3C92-4883-98E3-4E816F7AA2D1}" type="datetimeFigureOut">
               <a:rPr lang="zh-TW" altLang="en-US" smtClean="0"/>
-              <a:t>2017/8/20</a:t>
+              <a:pPr/>
+              <a:t>2019/1/22</a:t>
             </a:fld>
             <a:endParaRPr lang="zh-TW" altLang="en-US"/>
           </a:p>
@@ -1985,6 +2006,7 @@
           <a:p>
             <a:fld id="{B55A8FCE-E372-4EDA-A51B-7BDD7713D4E8}" type="slidenum">
               <a:rPr lang="zh-TW" altLang="en-US" smtClean="0"/>
+              <a:pPr/>
               <a:t>‹#›</a:t>
             </a:fld>
             <a:endParaRPr lang="zh-TW" altLang="en-US"/>
@@ -2215,7 +2237,8 @@
           <a:p>
             <a:fld id="{04C1145A-3C92-4883-98E3-4E816F7AA2D1}" type="datetimeFigureOut">
               <a:rPr lang="zh-TW" altLang="en-US" smtClean="0"/>
-              <a:t>2017/8/20</a:t>
+              <a:pPr/>
+              <a:t>2019/1/22</a:t>
             </a:fld>
             <a:endParaRPr lang="zh-TW" altLang="en-US"/>
           </a:p>
@@ -2257,6 +2280,7 @@
           <a:p>
             <a:fld id="{B55A8FCE-E372-4EDA-A51B-7BDD7713D4E8}" type="slidenum">
               <a:rPr lang="zh-TW" altLang="en-US" smtClean="0"/>
+              <a:pPr/>
               <a:t>‹#›</a:t>
             </a:fld>
             <a:endParaRPr lang="zh-TW" altLang="en-US"/>
@@ -2467,7 +2491,8 @@
           <a:p>
             <a:fld id="{04C1145A-3C92-4883-98E3-4E816F7AA2D1}" type="datetimeFigureOut">
               <a:rPr lang="zh-TW" altLang="en-US" smtClean="0"/>
-              <a:t>2017/8/20</a:t>
+              <a:pPr/>
+              <a:t>2019/1/22</a:t>
             </a:fld>
             <a:endParaRPr lang="zh-TW" altLang="en-US"/>
           </a:p>
@@ -2509,6 +2534,7 @@
           <a:p>
             <a:fld id="{B55A8FCE-E372-4EDA-A51B-7BDD7713D4E8}" type="slidenum">
               <a:rPr lang="zh-TW" altLang="en-US" smtClean="0"/>
+              <a:pPr/>
               <a:t>‹#›</a:t>
             </a:fld>
             <a:endParaRPr lang="zh-TW" altLang="en-US"/>
@@ -2680,7 +2706,8 @@
           <a:p>
             <a:fld id="{04C1145A-3C92-4883-98E3-4E816F7AA2D1}" type="datetimeFigureOut">
               <a:rPr lang="zh-TW" altLang="en-US" smtClean="0"/>
-              <a:t>2017/8/20</a:t>
+              <a:pPr/>
+              <a:t>2019/1/22</a:t>
             </a:fld>
             <a:endParaRPr lang="zh-TW" altLang="en-US"/>
           </a:p>
@@ -2758,6 +2785,7 @@
           <a:p>
             <a:fld id="{B55A8FCE-E372-4EDA-A51B-7BDD7713D4E8}" type="slidenum">
               <a:rPr lang="zh-TW" altLang="en-US" smtClean="0"/>
+              <a:pPr/>
               <a:t>‹#›</a:t>
             </a:fld>
             <a:endParaRPr lang="zh-TW" altLang="en-US"/>
@@ -3304,6 +3332,401 @@
 </p:sld>
 </file>
 
+<file path=ppt/slides/slide10.xml><?xml version="1.0" encoding="utf-8"?>
+<p:sld xmlns:a="http://schemas.openxmlformats.org/drawingml/2006/main" xmlns:r="http://schemas.openxmlformats.org/officeDocument/2006/relationships" xmlns:p="http://schemas.openxmlformats.org/presentationml/2006/main">
+  <p:cSld>
+    <p:spTree>
+      <p:nvGrpSpPr>
+        <p:cNvPr id="1" name=""/>
+        <p:cNvGrpSpPr/>
+        <p:nvPr/>
+      </p:nvGrpSpPr>
+      <p:grpSpPr>
+        <a:xfrm>
+          <a:off x="0" y="0"/>
+          <a:ext cx="0" cy="0"/>
+          <a:chOff x="0" y="0"/>
+          <a:chExt cx="0" cy="0"/>
+        </a:xfrm>
+      </p:grpSpPr>
+      <p:sp>
+        <p:nvSpPr>
+          <p:cNvPr id="2" name="Title 1">
+            <a:extLst>
+              <a:ext uri="{FF2B5EF4-FFF2-40B4-BE49-F238E27FC236}">
+                <a16:creationId xmlns="" xmlns:a16="http://schemas.microsoft.com/office/drawing/2014/main" id="{B6F284A6-4082-460F-84D5-43E3AA19EE45}"/>
+              </a:ext>
+            </a:extLst>
+          </p:cNvPr>
+          <p:cNvSpPr>
+            <a:spLocks noGrp="1"/>
+          </p:cNvSpPr>
+          <p:nvPr>
+            <p:ph type="title"/>
+          </p:nvPr>
+        </p:nvSpPr>
+        <p:spPr/>
+        <p:txBody>
+          <a:bodyPr/>
+          <a:lstStyle/>
+          <a:p>
+            <a:pPr algn="ctr"/>
+            <a:r>
+              <a:rPr lang="zh-CN" altLang="en-US" b="1" dirty="0">
+                <a:solidFill>
+                  <a:srgbClr val="002060"/>
+                </a:solidFill>
+                <a:latin typeface="微軟正黑體" pitchFamily="34" charset="-120"/>
+                <a:ea typeface="微軟正黑體" pitchFamily="34" charset="-120"/>
+              </a:rPr>
+              <a:t>每天的禱告</a:t>
+            </a:r>
+            <a:endParaRPr lang="en-US" b="1" dirty="0">
+              <a:solidFill>
+                <a:srgbClr val="002060"/>
+              </a:solidFill>
+              <a:latin typeface="微軟正黑體" pitchFamily="34" charset="-120"/>
+              <a:ea typeface="微軟正黑體" pitchFamily="34" charset="-120"/>
+            </a:endParaRPr>
+          </a:p>
+        </p:txBody>
+      </p:sp>
+      <p:sp>
+        <p:nvSpPr>
+          <p:cNvPr id="3" name="Content Placeholder 2">
+            <a:extLst>
+              <a:ext uri="{FF2B5EF4-FFF2-40B4-BE49-F238E27FC236}">
+                <a16:creationId xmlns="" xmlns:a16="http://schemas.microsoft.com/office/drawing/2014/main" id="{8F3B43DA-80DC-4D6F-85C7-D4EEB00EDF0B}"/>
+              </a:ext>
+            </a:extLst>
+          </p:cNvPr>
+          <p:cNvSpPr>
+            <a:spLocks noGrp="1"/>
+          </p:cNvSpPr>
+          <p:nvPr>
+            <p:ph idx="1"/>
+          </p:nvPr>
+        </p:nvSpPr>
+        <p:spPr/>
+        <p:txBody>
+          <a:bodyPr>
+            <a:normAutofit/>
+          </a:bodyPr>
+          <a:lstStyle/>
+          <a:p>
+            <a:pPr marL="0" indent="0" algn="ctr">
+              <a:buNone/>
+            </a:pPr>
+            <a:r>
+              <a:rPr lang="zh-TW" altLang="en-US" sz="5400" b="1" dirty="0">
+                <a:solidFill>
+                  <a:srgbClr val="002060"/>
+                </a:solidFill>
+                <a:latin typeface="微軟正黑體" pitchFamily="34" charset="-120"/>
+                <a:ea typeface="微軟正黑體" pitchFamily="34" charset="-120"/>
+              </a:rPr>
+              <a:t>哦  主啊  求你改變我</a:t>
+            </a:r>
+            <a:endParaRPr lang="en-US" altLang="zh-TW" sz="5400" b="1" dirty="0">
+              <a:solidFill>
+                <a:srgbClr val="002060"/>
+              </a:solidFill>
+              <a:latin typeface="微軟正黑體" pitchFamily="34" charset="-120"/>
+              <a:ea typeface="微軟正黑體" pitchFamily="34" charset="-120"/>
+            </a:endParaRPr>
+          </a:p>
+          <a:p>
+            <a:pPr marL="0" indent="0" algn="ctr">
+              <a:buNone/>
+            </a:pPr>
+            <a:r>
+              <a:rPr lang="zh-TW" altLang="en-US" sz="5400" b="1" dirty="0">
+                <a:solidFill>
+                  <a:srgbClr val="002060"/>
+                </a:solidFill>
+                <a:latin typeface="微軟正黑體" pitchFamily="34" charset="-120"/>
+                <a:ea typeface="微軟正黑體" pitchFamily="34" charset="-120"/>
+              </a:rPr>
+              <a:t>心思意念願你來雕琢</a:t>
+            </a:r>
+            <a:endParaRPr lang="en-US" altLang="zh-TW" sz="5400" b="1" dirty="0">
+              <a:solidFill>
+                <a:srgbClr val="002060"/>
+              </a:solidFill>
+              <a:latin typeface="微軟正黑體" pitchFamily="34" charset="-120"/>
+              <a:ea typeface="微軟正黑體" pitchFamily="34" charset="-120"/>
+            </a:endParaRPr>
+          </a:p>
+          <a:p>
+            <a:pPr marL="0" indent="0" algn="ctr">
+              <a:buNone/>
+            </a:pPr>
+            <a:r>
+              <a:rPr lang="zh-TW" altLang="en-US" sz="5400" b="1" dirty="0">
+                <a:solidFill>
+                  <a:srgbClr val="002060"/>
+                </a:solidFill>
+                <a:latin typeface="微軟正黑體" pitchFamily="34" charset="-120"/>
+                <a:ea typeface="微軟正黑體" pitchFamily="34" charset="-120"/>
+              </a:rPr>
+              <a:t>使我能更加像你</a:t>
+            </a:r>
+            <a:endParaRPr lang="en-US" altLang="zh-TW" sz="5400" b="1" dirty="0">
+              <a:solidFill>
+                <a:srgbClr val="002060"/>
+              </a:solidFill>
+              <a:latin typeface="微軟正黑體" pitchFamily="34" charset="-120"/>
+              <a:ea typeface="微軟正黑體" pitchFamily="34" charset="-120"/>
+            </a:endParaRPr>
+          </a:p>
+          <a:p>
+            <a:pPr marL="0" indent="0" algn="ctr">
+              <a:buNone/>
+            </a:pPr>
+            <a:r>
+              <a:rPr lang="zh-TW" altLang="en-US" sz="5400" b="1" dirty="0">
+                <a:solidFill>
+                  <a:srgbClr val="002060"/>
+                </a:solidFill>
+                <a:latin typeface="微軟正黑體" pitchFamily="34" charset="-120"/>
+                <a:ea typeface="微軟正黑體" pitchFamily="34" charset="-120"/>
+              </a:rPr>
+              <a:t>帶著耶穌的香氣</a:t>
+            </a:r>
+            <a:endParaRPr lang="en-US" sz="5400" b="1" dirty="0">
+              <a:solidFill>
+                <a:srgbClr val="002060"/>
+              </a:solidFill>
+              <a:latin typeface="微軟正黑體" pitchFamily="34" charset="-120"/>
+              <a:ea typeface="微軟正黑體" pitchFamily="34" charset="-120"/>
+            </a:endParaRPr>
+          </a:p>
+        </p:txBody>
+      </p:sp>
+    </p:spTree>
+    <p:extLst>
+      <p:ext uri="{BB962C8B-B14F-4D97-AF65-F5344CB8AC3E}">
+        <p14:creationId xmlns="" xmlns:p14="http://schemas.microsoft.com/office/powerpoint/2010/main" val="3202128766"/>
+      </p:ext>
+    </p:extLst>
+  </p:cSld>
+  <p:clrMapOvr>
+    <a:masterClrMapping/>
+  </p:clrMapOvr>
+</p:sld>
+</file>
+
+<file path=ppt/slides/slide11.xml><?xml version="1.0" encoding="utf-8"?>
+<p:sld xmlns:a="http://schemas.openxmlformats.org/drawingml/2006/main" xmlns:r="http://schemas.openxmlformats.org/officeDocument/2006/relationships" xmlns:p="http://schemas.openxmlformats.org/presentationml/2006/main">
+  <p:cSld>
+    <p:spTree>
+      <p:nvGrpSpPr>
+        <p:cNvPr id="1" name=""/>
+        <p:cNvGrpSpPr/>
+        <p:nvPr/>
+      </p:nvGrpSpPr>
+      <p:grpSpPr>
+        <a:xfrm>
+          <a:off x="0" y="0"/>
+          <a:ext cx="0" cy="0"/>
+          <a:chOff x="0" y="0"/>
+          <a:chExt cx="0" cy="0"/>
+        </a:xfrm>
+      </p:grpSpPr>
+      <p:sp>
+        <p:nvSpPr>
+          <p:cNvPr id="2" name="Title 1">
+            <a:extLst>
+              <a:ext uri="{FF2B5EF4-FFF2-40B4-BE49-F238E27FC236}">
+                <a16:creationId xmlns="" xmlns:a16="http://schemas.microsoft.com/office/drawing/2014/main" id="{B6F284A6-4082-460F-84D5-43E3AA19EE45}"/>
+              </a:ext>
+            </a:extLst>
+          </p:cNvPr>
+          <p:cNvSpPr>
+            <a:spLocks noGrp="1"/>
+          </p:cNvSpPr>
+          <p:nvPr>
+            <p:ph type="title"/>
+          </p:nvPr>
+        </p:nvSpPr>
+        <p:spPr/>
+        <p:txBody>
+          <a:bodyPr/>
+          <a:lstStyle/>
+          <a:p>
+            <a:pPr algn="ctr"/>
+            <a:r>
+              <a:rPr lang="zh-CN" altLang="en-US" b="1" dirty="0">
+                <a:solidFill>
+                  <a:srgbClr val="002060"/>
+                </a:solidFill>
+                <a:latin typeface="微軟正黑體" pitchFamily="34" charset="-120"/>
+                <a:ea typeface="微軟正黑體" pitchFamily="34" charset="-120"/>
+              </a:rPr>
+              <a:t>每天的禱告</a:t>
+            </a:r>
+            <a:endParaRPr lang="en-US" b="1" dirty="0">
+              <a:solidFill>
+                <a:srgbClr val="002060"/>
+              </a:solidFill>
+              <a:latin typeface="微軟正黑體" pitchFamily="34" charset="-120"/>
+              <a:ea typeface="微軟正黑體" pitchFamily="34" charset="-120"/>
+            </a:endParaRPr>
+          </a:p>
+        </p:txBody>
+      </p:sp>
+      <p:sp>
+        <p:nvSpPr>
+          <p:cNvPr id="3" name="Content Placeholder 2">
+            <a:extLst>
+              <a:ext uri="{FF2B5EF4-FFF2-40B4-BE49-F238E27FC236}">
+                <a16:creationId xmlns="" xmlns:a16="http://schemas.microsoft.com/office/drawing/2014/main" id="{8F3B43DA-80DC-4D6F-85C7-D4EEB00EDF0B}"/>
+              </a:ext>
+            </a:extLst>
+          </p:cNvPr>
+          <p:cNvSpPr>
+            <a:spLocks noGrp="1"/>
+          </p:cNvSpPr>
+          <p:nvPr>
+            <p:ph idx="1"/>
+          </p:nvPr>
+        </p:nvSpPr>
+        <p:spPr>
+          <a:xfrm>
+            <a:off x="628650" y="1825625"/>
+            <a:ext cx="7886700" cy="4522166"/>
+          </a:xfrm>
+        </p:spPr>
+        <p:txBody>
+          <a:bodyPr>
+            <a:normAutofit lnSpcReduction="10000"/>
+          </a:bodyPr>
+          <a:lstStyle/>
+          <a:p>
+            <a:pPr marL="0" indent="0" algn="ctr">
+              <a:buNone/>
+            </a:pPr>
+            <a:r>
+              <a:rPr lang="zh-TW" altLang="en-US" sz="5400" b="1" dirty="0">
+                <a:solidFill>
+                  <a:srgbClr val="002060"/>
+                </a:solidFill>
+                <a:latin typeface="微軟正黑體" pitchFamily="34" charset="-120"/>
+                <a:ea typeface="微軟正黑體" pitchFamily="34" charset="-120"/>
+              </a:rPr>
+              <a:t>哦  主啊  求你吸引我</a:t>
+            </a:r>
+            <a:endParaRPr lang="en-US" altLang="zh-TW" sz="5400" b="1" dirty="0">
+              <a:solidFill>
+                <a:srgbClr val="002060"/>
+              </a:solidFill>
+              <a:latin typeface="微軟正黑體" pitchFamily="34" charset="-120"/>
+              <a:ea typeface="微軟正黑體" pitchFamily="34" charset="-120"/>
+            </a:endParaRPr>
+          </a:p>
+          <a:p>
+            <a:pPr marL="0" indent="0" algn="ctr">
+              <a:buNone/>
+            </a:pPr>
+            <a:r>
+              <a:rPr lang="zh-TW" altLang="en-US" sz="5400" b="1" dirty="0">
+                <a:solidFill>
+                  <a:srgbClr val="002060"/>
+                </a:solidFill>
+                <a:latin typeface="微軟正黑體" pitchFamily="34" charset="-120"/>
+                <a:ea typeface="微軟正黑體" pitchFamily="34" charset="-120"/>
+              </a:rPr>
+              <a:t>帶我進入你聖潔居所</a:t>
+            </a:r>
+            <a:endParaRPr lang="en-US" altLang="zh-TW" sz="5400" b="1" dirty="0">
+              <a:solidFill>
+                <a:srgbClr val="002060"/>
+              </a:solidFill>
+              <a:latin typeface="微軟正黑體" pitchFamily="34" charset="-120"/>
+              <a:ea typeface="微軟正黑體" pitchFamily="34" charset="-120"/>
+            </a:endParaRPr>
+          </a:p>
+          <a:p>
+            <a:pPr marL="0" indent="0" algn="ctr">
+              <a:buNone/>
+            </a:pPr>
+            <a:r>
+              <a:rPr lang="zh-TW" altLang="en-US" sz="5400" b="1" dirty="0">
+                <a:solidFill>
+                  <a:srgbClr val="002060"/>
+                </a:solidFill>
+                <a:latin typeface="微軟正黑體" pitchFamily="34" charset="-120"/>
+                <a:ea typeface="微軟正黑體" pitchFamily="34" charset="-120"/>
+              </a:rPr>
+              <a:t>讓我今天為你活</a:t>
+            </a:r>
+            <a:endParaRPr lang="en-US" altLang="zh-TW" sz="5400" b="1" dirty="0">
+              <a:solidFill>
+                <a:srgbClr val="002060"/>
+              </a:solidFill>
+              <a:latin typeface="微軟正黑體" pitchFamily="34" charset="-120"/>
+              <a:ea typeface="微軟正黑體" pitchFamily="34" charset="-120"/>
+            </a:endParaRPr>
+          </a:p>
+          <a:p>
+            <a:pPr marL="0" indent="0" algn="ctr">
+              <a:buNone/>
+            </a:pPr>
+            <a:r>
+              <a:rPr lang="zh-TW" altLang="en-US" sz="5400" b="1" dirty="0">
+                <a:solidFill>
+                  <a:srgbClr val="002060"/>
+                </a:solidFill>
+                <a:latin typeface="微軟正黑體" pitchFamily="34" charset="-120"/>
+                <a:ea typeface="微軟正黑體" pitchFamily="34" charset="-120"/>
+              </a:rPr>
+              <a:t>完全獻上為活祭</a:t>
+            </a:r>
+            <a:endParaRPr lang="en-US" altLang="zh-TW" sz="5400" b="1" dirty="0">
+              <a:solidFill>
+                <a:srgbClr val="002060"/>
+              </a:solidFill>
+              <a:latin typeface="微軟正黑體" pitchFamily="34" charset="-120"/>
+              <a:ea typeface="微軟正黑體" pitchFamily="34" charset="-120"/>
+            </a:endParaRPr>
+          </a:p>
+          <a:p>
+            <a:pPr marL="0" indent="0" algn="ctr">
+              <a:buNone/>
+            </a:pPr>
+            <a:r>
+              <a:rPr lang="zh-TW" altLang="en-US" sz="5400" b="1" dirty="0">
+                <a:solidFill>
+                  <a:srgbClr val="002060"/>
+                </a:solidFill>
+                <a:latin typeface="微軟正黑體" pitchFamily="34" charset="-120"/>
+                <a:ea typeface="微軟正黑體" pitchFamily="34" charset="-120"/>
+              </a:rPr>
+              <a:t>奉獻一生跟隨你</a:t>
+            </a:r>
+            <a:endParaRPr lang="en-US" sz="5400" b="1" dirty="0">
+              <a:solidFill>
+                <a:srgbClr val="002060"/>
+              </a:solidFill>
+              <a:latin typeface="微軟正黑體" pitchFamily="34" charset="-120"/>
+              <a:ea typeface="微軟正黑體" pitchFamily="34" charset="-120"/>
+            </a:endParaRPr>
+          </a:p>
+        </p:txBody>
+      </p:sp>
+    </p:spTree>
+    <p:extLst>
+      <p:ext uri="{BB962C8B-B14F-4D97-AF65-F5344CB8AC3E}">
+        <p14:creationId xmlns="" xmlns:p14="http://schemas.microsoft.com/office/powerpoint/2010/main" val="3683158459"/>
+      </p:ext>
+    </p:extLst>
+  </p:cSld>
+  <p:clrMapOvr>
+    <a:masterClrMapping/>
+  </p:clrMapOvr>
+</p:sld>
+</file>
+
 <file path=ppt/slides/slide2.xml><?xml version="1.0" encoding="utf-8"?>
 <p:sld xmlns:a="http://schemas.openxmlformats.org/drawingml/2006/main" xmlns:r="http://schemas.openxmlformats.org/officeDocument/2006/relationships" xmlns:p="http://schemas.openxmlformats.org/presentationml/2006/main">
   <p:cSld>
@@ -4573,6 +4996,374 @@
         </p:txBody>
       </p:sp>
     </p:spTree>
+  </p:cSld>
+  <p:clrMapOvr>
+    <a:masterClrMapping/>
+  </p:clrMapOvr>
+</p:sld>
+</file>
+
+<file path=ppt/slides/slide8.xml><?xml version="1.0" encoding="utf-8"?>
+<p:sld xmlns:a="http://schemas.openxmlformats.org/drawingml/2006/main" xmlns:r="http://schemas.openxmlformats.org/officeDocument/2006/relationships" xmlns:p="http://schemas.openxmlformats.org/presentationml/2006/main">
+  <p:cSld>
+    <p:spTree>
+      <p:nvGrpSpPr>
+        <p:cNvPr id="1" name=""/>
+        <p:cNvGrpSpPr/>
+        <p:nvPr/>
+      </p:nvGrpSpPr>
+      <p:grpSpPr>
+        <a:xfrm>
+          <a:off x="0" y="0"/>
+          <a:ext cx="0" cy="0"/>
+          <a:chOff x="0" y="0"/>
+          <a:chExt cx="0" cy="0"/>
+        </a:xfrm>
+      </p:grpSpPr>
+      <p:sp>
+        <p:nvSpPr>
+          <p:cNvPr id="2" name="Title 1">
+            <a:extLst>
+              <a:ext uri="{FF2B5EF4-FFF2-40B4-BE49-F238E27FC236}">
+                <a16:creationId xmlns="" xmlns:a16="http://schemas.microsoft.com/office/drawing/2014/main" id="{B6F284A6-4082-460F-84D5-43E3AA19EE45}"/>
+              </a:ext>
+            </a:extLst>
+          </p:cNvPr>
+          <p:cNvSpPr>
+            <a:spLocks noGrp="1"/>
+          </p:cNvSpPr>
+          <p:nvPr>
+            <p:ph type="title"/>
+          </p:nvPr>
+        </p:nvSpPr>
+        <p:spPr/>
+        <p:txBody>
+          <a:bodyPr/>
+          <a:lstStyle/>
+          <a:p>
+            <a:pPr algn="ctr"/>
+            <a:r>
+              <a:rPr lang="zh-CN" altLang="en-US" b="1" dirty="0">
+                <a:solidFill>
+                  <a:srgbClr val="002060"/>
+                </a:solidFill>
+                <a:latin typeface="微軟正黑體" pitchFamily="34" charset="-120"/>
+                <a:ea typeface="微軟正黑體" pitchFamily="34" charset="-120"/>
+              </a:rPr>
+              <a:t>每天的禱告</a:t>
+            </a:r>
+            <a:endParaRPr lang="en-US" b="1" dirty="0">
+              <a:solidFill>
+                <a:srgbClr val="002060"/>
+              </a:solidFill>
+              <a:latin typeface="微軟正黑體" pitchFamily="34" charset="-120"/>
+              <a:ea typeface="微軟正黑體" pitchFamily="34" charset="-120"/>
+            </a:endParaRPr>
+          </a:p>
+        </p:txBody>
+      </p:sp>
+      <p:sp>
+        <p:nvSpPr>
+          <p:cNvPr id="3" name="Content Placeholder 2">
+            <a:extLst>
+              <a:ext uri="{FF2B5EF4-FFF2-40B4-BE49-F238E27FC236}">
+                <a16:creationId xmlns="" xmlns:a16="http://schemas.microsoft.com/office/drawing/2014/main" id="{8F3B43DA-80DC-4D6F-85C7-D4EEB00EDF0B}"/>
+              </a:ext>
+            </a:extLst>
+          </p:cNvPr>
+          <p:cNvSpPr>
+            <a:spLocks noGrp="1"/>
+          </p:cNvSpPr>
+          <p:nvPr>
+            <p:ph idx="1"/>
+          </p:nvPr>
+        </p:nvSpPr>
+        <p:spPr/>
+        <p:txBody>
+          <a:bodyPr>
+            <a:normAutofit/>
+          </a:bodyPr>
+          <a:lstStyle/>
+          <a:p>
+            <a:pPr marL="0" indent="0" algn="ctr">
+              <a:buNone/>
+            </a:pPr>
+            <a:r>
+              <a:rPr lang="zh-TW" altLang="en-US" sz="5400" b="1" dirty="0">
+                <a:solidFill>
+                  <a:srgbClr val="002060"/>
+                </a:solidFill>
+                <a:latin typeface="微軟正黑體" pitchFamily="34" charset="-120"/>
+                <a:ea typeface="微軟正黑體" pitchFamily="34" charset="-120"/>
+              </a:rPr>
+              <a:t>主  我心愛你</a:t>
+            </a:r>
+            <a:endParaRPr lang="en-US" altLang="zh-TW" sz="5400" b="1" dirty="0">
+              <a:solidFill>
+                <a:srgbClr val="002060"/>
+              </a:solidFill>
+              <a:latin typeface="微軟正黑體" pitchFamily="34" charset="-120"/>
+              <a:ea typeface="微軟正黑體" pitchFamily="34" charset="-120"/>
+            </a:endParaRPr>
+          </a:p>
+          <a:p>
+            <a:pPr marL="0" indent="0" algn="ctr">
+              <a:buNone/>
+            </a:pPr>
+            <a:r>
+              <a:rPr lang="zh-TW" altLang="en-US" sz="5400" b="1" dirty="0">
+                <a:solidFill>
+                  <a:srgbClr val="002060"/>
+                </a:solidFill>
+                <a:latin typeface="微軟正黑體" pitchFamily="34" charset="-120"/>
+                <a:ea typeface="微軟正黑體" pitchFamily="34" charset="-120"/>
+              </a:rPr>
+              <a:t>我渴望活在你的懷裡</a:t>
+            </a:r>
+            <a:endParaRPr lang="en-US" altLang="zh-TW" sz="5400" b="1" dirty="0">
+              <a:solidFill>
+                <a:srgbClr val="002060"/>
+              </a:solidFill>
+              <a:latin typeface="微軟正黑體" pitchFamily="34" charset="-120"/>
+              <a:ea typeface="微軟正黑體" pitchFamily="34" charset="-120"/>
+            </a:endParaRPr>
+          </a:p>
+          <a:p>
+            <a:pPr marL="0" indent="0" algn="ctr">
+              <a:buNone/>
+            </a:pPr>
+            <a:r>
+              <a:rPr lang="zh-TW" altLang="en-US" sz="5400" b="1" dirty="0">
+                <a:solidFill>
+                  <a:srgbClr val="002060"/>
+                </a:solidFill>
+                <a:latin typeface="微軟正黑體" pitchFamily="34" charset="-120"/>
+                <a:ea typeface="微軟正黑體" pitchFamily="34" charset="-120"/>
+              </a:rPr>
+              <a:t>每天與你同在</a:t>
+            </a:r>
+            <a:endParaRPr lang="en-US" altLang="zh-TW" sz="5400" b="1" dirty="0">
+              <a:solidFill>
+                <a:srgbClr val="002060"/>
+              </a:solidFill>
+              <a:latin typeface="微軟正黑體" pitchFamily="34" charset="-120"/>
+              <a:ea typeface="微軟正黑體" pitchFamily="34" charset="-120"/>
+            </a:endParaRPr>
+          </a:p>
+          <a:p>
+            <a:pPr marL="0" indent="0" algn="ctr">
+              <a:buNone/>
+            </a:pPr>
+            <a:r>
+              <a:rPr lang="zh-TW" altLang="en-US" sz="5400" b="1" dirty="0">
+                <a:solidFill>
+                  <a:srgbClr val="002060"/>
+                </a:solidFill>
+                <a:latin typeface="微軟正黑體" pitchFamily="34" charset="-120"/>
+                <a:ea typeface="微軟正黑體" pitchFamily="34" charset="-120"/>
+              </a:rPr>
+              <a:t>享受你的大愛</a:t>
+            </a:r>
+            <a:endParaRPr lang="en-US" sz="5400" b="1" dirty="0">
+              <a:solidFill>
+                <a:srgbClr val="002060"/>
+              </a:solidFill>
+              <a:latin typeface="微軟正黑體" pitchFamily="34" charset="-120"/>
+              <a:ea typeface="微軟正黑體" pitchFamily="34" charset="-120"/>
+            </a:endParaRPr>
+          </a:p>
+        </p:txBody>
+      </p:sp>
+    </p:spTree>
+    <p:extLst>
+      <p:ext uri="{BB962C8B-B14F-4D97-AF65-F5344CB8AC3E}">
+        <p14:creationId xmlns="" xmlns:p14="http://schemas.microsoft.com/office/powerpoint/2010/main" val="466449364"/>
+      </p:ext>
+    </p:extLst>
+  </p:cSld>
+  <p:clrMapOvr>
+    <a:masterClrMapping/>
+  </p:clrMapOvr>
+</p:sld>
+</file>
+
+<file path=ppt/slides/slide9.xml><?xml version="1.0" encoding="utf-8"?>
+<p:sld xmlns:a="http://schemas.openxmlformats.org/drawingml/2006/main" xmlns:r="http://schemas.openxmlformats.org/officeDocument/2006/relationships" xmlns:p="http://schemas.openxmlformats.org/presentationml/2006/main">
+  <p:cSld>
+    <p:spTree>
+      <p:nvGrpSpPr>
+        <p:cNvPr id="1" name=""/>
+        <p:cNvGrpSpPr/>
+        <p:nvPr/>
+      </p:nvGrpSpPr>
+      <p:grpSpPr>
+        <a:xfrm>
+          <a:off x="0" y="0"/>
+          <a:ext cx="0" cy="0"/>
+          <a:chOff x="0" y="0"/>
+          <a:chExt cx="0" cy="0"/>
+        </a:xfrm>
+      </p:grpSpPr>
+      <p:sp>
+        <p:nvSpPr>
+          <p:cNvPr id="2" name="Title 1">
+            <a:extLst>
+              <a:ext uri="{FF2B5EF4-FFF2-40B4-BE49-F238E27FC236}">
+                <a16:creationId xmlns="" xmlns:a16="http://schemas.microsoft.com/office/drawing/2014/main" id="{B6F284A6-4082-460F-84D5-43E3AA19EE45}"/>
+              </a:ext>
+            </a:extLst>
+          </p:cNvPr>
+          <p:cNvSpPr>
+            <a:spLocks noGrp="1"/>
+          </p:cNvSpPr>
+          <p:nvPr>
+            <p:ph type="title"/>
+          </p:nvPr>
+        </p:nvSpPr>
+        <p:spPr/>
+        <p:txBody>
+          <a:bodyPr/>
+          <a:lstStyle/>
+          <a:p>
+            <a:pPr algn="ctr"/>
+            <a:r>
+              <a:rPr lang="zh-CN" altLang="en-US" b="1" dirty="0">
+                <a:solidFill>
+                  <a:srgbClr val="002060"/>
+                </a:solidFill>
+                <a:latin typeface="微軟正黑體" pitchFamily="34" charset="-120"/>
+                <a:ea typeface="微軟正黑體" pitchFamily="34" charset="-120"/>
+              </a:rPr>
+              <a:t>每天的禱告</a:t>
+            </a:r>
+            <a:endParaRPr lang="en-US" b="1" dirty="0">
+              <a:solidFill>
+                <a:srgbClr val="002060"/>
+              </a:solidFill>
+              <a:latin typeface="微軟正黑體" pitchFamily="34" charset="-120"/>
+              <a:ea typeface="微軟正黑體" pitchFamily="34" charset="-120"/>
+            </a:endParaRPr>
+          </a:p>
+        </p:txBody>
+      </p:sp>
+      <p:sp>
+        <p:nvSpPr>
+          <p:cNvPr id="3" name="Content Placeholder 2">
+            <a:extLst>
+              <a:ext uri="{FF2B5EF4-FFF2-40B4-BE49-F238E27FC236}">
+                <a16:creationId xmlns="" xmlns:a16="http://schemas.microsoft.com/office/drawing/2014/main" id="{8F3B43DA-80DC-4D6F-85C7-D4EEB00EDF0B}"/>
+              </a:ext>
+            </a:extLst>
+          </p:cNvPr>
+          <p:cNvSpPr>
+            <a:spLocks noGrp="1"/>
+          </p:cNvSpPr>
+          <p:nvPr>
+            <p:ph idx="1"/>
+          </p:nvPr>
+        </p:nvSpPr>
+        <p:spPr/>
+        <p:txBody>
+          <a:bodyPr>
+            <a:normAutofit/>
+          </a:bodyPr>
+          <a:lstStyle/>
+          <a:p>
+            <a:pPr marL="0" indent="0" algn="ctr">
+              <a:buNone/>
+            </a:pPr>
+            <a:r>
+              <a:rPr lang="zh-TW" altLang="en-US" sz="5400" b="1" dirty="0">
+                <a:solidFill>
+                  <a:srgbClr val="002060"/>
+                </a:solidFill>
+                <a:latin typeface="微軟正黑體" pitchFamily="34" charset="-120"/>
+                <a:ea typeface="微軟正黑體" pitchFamily="34" charset="-120"/>
+              </a:rPr>
+              <a:t>醫治我受傷的心靈</a:t>
+            </a:r>
+            <a:endParaRPr lang="en-US" altLang="zh-TW" sz="5400" b="1" dirty="0">
+              <a:solidFill>
+                <a:srgbClr val="002060"/>
+              </a:solidFill>
+              <a:latin typeface="微軟正黑體" pitchFamily="34" charset="-120"/>
+              <a:ea typeface="微軟正黑體" pitchFamily="34" charset="-120"/>
+            </a:endParaRPr>
+          </a:p>
+          <a:p>
+            <a:pPr marL="0" indent="0" algn="ctr">
+              <a:buNone/>
+            </a:pPr>
+            <a:r>
+              <a:rPr lang="zh-TW" altLang="en-US" sz="5400" b="1" dirty="0">
+                <a:solidFill>
+                  <a:srgbClr val="002060"/>
+                </a:solidFill>
+                <a:latin typeface="微軟正黑體" pitchFamily="34" charset="-120"/>
+                <a:ea typeface="微軟正黑體" pitchFamily="34" charset="-120"/>
+              </a:rPr>
+              <a:t>改變我原有的生命</a:t>
+            </a:r>
+            <a:endParaRPr lang="en-US" altLang="zh-TW" sz="5400" b="1" dirty="0">
+              <a:solidFill>
+                <a:srgbClr val="002060"/>
+              </a:solidFill>
+              <a:latin typeface="微軟正黑體" pitchFamily="34" charset="-120"/>
+              <a:ea typeface="微軟正黑體" pitchFamily="34" charset="-120"/>
+            </a:endParaRPr>
+          </a:p>
+          <a:p>
+            <a:pPr marL="0" indent="0" algn="ctr">
+              <a:buNone/>
+            </a:pPr>
+            <a:r>
+              <a:rPr lang="zh-TW" altLang="en-US" sz="5400" b="1" dirty="0">
+                <a:solidFill>
+                  <a:srgbClr val="002060"/>
+                </a:solidFill>
+                <a:latin typeface="微軟正黑體" pitchFamily="34" charset="-120"/>
+                <a:ea typeface="微軟正黑體" pitchFamily="34" charset="-120"/>
+              </a:rPr>
+              <a:t>引導我當走的路</a:t>
+            </a:r>
+            <a:endParaRPr lang="en-US" altLang="zh-TW" sz="5400" b="1" dirty="0">
+              <a:solidFill>
+                <a:srgbClr val="002060"/>
+              </a:solidFill>
+              <a:latin typeface="微軟正黑體" pitchFamily="34" charset="-120"/>
+              <a:ea typeface="微軟正黑體" pitchFamily="34" charset="-120"/>
+            </a:endParaRPr>
+          </a:p>
+          <a:p>
+            <a:pPr marL="0" indent="0" algn="ctr">
+              <a:buNone/>
+            </a:pPr>
+            <a:r>
+              <a:rPr lang="zh-TW" altLang="en-US" sz="5400" b="1" dirty="0">
+                <a:solidFill>
+                  <a:srgbClr val="002060"/>
+                </a:solidFill>
+                <a:latin typeface="微軟正黑體" pitchFamily="34" charset="-120"/>
+                <a:ea typeface="微軟正黑體" pitchFamily="34" charset="-120"/>
+              </a:rPr>
+              <a:t>今天的服事求你托住</a:t>
+            </a:r>
+            <a:endParaRPr lang="en-US" sz="5400" b="1" dirty="0">
+              <a:solidFill>
+                <a:srgbClr val="002060"/>
+              </a:solidFill>
+              <a:latin typeface="微軟正黑體" pitchFamily="34" charset="-120"/>
+              <a:ea typeface="微軟正黑體" pitchFamily="34" charset="-120"/>
+            </a:endParaRPr>
+          </a:p>
+        </p:txBody>
+      </p:sp>
+    </p:spTree>
+    <p:extLst>
+      <p:ext uri="{BB962C8B-B14F-4D97-AF65-F5344CB8AC3E}">
+        <p14:creationId xmlns="" xmlns:p14="http://schemas.microsoft.com/office/powerpoint/2010/main" val="2398644539"/>
+      </p:ext>
+    </p:extLst>
   </p:cSld>
   <p:clrMapOvr>
     <a:masterClrMapping/>

--- a/日日夜夜(崇拜版).pptx
+++ b/日日夜夜(崇拜版).pptx
@@ -5,19 +5,23 @@
     <p:sldMasterId id="2147483660" r:id="rId1"/>
   </p:sldMasterIdLst>
   <p:sldIdLst>
-    <p:sldId id="256" r:id="rId2"/>
-    <p:sldId id="257" r:id="rId3"/>
-    <p:sldId id="258" r:id="rId4"/>
-    <p:sldId id="259" r:id="rId5"/>
-    <p:sldId id="260" r:id="rId6"/>
-    <p:sldId id="261" r:id="rId7"/>
-    <p:sldId id="262" r:id="rId8"/>
-    <p:sldId id="263" r:id="rId9"/>
-    <p:sldId id="264" r:id="rId10"/>
-    <p:sldId id="265" r:id="rId11"/>
-    <p:sldId id="266" r:id="rId12"/>
+    <p:sldId id="263" r:id="rId2"/>
+    <p:sldId id="264" r:id="rId3"/>
+    <p:sldId id="265" r:id="rId4"/>
+    <p:sldId id="266" r:id="rId5"/>
+    <p:sldId id="267" r:id="rId6"/>
+    <p:sldId id="268" r:id="rId7"/>
+    <p:sldId id="269" r:id="rId8"/>
+    <p:sldId id="270" r:id="rId9"/>
+    <p:sldId id="271" r:id="rId10"/>
+    <p:sldId id="272" r:id="rId11"/>
+    <p:sldId id="273" r:id="rId12"/>
+    <p:sldId id="274" r:id="rId13"/>
+    <p:sldId id="275" r:id="rId14"/>
+    <p:sldId id="276" r:id="rId15"/>
+    <p:sldId id="277" r:id="rId16"/>
   </p:sldIdLst>
-  <p:sldSz cx="9144000" cy="6858000" type="screen4x3"/>
+  <p:sldSz cx="12192000" cy="6858000"/>
   <p:notesSz cx="6858000" cy="9144000"/>
   <p:defaultTextStyle>
     <a:defPPr>
@@ -114,6 +118,22 @@
       </a:defRPr>
     </a:lvl9pPr>
   </p:defaultTextStyle>
+  <p:extLst>
+    <p:ext uri="{EFAFB233-063F-42B5-8137-9DF3F51BA10A}">
+      <p15:sldGuideLst xmlns:p15="http://schemas.microsoft.com/office/powerpoint/2012/main">
+        <p15:guide id="1" orient="horz" pos="2160" userDrawn="1">
+          <p15:clr>
+            <a:srgbClr val="A4A3A4"/>
+          </p15:clr>
+        </p15:guide>
+        <p15:guide id="2" pos="3840" userDrawn="1">
+          <p15:clr>
+            <a:srgbClr val="A4A3A4"/>
+          </p15:clr>
+        </p15:guide>
+      </p15:sldGuideLst>
+    </p:ext>
+  </p:extLst>
 </p:presentation>
 </file>
 
@@ -146,8 +166,8 @@
         </p:nvSpPr>
         <p:spPr>
           <a:xfrm>
-            <a:off x="685800" y="2130425"/>
-            <a:ext cx="7772400" cy="1470025"/>
+            <a:off x="914400" y="2130426"/>
+            <a:ext cx="10363200" cy="1470025"/>
           </a:xfrm>
         </p:spPr>
         <p:txBody>
@@ -174,8 +194,8 @@
         </p:nvSpPr>
         <p:spPr>
           <a:xfrm>
-            <a:off x="1371600" y="3886200"/>
-            <a:ext cx="6400800" cy="1752600"/>
+            <a:off x="1828800" y="3886200"/>
+            <a:ext cx="8534400" cy="1752600"/>
           </a:xfrm>
         </p:spPr>
         <p:txBody>
@@ -299,7 +319,7 @@
             <a:fld id="{04C1145A-3C92-4883-98E3-4E816F7AA2D1}" type="datetimeFigureOut">
               <a:rPr lang="zh-TW" altLang="en-US" smtClean="0"/>
               <a:pPr/>
-              <a:t>2019/1/22</a:t>
+              <a:t>2022/1/27</a:t>
             </a:fld>
             <a:endParaRPr lang="zh-TW" altLang="en-US"/>
           </a:p>
@@ -466,7 +486,7 @@
             <a:fld id="{04C1145A-3C92-4883-98E3-4E816F7AA2D1}" type="datetimeFigureOut">
               <a:rPr lang="zh-TW" altLang="en-US" smtClean="0"/>
               <a:pPr/>
-              <a:t>2019/1/22</a:t>
+              <a:t>2022/1/27</a:t>
             </a:fld>
             <a:endParaRPr lang="zh-TW" altLang="en-US"/>
           </a:p>
@@ -552,8 +572,8 @@
         </p:nvSpPr>
         <p:spPr>
           <a:xfrm>
-            <a:off x="6629400" y="274638"/>
-            <a:ext cx="2057400" cy="5851525"/>
+            <a:off x="8839200" y="274639"/>
+            <a:ext cx="2743200" cy="5851525"/>
           </a:xfrm>
         </p:spPr>
         <p:txBody>
@@ -580,8 +600,8 @@
         </p:nvSpPr>
         <p:spPr>
           <a:xfrm>
-            <a:off x="457200" y="274638"/>
-            <a:ext cx="6019800" cy="5851525"/>
+            <a:off x="609600" y="274639"/>
+            <a:ext cx="8026400" cy="5851525"/>
           </a:xfrm>
         </p:spPr>
         <p:txBody>
@@ -643,7 +663,7 @@
             <a:fld id="{04C1145A-3C92-4883-98E3-4E816F7AA2D1}" type="datetimeFigureOut">
               <a:rPr lang="zh-TW" altLang="en-US" smtClean="0"/>
               <a:pPr/>
-              <a:t>2019/1/22</a:t>
+              <a:t>2022/1/27</a:t>
             </a:fld>
             <a:endParaRPr lang="zh-TW" altLang="en-US"/>
           </a:p>
@@ -810,7 +830,7 @@
             <a:fld id="{04C1145A-3C92-4883-98E3-4E816F7AA2D1}" type="datetimeFigureOut">
               <a:rPr lang="zh-TW" altLang="en-US" smtClean="0"/>
               <a:pPr/>
-              <a:t>2019/1/22</a:t>
+              <a:t>2022/1/27</a:t>
             </a:fld>
             <a:endParaRPr lang="zh-TW" altLang="en-US"/>
           </a:p>
@@ -896,8 +916,8 @@
         </p:nvSpPr>
         <p:spPr>
           <a:xfrm>
-            <a:off x="722313" y="4406900"/>
-            <a:ext cx="7772400" cy="1362075"/>
+            <a:off x="963084" y="4406901"/>
+            <a:ext cx="10363200" cy="1362075"/>
           </a:xfrm>
         </p:spPr>
         <p:txBody>
@@ -928,8 +948,8 @@
         </p:nvSpPr>
         <p:spPr>
           <a:xfrm>
-            <a:off x="722313" y="2906713"/>
-            <a:ext cx="7772400" cy="1500187"/>
+            <a:off x="963084" y="2906713"/>
+            <a:ext cx="10363200" cy="1500187"/>
           </a:xfrm>
         </p:spPr>
         <p:txBody>
@@ -1053,7 +1073,7 @@
             <a:fld id="{04C1145A-3C92-4883-98E3-4E816F7AA2D1}" type="datetimeFigureOut">
               <a:rPr lang="zh-TW" altLang="en-US" smtClean="0"/>
               <a:pPr/>
-              <a:t>2019/1/22</a:t>
+              <a:t>2022/1/27</a:t>
             </a:fld>
             <a:endParaRPr lang="zh-TW" altLang="en-US"/>
           </a:p>
@@ -1162,8 +1182,8 @@
         </p:nvSpPr>
         <p:spPr>
           <a:xfrm>
-            <a:off x="457200" y="1600200"/>
-            <a:ext cx="4038600" cy="4525963"/>
+            <a:off x="609600" y="1600201"/>
+            <a:ext cx="5384800" cy="4525963"/>
           </a:xfrm>
         </p:spPr>
         <p:txBody>
@@ -1247,8 +1267,8 @@
         </p:nvSpPr>
         <p:spPr>
           <a:xfrm>
-            <a:off x="4648200" y="1600200"/>
-            <a:ext cx="4038600" cy="4525963"/>
+            <a:off x="6197600" y="1600201"/>
+            <a:ext cx="5384800" cy="4525963"/>
           </a:xfrm>
         </p:spPr>
         <p:txBody>
@@ -1338,7 +1358,7 @@
             <a:fld id="{04C1145A-3C92-4883-98E3-4E816F7AA2D1}" type="datetimeFigureOut">
               <a:rPr lang="zh-TW" altLang="en-US" smtClean="0"/>
               <a:pPr/>
-              <a:t>2019/1/22</a:t>
+              <a:t>2022/1/27</a:t>
             </a:fld>
             <a:endParaRPr lang="zh-TW" altLang="en-US"/>
           </a:p>
@@ -1451,8 +1471,8 @@
         </p:nvSpPr>
         <p:spPr>
           <a:xfrm>
-            <a:off x="457200" y="1535113"/>
-            <a:ext cx="4040188" cy="639762"/>
+            <a:off x="609600" y="1535113"/>
+            <a:ext cx="5386917" cy="639762"/>
           </a:xfrm>
         </p:spPr>
         <p:txBody>
@@ -1516,8 +1536,8 @@
         </p:nvSpPr>
         <p:spPr>
           <a:xfrm>
-            <a:off x="457200" y="2174875"/>
-            <a:ext cx="4040188" cy="3951288"/>
+            <a:off x="609600" y="2174875"/>
+            <a:ext cx="5386917" cy="3951288"/>
           </a:xfrm>
         </p:spPr>
         <p:txBody>
@@ -1601,8 +1621,8 @@
         </p:nvSpPr>
         <p:spPr>
           <a:xfrm>
-            <a:off x="4645025" y="1535113"/>
-            <a:ext cx="4041775" cy="639762"/>
+            <a:off x="6193368" y="1535113"/>
+            <a:ext cx="5389033" cy="639762"/>
           </a:xfrm>
         </p:spPr>
         <p:txBody>
@@ -1666,8 +1686,8 @@
         </p:nvSpPr>
         <p:spPr>
           <a:xfrm>
-            <a:off x="4645025" y="2174875"/>
-            <a:ext cx="4041775" cy="3951288"/>
+            <a:off x="6193368" y="2174875"/>
+            <a:ext cx="5389033" cy="3951288"/>
           </a:xfrm>
         </p:spPr>
         <p:txBody>
@@ -1757,7 +1777,7 @@
             <a:fld id="{04C1145A-3C92-4883-98E3-4E816F7AA2D1}" type="datetimeFigureOut">
               <a:rPr lang="zh-TW" altLang="en-US" smtClean="0"/>
               <a:pPr/>
-              <a:t>2019/1/22</a:t>
+              <a:t>2022/1/27</a:t>
             </a:fld>
             <a:endParaRPr lang="zh-TW" altLang="en-US"/>
           </a:p>
@@ -1872,7 +1892,7 @@
             <a:fld id="{04C1145A-3C92-4883-98E3-4E816F7AA2D1}" type="datetimeFigureOut">
               <a:rPr lang="zh-TW" altLang="en-US" smtClean="0"/>
               <a:pPr/>
-              <a:t>2019/1/22</a:t>
+              <a:t>2022/1/27</a:t>
             </a:fld>
             <a:endParaRPr lang="zh-TW" altLang="en-US"/>
           </a:p>
@@ -1964,7 +1984,7 @@
             <a:fld id="{04C1145A-3C92-4883-98E3-4E816F7AA2D1}" type="datetimeFigureOut">
               <a:rPr lang="zh-TW" altLang="en-US" smtClean="0"/>
               <a:pPr/>
-              <a:t>2019/1/22</a:t>
+              <a:t>2022/1/27</a:t>
             </a:fld>
             <a:endParaRPr lang="zh-TW" altLang="en-US"/>
           </a:p>
@@ -2050,8 +2070,8 @@
         </p:nvSpPr>
         <p:spPr>
           <a:xfrm>
-            <a:off x="457200" y="273050"/>
-            <a:ext cx="3008313" cy="1162050"/>
+            <a:off x="609601" y="273050"/>
+            <a:ext cx="4011084" cy="1162050"/>
           </a:xfrm>
         </p:spPr>
         <p:txBody>
@@ -2082,8 +2102,8 @@
         </p:nvSpPr>
         <p:spPr>
           <a:xfrm>
-            <a:off x="3575050" y="273050"/>
-            <a:ext cx="5111750" cy="5853113"/>
+            <a:off x="4766733" y="273051"/>
+            <a:ext cx="6815667" cy="5853113"/>
           </a:xfrm>
         </p:spPr>
         <p:txBody>
@@ -2167,8 +2187,8 @@
         </p:nvSpPr>
         <p:spPr>
           <a:xfrm>
-            <a:off x="457200" y="1435100"/>
-            <a:ext cx="3008313" cy="4691063"/>
+            <a:off x="609601" y="1435101"/>
+            <a:ext cx="4011084" cy="4691063"/>
           </a:xfrm>
         </p:spPr>
         <p:txBody>
@@ -2238,7 +2258,7 @@
             <a:fld id="{04C1145A-3C92-4883-98E3-4E816F7AA2D1}" type="datetimeFigureOut">
               <a:rPr lang="zh-TW" altLang="en-US" smtClean="0"/>
               <a:pPr/>
-              <a:t>2019/1/22</a:t>
+              <a:t>2022/1/27</a:t>
             </a:fld>
             <a:endParaRPr lang="zh-TW" altLang="en-US"/>
           </a:p>
@@ -2324,8 +2344,8 @@
         </p:nvSpPr>
         <p:spPr>
           <a:xfrm>
-            <a:off x="1792288" y="4800600"/>
-            <a:ext cx="5486400" cy="566738"/>
+            <a:off x="2389717" y="4800600"/>
+            <a:ext cx="7315200" cy="566738"/>
           </a:xfrm>
         </p:spPr>
         <p:txBody>
@@ -2356,8 +2376,8 @@
         </p:nvSpPr>
         <p:spPr>
           <a:xfrm>
-            <a:off x="1792288" y="612775"/>
-            <a:ext cx="5486400" cy="4114800"/>
+            <a:off x="2389717" y="612775"/>
+            <a:ext cx="7315200" cy="4114800"/>
           </a:xfrm>
         </p:spPr>
         <p:txBody>
@@ -2421,8 +2441,8 @@
         </p:nvSpPr>
         <p:spPr>
           <a:xfrm>
-            <a:off x="1792288" y="5367338"/>
-            <a:ext cx="5486400" cy="804862"/>
+            <a:off x="2389717" y="5367338"/>
+            <a:ext cx="7315200" cy="804862"/>
           </a:xfrm>
         </p:spPr>
         <p:txBody>
@@ -2492,7 +2512,7 @@
             <a:fld id="{04C1145A-3C92-4883-98E3-4E816F7AA2D1}" type="datetimeFigureOut">
               <a:rPr lang="zh-TW" altLang="en-US" smtClean="0"/>
               <a:pPr/>
-              <a:t>2019/1/22</a:t>
+              <a:t>2022/1/27</a:t>
             </a:fld>
             <a:endParaRPr lang="zh-TW" altLang="en-US"/>
           </a:p>
@@ -2588,8 +2608,8 @@
         </p:nvSpPr>
         <p:spPr>
           <a:xfrm>
-            <a:off x="457200" y="274638"/>
-            <a:ext cx="8229600" cy="1143000"/>
+            <a:off x="609600" y="274638"/>
+            <a:ext cx="10972800" cy="1143000"/>
           </a:xfrm>
           <a:prstGeom prst="rect">
             <a:avLst/>
@@ -2621,8 +2641,8 @@
         </p:nvSpPr>
         <p:spPr>
           <a:xfrm>
-            <a:off x="457200" y="1600200"/>
-            <a:ext cx="8229600" cy="4525963"/>
+            <a:off x="609600" y="1600201"/>
+            <a:ext cx="10972800" cy="4525963"/>
           </a:xfrm>
           <a:prstGeom prst="rect">
             <a:avLst/>
@@ -2683,8 +2703,8 @@
         </p:nvSpPr>
         <p:spPr>
           <a:xfrm>
-            <a:off x="457200" y="6356350"/>
-            <a:ext cx="2133600" cy="365125"/>
+            <a:off x="609600" y="6356351"/>
+            <a:ext cx="2844800" cy="365125"/>
           </a:xfrm>
           <a:prstGeom prst="rect">
             <a:avLst/>
@@ -2707,7 +2727,7 @@
             <a:fld id="{04C1145A-3C92-4883-98E3-4E816F7AA2D1}" type="datetimeFigureOut">
               <a:rPr lang="zh-TW" altLang="en-US" smtClean="0"/>
               <a:pPr/>
-              <a:t>2019/1/22</a:t>
+              <a:t>2022/1/27</a:t>
             </a:fld>
             <a:endParaRPr lang="zh-TW" altLang="en-US"/>
           </a:p>
@@ -2725,8 +2745,8 @@
         </p:nvSpPr>
         <p:spPr>
           <a:xfrm>
-            <a:off x="3124200" y="6356350"/>
-            <a:ext cx="2895600" cy="365125"/>
+            <a:off x="4165600" y="6356351"/>
+            <a:ext cx="3860800" cy="365125"/>
           </a:xfrm>
           <a:prstGeom prst="rect">
             <a:avLst/>
@@ -2762,8 +2782,8 @@
         </p:nvSpPr>
         <p:spPr>
           <a:xfrm>
-            <a:off x="6553200" y="6356350"/>
-            <a:ext cx="2133600" cy="365125"/>
+            <a:off x="8737600" y="6356351"/>
+            <a:ext cx="2844800" cy="365125"/>
           </a:xfrm>
           <a:prstGeom prst="rect">
             <a:avLst/>
@@ -3088,243 +3108,75 @@
             <p:ph type="title"/>
           </p:nvPr>
         </p:nvSpPr>
-        <p:spPr/>
-        <p:txBody>
-          <a:bodyPr/>
-          <a:lstStyle/>
-          <a:p>
-            <a:r>
-              <a:rPr lang="zh-CN" altLang="en-US" b="1" dirty="0" smtClean="0">
-                <a:solidFill>
-                  <a:srgbClr val="660033"/>
-                </a:solidFill>
+        <p:spPr>
+          <a:xfrm>
+            <a:off x="0" y="2660915"/>
+            <a:ext cx="12192000" cy="1143000"/>
+          </a:xfrm>
+        </p:spPr>
+        <p:txBody>
+          <a:bodyPr>
+            <a:noAutofit/>
+          </a:bodyPr>
+          <a:lstStyle/>
+          <a:p>
+            <a:r>
+              <a:rPr lang="zh-CN" altLang="en-US" sz="7200" b="1" i="1" dirty="0">
+                <a:solidFill>
+                  <a:srgbClr val="660033"/>
+                </a:solidFill>
+                <a:effectLst>
+                  <a:outerShdw blurRad="38100" dist="38100" dir="2700000" algn="tl">
+                    <a:srgbClr val="000000">
+                      <a:alpha val="43137"/>
+                    </a:srgbClr>
+                  </a:outerShdw>
+                </a:effectLst>
                 <a:latin typeface="微軟正黑體" pitchFamily="34" charset="-120"/>
                 <a:ea typeface="微軟正黑體" pitchFamily="34" charset="-120"/>
               </a:rPr>
-              <a:t>日日夜夜</a:t>
-            </a:r>
-            <a:endParaRPr lang="zh-TW" altLang="en-US" b="1" dirty="0">
+              <a:t>日</a:t>
+            </a:r>
+            <a:r>
+              <a:rPr lang="zh-CN" altLang="en-US" sz="7200" b="1" i="1" dirty="0">
+                <a:solidFill>
+                  <a:srgbClr val="660033"/>
+                </a:solidFill>
+                <a:effectLst>
+                  <a:outerShdw blurRad="38100" dist="38100" dir="2700000" algn="tl">
+                    <a:srgbClr val="000000">
+                      <a:alpha val="43137"/>
+                    </a:srgbClr>
+                  </a:outerShdw>
+                </a:effectLst>
+                <a:latin typeface="微軟正黑體" pitchFamily="34" charset="-120"/>
+                <a:ea typeface="微軟正黑體" pitchFamily="34" charset="-120"/>
+              </a:rPr>
+              <a:t>日夜夜</a:t>
+            </a:r>
+            <a:endParaRPr lang="zh-TW" altLang="en-US" sz="7200" b="1" i="1" dirty="0">
               <a:solidFill>
                 <a:srgbClr val="660033"/>
               </a:solidFill>
+              <a:effectLst>
+                <a:outerShdw blurRad="38100" dist="38100" dir="2700000" algn="tl">
+                  <a:srgbClr val="000000">
+                    <a:alpha val="43137"/>
+                  </a:srgbClr>
+                </a:outerShdw>
+              </a:effectLst>
               <a:latin typeface="微軟正黑體" pitchFamily="34" charset="-120"/>
               <a:ea typeface="微軟正黑體" pitchFamily="34" charset="-120"/>
             </a:endParaRPr>
           </a:p>
         </p:txBody>
       </p:sp>
-      <p:sp>
-        <p:nvSpPr>
-          <p:cNvPr id="5" name="內容版面配置區 4"/>
-          <p:cNvSpPr>
-            <a:spLocks noGrp="1"/>
-          </p:cNvSpPr>
-          <p:nvPr>
-            <p:ph idx="1"/>
-          </p:nvPr>
-        </p:nvSpPr>
-        <p:spPr/>
-        <p:txBody>
-          <a:bodyPr>
-            <a:noAutofit/>
-          </a:bodyPr>
-          <a:lstStyle/>
-          <a:p>
-            <a:pPr algn="ctr">
-              <a:buNone/>
-            </a:pPr>
-            <a:r>
-              <a:rPr lang="zh-TW" altLang="en-US" sz="5400" b="1" dirty="0" smtClean="0">
-                <a:solidFill>
-                  <a:srgbClr val="660033"/>
-                </a:solidFill>
-                <a:latin typeface="微軟正黑體" pitchFamily="34" charset="-120"/>
-                <a:ea typeface="微軟正黑體" pitchFamily="34" charset="-120"/>
-              </a:rPr>
-              <a:t>耶和華  你</a:t>
-            </a:r>
-            <a:r>
-              <a:rPr lang="zh-TW" altLang="en-US" sz="5400" b="1" dirty="0">
-                <a:solidFill>
-                  <a:srgbClr val="660033"/>
-                </a:solidFill>
-                <a:latin typeface="微軟正黑體" pitchFamily="34" charset="-120"/>
-                <a:ea typeface="微軟正黑體" pitchFamily="34" charset="-120"/>
-              </a:rPr>
-              <a:t>大榮耀</a:t>
-            </a:r>
-            <a:r>
-              <a:rPr lang="zh-TW" altLang="en-US" sz="5400" b="1" dirty="0" smtClean="0">
-                <a:solidFill>
-                  <a:srgbClr val="660033"/>
-                </a:solidFill>
-                <a:latin typeface="微軟正黑體" pitchFamily="34" charset="-120"/>
-                <a:ea typeface="微軟正黑體" pitchFamily="34" charset="-120"/>
-              </a:rPr>
-              <a:t>降臨</a:t>
-            </a:r>
-            <a:endParaRPr lang="en-US" altLang="zh-TW" sz="5400" b="1" dirty="0" smtClean="0">
-              <a:solidFill>
-                <a:srgbClr val="660033"/>
-              </a:solidFill>
-              <a:latin typeface="微軟正黑體" pitchFamily="34" charset="-120"/>
-              <a:ea typeface="微軟正黑體" pitchFamily="34" charset="-120"/>
-            </a:endParaRPr>
-          </a:p>
-          <a:p>
-            <a:pPr algn="ctr">
-              <a:buNone/>
-            </a:pPr>
-            <a:r>
-              <a:rPr lang="zh-TW" altLang="en-US" sz="5400" b="1" dirty="0" smtClean="0">
-                <a:solidFill>
-                  <a:srgbClr val="660033"/>
-                </a:solidFill>
-                <a:latin typeface="微軟正黑體" pitchFamily="34" charset="-120"/>
-                <a:ea typeface="微軟正黑體" pitchFamily="34" charset="-120"/>
-              </a:rPr>
-              <a:t>在</a:t>
-            </a:r>
-            <a:r>
-              <a:rPr lang="zh-TW" altLang="en-US" sz="5400" b="1" dirty="0">
-                <a:solidFill>
-                  <a:srgbClr val="660033"/>
-                </a:solidFill>
-                <a:latin typeface="微軟正黑體" pitchFamily="34" charset="-120"/>
-                <a:ea typeface="微軟正黑體" pitchFamily="34" charset="-120"/>
-              </a:rPr>
-              <a:t>地上如天上的敬</a:t>
-            </a:r>
-            <a:r>
-              <a:rPr lang="zh-TW" altLang="en-US" sz="5400" b="1" dirty="0" smtClean="0">
-                <a:solidFill>
-                  <a:srgbClr val="660033"/>
-                </a:solidFill>
-                <a:latin typeface="微軟正黑體" pitchFamily="34" charset="-120"/>
-                <a:ea typeface="微軟正黑體" pitchFamily="34" charset="-120"/>
-              </a:rPr>
-              <a:t>拜</a:t>
-            </a:r>
-            <a:endParaRPr lang="en-US" altLang="zh-TW" sz="5400" b="1" dirty="0">
-              <a:solidFill>
-                <a:srgbClr val="660033"/>
-              </a:solidFill>
-              <a:latin typeface="微軟正黑體" pitchFamily="34" charset="-120"/>
-              <a:ea typeface="微軟正黑體" pitchFamily="34" charset="-120"/>
-            </a:endParaRPr>
-          </a:p>
-          <a:p>
-            <a:pPr algn="ctr">
-              <a:buNone/>
-            </a:pPr>
-            <a:r>
-              <a:rPr lang="zh-TW" altLang="en-US" sz="5400" b="1" dirty="0" smtClean="0">
-                <a:solidFill>
-                  <a:srgbClr val="660033"/>
-                </a:solidFill>
-                <a:latin typeface="微軟正黑體" pitchFamily="34" charset="-120"/>
-                <a:ea typeface="微軟正黑體" pitchFamily="34" charset="-120"/>
-              </a:rPr>
-              <a:t>你</a:t>
-            </a:r>
-            <a:r>
-              <a:rPr lang="zh-TW" altLang="en-US" sz="5400" b="1" dirty="0">
-                <a:solidFill>
-                  <a:srgbClr val="660033"/>
-                </a:solidFill>
-                <a:latin typeface="微軟正黑體" pitchFamily="34" charset="-120"/>
-                <a:ea typeface="微軟正黑體" pitchFamily="34" charset="-120"/>
-              </a:rPr>
-              <a:t>是我們的</a:t>
-            </a:r>
-            <a:r>
-              <a:rPr lang="zh-TW" altLang="en-US" sz="5400" b="1" dirty="0" smtClean="0">
-                <a:solidFill>
-                  <a:srgbClr val="660033"/>
-                </a:solidFill>
-                <a:latin typeface="微軟正黑體" pitchFamily="34" charset="-120"/>
-                <a:ea typeface="微軟正黑體" pitchFamily="34" charset="-120"/>
-              </a:rPr>
-              <a:t>神</a:t>
-            </a:r>
-            <a:endParaRPr lang="en-US" altLang="zh-TW" sz="5400" b="1" dirty="0" smtClean="0">
-              <a:solidFill>
-                <a:srgbClr val="660033"/>
-              </a:solidFill>
-              <a:latin typeface="微軟正黑體" pitchFamily="34" charset="-120"/>
-              <a:ea typeface="微軟正黑體" pitchFamily="34" charset="-120"/>
-            </a:endParaRPr>
-          </a:p>
-          <a:p>
-            <a:pPr algn="ctr">
-              <a:buNone/>
-            </a:pPr>
-            <a:r>
-              <a:rPr lang="zh-TW" altLang="en-US" sz="5400" b="1" dirty="0" smtClean="0">
-                <a:solidFill>
-                  <a:srgbClr val="660033"/>
-                </a:solidFill>
-                <a:latin typeface="微軟正黑體" pitchFamily="34" charset="-120"/>
-                <a:ea typeface="微軟正黑體" pitchFamily="34" charset="-120"/>
-              </a:rPr>
-              <a:t>我們</a:t>
-            </a:r>
-            <a:r>
-              <a:rPr lang="zh-TW" altLang="en-US" sz="5400" b="1" dirty="0">
-                <a:solidFill>
-                  <a:srgbClr val="660033"/>
-                </a:solidFill>
-                <a:latin typeface="微軟正黑體" pitchFamily="34" charset="-120"/>
-                <a:ea typeface="微軟正黑體" pitchFamily="34" charset="-120"/>
-              </a:rPr>
-              <a:t>是你子</a:t>
-            </a:r>
-            <a:r>
-              <a:rPr lang="zh-TW" altLang="en-US" sz="5400" b="1" dirty="0" smtClean="0">
-                <a:solidFill>
-                  <a:srgbClr val="660033"/>
-                </a:solidFill>
-                <a:latin typeface="微軟正黑體" pitchFamily="34" charset="-120"/>
-                <a:ea typeface="微軟正黑體" pitchFamily="34" charset="-120"/>
-              </a:rPr>
-              <a:t>民</a:t>
-            </a:r>
-            <a:endParaRPr lang="en-US" altLang="zh-TW" sz="5400" b="1" dirty="0" smtClean="0">
-              <a:solidFill>
-                <a:srgbClr val="660033"/>
-              </a:solidFill>
-              <a:latin typeface="微軟正黑體" pitchFamily="34" charset="-120"/>
-              <a:ea typeface="微軟正黑體" pitchFamily="34" charset="-120"/>
-            </a:endParaRPr>
-          </a:p>
-          <a:p>
-            <a:pPr algn="ctr">
-              <a:buNone/>
-            </a:pPr>
-            <a:r>
-              <a:rPr lang="zh-TW" altLang="en-US" sz="5400" b="1" dirty="0" smtClean="0">
-                <a:solidFill>
-                  <a:srgbClr val="660033"/>
-                </a:solidFill>
-                <a:latin typeface="微軟正黑體" pitchFamily="34" charset="-120"/>
-                <a:ea typeface="微軟正黑體" pitchFamily="34" charset="-120"/>
-              </a:rPr>
-              <a:t>因</a:t>
-            </a:r>
-            <a:r>
-              <a:rPr lang="zh-TW" altLang="en-US" sz="5400" b="1" dirty="0">
-                <a:solidFill>
-                  <a:srgbClr val="660033"/>
-                </a:solidFill>
-                <a:latin typeface="微軟正黑體" pitchFamily="34" charset="-120"/>
-                <a:ea typeface="微軟正黑體" pitchFamily="34" charset="-120"/>
-              </a:rPr>
-              <a:t>你榮耀我不住敬拜</a:t>
-            </a:r>
-          </a:p>
-        </p:txBody>
-      </p:sp>
     </p:spTree>
+    <p:extLst>
+      <p:ext uri="{BB962C8B-B14F-4D97-AF65-F5344CB8AC3E}">
+        <p14:creationId xmlns:p14="http://schemas.microsoft.com/office/powerpoint/2010/main" val="1263052430"/>
+      </p:ext>
+    </p:extLst>
   </p:cSld>
   <p:clrMapOvr>
     <a:masterClrMapping/>
@@ -3351,154 +3203,144 @@
       </p:grpSpPr>
       <p:sp>
         <p:nvSpPr>
-          <p:cNvPr id="2" name="Title 1">
-            <a:extLst>
-              <a:ext uri="{FF2B5EF4-FFF2-40B4-BE49-F238E27FC236}">
-                <a16:creationId xmlns="" xmlns:a16="http://schemas.microsoft.com/office/drawing/2014/main" id="{B6F284A6-4082-460F-84D5-43E3AA19EE45}"/>
-              </a:ext>
-            </a:extLst>
-          </p:cNvPr>
-          <p:cNvSpPr>
-            <a:spLocks noGrp="1"/>
-          </p:cNvSpPr>
-          <p:nvPr>
-            <p:ph type="title"/>
-          </p:nvPr>
-        </p:nvSpPr>
-        <p:spPr/>
-        <p:txBody>
-          <a:bodyPr/>
-          <a:lstStyle/>
-          <a:p>
-            <a:pPr algn="ctr"/>
-            <a:r>
-              <a:rPr lang="zh-CN" altLang="en-US" b="1" dirty="0">
-                <a:solidFill>
-                  <a:srgbClr val="002060"/>
+          <p:cNvPr id="5" name="內容版面配置區 4"/>
+          <p:cNvSpPr>
+            <a:spLocks noGrp="1"/>
+          </p:cNvSpPr>
+          <p:nvPr>
+            <p:ph idx="1"/>
+          </p:nvPr>
+        </p:nvSpPr>
+        <p:spPr>
+          <a:xfrm>
+            <a:off x="0" y="2084851"/>
+            <a:ext cx="12192000" cy="2404863"/>
+          </a:xfrm>
+        </p:spPr>
+        <p:txBody>
+          <a:bodyPr anchor="ctr">
+            <a:normAutofit/>
+          </a:bodyPr>
+          <a:lstStyle/>
+          <a:p>
+            <a:pPr algn="ctr">
+              <a:buNone/>
+            </a:pPr>
+            <a:r>
+              <a:rPr lang="zh-TW" altLang="en-US" sz="6400" b="1" dirty="0">
+                <a:solidFill>
+                  <a:srgbClr val="660033"/>
                 </a:solidFill>
                 <a:latin typeface="微軟正黑體" pitchFamily="34" charset="-120"/>
                 <a:ea typeface="微軟正黑體" pitchFamily="34" charset="-120"/>
               </a:rPr>
-              <a:t>每天的禱告</a:t>
-            </a:r>
-            <a:endParaRPr lang="en-US" b="1" dirty="0">
+              <a:t>聖哉   聖哉   聖哉</a:t>
+            </a:r>
+            <a:endParaRPr lang="en-US" altLang="zh-TW" sz="6400" b="1" dirty="0">
               <a:solidFill>
-                <a:srgbClr val="002060"/>
+                <a:srgbClr val="660033"/>
               </a:solidFill>
               <a:latin typeface="微軟正黑體" pitchFamily="34" charset="-120"/>
               <a:ea typeface="微軟正黑體" pitchFamily="34" charset="-120"/>
             </a:endParaRPr>
           </a:p>
-        </p:txBody>
-      </p:sp>
-      <p:sp>
-        <p:nvSpPr>
-          <p:cNvPr id="3" name="Content Placeholder 2">
-            <a:extLst>
-              <a:ext uri="{FF2B5EF4-FFF2-40B4-BE49-F238E27FC236}">
-                <a16:creationId xmlns="" xmlns:a16="http://schemas.microsoft.com/office/drawing/2014/main" id="{8F3B43DA-80DC-4D6F-85C7-D4EEB00EDF0B}"/>
-              </a:ext>
-            </a:extLst>
-          </p:cNvPr>
-          <p:cNvSpPr>
-            <a:spLocks noGrp="1"/>
-          </p:cNvSpPr>
-          <p:nvPr>
-            <p:ph idx="1"/>
-          </p:nvPr>
-        </p:nvSpPr>
-        <p:spPr/>
-        <p:txBody>
-          <a:bodyPr>
-            <a:normAutofit/>
-          </a:bodyPr>
-          <a:lstStyle/>
-          <a:p>
-            <a:pPr marL="0" indent="0" algn="ctr">
+          <a:p>
+            <a:pPr algn="ctr">
               <a:buNone/>
             </a:pPr>
             <a:r>
-              <a:rPr lang="zh-TW" altLang="en-US" sz="5400" b="1" dirty="0">
-                <a:solidFill>
-                  <a:srgbClr val="002060"/>
+              <a:rPr lang="zh-TW" altLang="en-US" sz="6400" b="1" dirty="0">
+                <a:solidFill>
+                  <a:srgbClr val="660033"/>
                 </a:solidFill>
                 <a:latin typeface="微軟正黑體" pitchFamily="34" charset="-120"/>
                 <a:ea typeface="微軟正黑體" pitchFamily="34" charset="-120"/>
               </a:rPr>
-              <a:t>哦  主啊  求你改變我</a:t>
-            </a:r>
-            <a:endParaRPr lang="en-US" altLang="zh-TW" sz="5400" b="1" dirty="0">
+              <a:t>昔在今在永在</a:t>
+            </a:r>
+            <a:endParaRPr lang="en-US" altLang="zh-TW" sz="6400" b="1" dirty="0">
               <a:solidFill>
-                <a:srgbClr val="002060"/>
+                <a:srgbClr val="660033"/>
               </a:solidFill>
               <a:latin typeface="微軟正黑體" pitchFamily="34" charset="-120"/>
               <a:ea typeface="微軟正黑體" pitchFamily="34" charset="-120"/>
             </a:endParaRPr>
           </a:p>
-          <a:p>
-            <a:pPr marL="0" indent="0" algn="ctr">
-              <a:buNone/>
-            </a:pPr>
-            <a:r>
-              <a:rPr lang="zh-TW" altLang="en-US" sz="5400" b="1" dirty="0">
-                <a:solidFill>
-                  <a:srgbClr val="002060"/>
-                </a:solidFill>
-                <a:latin typeface="微軟正黑體" pitchFamily="34" charset="-120"/>
-                <a:ea typeface="微軟正黑體" pitchFamily="34" charset="-120"/>
-              </a:rPr>
-              <a:t>心思意念願你來雕琢</a:t>
-            </a:r>
-            <a:endParaRPr lang="en-US" altLang="zh-TW" sz="5400" b="1" dirty="0">
+        </p:txBody>
+      </p:sp>
+      <p:sp>
+        <p:nvSpPr>
+          <p:cNvPr id="3" name="TextBox 2"/>
+          <p:cNvSpPr txBox="1"/>
+          <p:nvPr/>
+        </p:nvSpPr>
+        <p:spPr>
+          <a:xfrm>
+            <a:off x="0" y="5157193"/>
+            <a:ext cx="12192000" cy="830997"/>
+          </a:xfrm>
+          <a:prstGeom prst="rect">
+            <a:avLst/>
+          </a:prstGeom>
+          <a:noFill/>
+        </p:spPr>
+        <p:txBody>
+          <a:bodyPr wrap="square" rtlCol="0" anchor="ctr">
+            <a:spAutoFit/>
+          </a:bodyPr>
+          <a:lstStyle/>
+          <a:p>
+            <a:pPr algn="ctr"/>
+            <a:r>
+              <a:rPr lang="en-US" sz="4800" b="1" dirty="0">
+                <a:solidFill>
+                  <a:srgbClr val="660033"/>
+                </a:solidFill>
+                <a:effectLst/>
+                <a:latin typeface="Microsoft JhengHei" panose="020B0604030504040204" pitchFamily="34" charset="-120"/>
+                <a:ea typeface="Microsoft JhengHei" panose="020B0604030504040204" pitchFamily="34" charset="-120"/>
+              </a:rPr>
+              <a:t>( </a:t>
+            </a:r>
+            <a:r>
+              <a:rPr lang="zh-CN" altLang="en-US" sz="4800" b="1" dirty="0">
+                <a:solidFill>
+                  <a:srgbClr val="660033"/>
+                </a:solidFill>
+                <a:effectLst/>
+                <a:latin typeface="Microsoft JhengHei" panose="020B0604030504040204" pitchFamily="34" charset="-120"/>
+                <a:ea typeface="Microsoft JhengHei" panose="020B0604030504040204" pitchFamily="34" charset="-120"/>
+              </a:rPr>
+              <a:t>副</a:t>
+            </a:r>
+            <a:r>
+              <a:rPr lang="en-US" sz="4800" b="1" dirty="0">
+                <a:solidFill>
+                  <a:srgbClr val="660033"/>
+                </a:solidFill>
+                <a:effectLst/>
+                <a:latin typeface="Microsoft JhengHei" panose="020B0604030504040204" pitchFamily="34" charset="-120"/>
+                <a:ea typeface="Microsoft JhengHei" panose="020B0604030504040204" pitchFamily="34" charset="-120"/>
+              </a:rPr>
+              <a:t> </a:t>
+            </a:r>
+            <a:r>
+              <a:rPr lang="en-US" sz="4800" b="1" dirty="0">
+                <a:solidFill>
+                  <a:srgbClr val="660033"/>
+                </a:solidFill>
+                <a:effectLst/>
+                <a:latin typeface="Microsoft JhengHei" panose="020B0604030504040204" pitchFamily="34" charset="-120"/>
+                <a:ea typeface="Microsoft JhengHei" panose="020B0604030504040204" pitchFamily="34" charset="-120"/>
+              </a:rPr>
+              <a:t>)</a:t>
+            </a:r>
+            <a:endParaRPr lang="vi-VN" sz="4800" b="1" dirty="0">
               <a:solidFill>
-                <a:srgbClr val="002060"/>
+                <a:srgbClr val="660033"/>
               </a:solidFill>
-              <a:latin typeface="微軟正黑體" pitchFamily="34" charset="-120"/>
-              <a:ea typeface="微軟正黑體" pitchFamily="34" charset="-120"/>
-            </a:endParaRPr>
-          </a:p>
-          <a:p>
-            <a:pPr marL="0" indent="0" algn="ctr">
-              <a:buNone/>
-            </a:pPr>
-            <a:r>
-              <a:rPr lang="zh-TW" altLang="en-US" sz="5400" b="1" dirty="0">
-                <a:solidFill>
-                  <a:srgbClr val="002060"/>
-                </a:solidFill>
-                <a:latin typeface="微軟正黑體" pitchFamily="34" charset="-120"/>
-                <a:ea typeface="微軟正黑體" pitchFamily="34" charset="-120"/>
-              </a:rPr>
-              <a:t>使我能更加像你</a:t>
-            </a:r>
-            <a:endParaRPr lang="en-US" altLang="zh-TW" sz="5400" b="1" dirty="0">
-              <a:solidFill>
-                <a:srgbClr val="002060"/>
-              </a:solidFill>
-              <a:latin typeface="微軟正黑體" pitchFamily="34" charset="-120"/>
-              <a:ea typeface="微軟正黑體" pitchFamily="34" charset="-120"/>
-            </a:endParaRPr>
-          </a:p>
-          <a:p>
-            <a:pPr marL="0" indent="0" algn="ctr">
-              <a:buNone/>
-            </a:pPr>
-            <a:r>
-              <a:rPr lang="zh-TW" altLang="en-US" sz="5400" b="1" dirty="0">
-                <a:solidFill>
-                  <a:srgbClr val="002060"/>
-                </a:solidFill>
-                <a:latin typeface="微軟正黑體" pitchFamily="34" charset="-120"/>
-                <a:ea typeface="微軟正黑體" pitchFamily="34" charset="-120"/>
-              </a:rPr>
-              <a:t>帶著耶穌的香氣</a:t>
-            </a:r>
-            <a:endParaRPr lang="en-US" sz="5400" b="1" dirty="0">
-              <a:solidFill>
-                <a:srgbClr val="002060"/>
-              </a:solidFill>
-              <a:latin typeface="微軟正黑體" pitchFamily="34" charset="-120"/>
-              <a:ea typeface="微軟正黑體" pitchFamily="34" charset="-120"/>
+              <a:effectLst/>
+              <a:ea typeface="Microsoft JhengHei" panose="020B0604030504040204" pitchFamily="34" charset="-120"/>
             </a:endParaRPr>
           </a:p>
         </p:txBody>
@@ -3506,7 +3348,7 @@
     </p:spTree>
     <p:extLst>
       <p:ext uri="{BB962C8B-B14F-4D97-AF65-F5344CB8AC3E}">
-        <p14:creationId xmlns="" xmlns:p14="http://schemas.microsoft.com/office/powerpoint/2010/main" val="3202128766"/>
+        <p14:creationId xmlns:p14="http://schemas.microsoft.com/office/powerpoint/2010/main" val="3311725220"/>
       </p:ext>
     </p:extLst>
   </p:cSld>
@@ -3535,189 +3377,846 @@
       </p:grpSpPr>
       <p:sp>
         <p:nvSpPr>
-          <p:cNvPr id="2" name="Title 1">
-            <a:extLst>
-              <a:ext uri="{FF2B5EF4-FFF2-40B4-BE49-F238E27FC236}">
-                <a16:creationId xmlns="" xmlns:a16="http://schemas.microsoft.com/office/drawing/2014/main" id="{B6F284A6-4082-460F-84D5-43E3AA19EE45}"/>
-              </a:ext>
-            </a:extLst>
-          </p:cNvPr>
-          <p:cNvSpPr>
-            <a:spLocks noGrp="1"/>
-          </p:cNvSpPr>
-          <p:nvPr>
-            <p:ph type="title"/>
-          </p:nvPr>
-        </p:nvSpPr>
-        <p:spPr/>
-        <p:txBody>
-          <a:bodyPr/>
-          <a:lstStyle/>
-          <a:p>
-            <a:pPr algn="ctr"/>
-            <a:r>
-              <a:rPr lang="zh-CN" altLang="en-US" b="1" dirty="0">
-                <a:solidFill>
-                  <a:srgbClr val="002060"/>
+          <p:cNvPr id="5" name="內容版面配置區 4"/>
+          <p:cNvSpPr>
+            <a:spLocks noGrp="1"/>
+          </p:cNvSpPr>
+          <p:nvPr>
+            <p:ph idx="1"/>
+          </p:nvPr>
+        </p:nvSpPr>
+        <p:spPr>
+          <a:xfrm>
+            <a:off x="0" y="2084851"/>
+            <a:ext cx="12192000" cy="2404863"/>
+          </a:xfrm>
+        </p:spPr>
+        <p:txBody>
+          <a:bodyPr anchor="ctr">
+            <a:normAutofit/>
+          </a:bodyPr>
+          <a:lstStyle/>
+          <a:p>
+            <a:pPr algn="ctr">
+              <a:buNone/>
+            </a:pPr>
+            <a:r>
+              <a:rPr lang="zh-TW" altLang="en-US" sz="6400" b="1" dirty="0">
+                <a:solidFill>
+                  <a:srgbClr val="660033"/>
                 </a:solidFill>
                 <a:latin typeface="微軟正黑體" pitchFamily="34" charset="-120"/>
                 <a:ea typeface="微軟正黑體" pitchFamily="34" charset="-120"/>
               </a:rPr>
-              <a:t>每天的禱告</a:t>
-            </a:r>
-            <a:endParaRPr lang="en-US" b="1" dirty="0">
+              <a:t>榮耀   榮耀   榮耀</a:t>
+            </a:r>
+            <a:endParaRPr lang="en-US" altLang="zh-TW" sz="6400" b="1" dirty="0">
               <a:solidFill>
-                <a:srgbClr val="002060"/>
+                <a:srgbClr val="660033"/>
               </a:solidFill>
               <a:latin typeface="微軟正黑體" pitchFamily="34" charset="-120"/>
               <a:ea typeface="微軟正黑體" pitchFamily="34" charset="-120"/>
             </a:endParaRPr>
           </a:p>
-        </p:txBody>
-      </p:sp>
-      <p:sp>
-        <p:nvSpPr>
-          <p:cNvPr id="3" name="Content Placeholder 2">
-            <a:extLst>
-              <a:ext uri="{FF2B5EF4-FFF2-40B4-BE49-F238E27FC236}">
-                <a16:creationId xmlns="" xmlns:a16="http://schemas.microsoft.com/office/drawing/2014/main" id="{8F3B43DA-80DC-4D6F-85C7-D4EEB00EDF0B}"/>
-              </a:ext>
-            </a:extLst>
-          </p:cNvPr>
-          <p:cNvSpPr>
-            <a:spLocks noGrp="1"/>
-          </p:cNvSpPr>
-          <p:nvPr>
-            <p:ph idx="1"/>
-          </p:nvPr>
-        </p:nvSpPr>
-        <p:spPr>
-          <a:xfrm>
-            <a:off x="628650" y="1825625"/>
-            <a:ext cx="7886700" cy="4522166"/>
-          </a:xfrm>
-        </p:spPr>
-        <p:txBody>
-          <a:bodyPr>
-            <a:normAutofit lnSpcReduction="10000"/>
-          </a:bodyPr>
-          <a:lstStyle/>
-          <a:p>
-            <a:pPr marL="0" indent="0" algn="ctr">
+          <a:p>
+            <a:pPr algn="ctr">
               <a:buNone/>
             </a:pPr>
             <a:r>
-              <a:rPr lang="zh-TW" altLang="en-US" sz="5400" b="1" dirty="0">
-                <a:solidFill>
-                  <a:srgbClr val="002060"/>
+              <a:rPr lang="zh-TW" altLang="en-US" sz="6400" b="1" dirty="0">
+                <a:solidFill>
+                  <a:srgbClr val="660033"/>
                 </a:solidFill>
                 <a:latin typeface="微軟正黑體" pitchFamily="34" charset="-120"/>
                 <a:ea typeface="微軟正黑體" pitchFamily="34" charset="-120"/>
               </a:rPr>
-              <a:t>哦  主啊  求你吸引我</a:t>
-            </a:r>
-            <a:endParaRPr lang="en-US" altLang="zh-TW" sz="5400" b="1" dirty="0">
+              <a:t>配得頌讚愛戴</a:t>
+            </a:r>
+            <a:endParaRPr lang="zh-TW" altLang="en-US" sz="6400" b="1" dirty="0">
               <a:solidFill>
-                <a:srgbClr val="002060"/>
+                <a:srgbClr val="660033"/>
               </a:solidFill>
               <a:latin typeface="微軟正黑體" pitchFamily="34" charset="-120"/>
               <a:ea typeface="微軟正黑體" pitchFamily="34" charset="-120"/>
             </a:endParaRPr>
           </a:p>
-          <a:p>
-            <a:pPr marL="0" indent="0" algn="ctr">
+        </p:txBody>
+      </p:sp>
+      <p:sp>
+        <p:nvSpPr>
+          <p:cNvPr id="3" name="TextBox 2"/>
+          <p:cNvSpPr txBox="1"/>
+          <p:nvPr/>
+        </p:nvSpPr>
+        <p:spPr>
+          <a:xfrm>
+            <a:off x="0" y="5157193"/>
+            <a:ext cx="12192000" cy="830997"/>
+          </a:xfrm>
+          <a:prstGeom prst="rect">
+            <a:avLst/>
+          </a:prstGeom>
+          <a:noFill/>
+        </p:spPr>
+        <p:txBody>
+          <a:bodyPr wrap="square" rtlCol="0" anchor="ctr">
+            <a:spAutoFit/>
+          </a:bodyPr>
+          <a:lstStyle/>
+          <a:p>
+            <a:pPr algn="ctr"/>
+            <a:r>
+              <a:rPr lang="en-US" sz="4800" b="1" dirty="0">
+                <a:solidFill>
+                  <a:srgbClr val="660033"/>
+                </a:solidFill>
+                <a:effectLst/>
+                <a:latin typeface="Microsoft JhengHei" panose="020B0604030504040204" pitchFamily="34" charset="-120"/>
+                <a:ea typeface="Microsoft JhengHei" panose="020B0604030504040204" pitchFamily="34" charset="-120"/>
+              </a:rPr>
+              <a:t>( </a:t>
+            </a:r>
+            <a:r>
+              <a:rPr lang="zh-CN" altLang="en-US" sz="4800" b="1" dirty="0">
+                <a:solidFill>
+                  <a:srgbClr val="660033"/>
+                </a:solidFill>
+                <a:effectLst/>
+                <a:latin typeface="Microsoft JhengHei" panose="020B0604030504040204" pitchFamily="34" charset="-120"/>
+                <a:ea typeface="Microsoft JhengHei" panose="020B0604030504040204" pitchFamily="34" charset="-120"/>
+              </a:rPr>
+              <a:t>副</a:t>
+            </a:r>
+            <a:r>
+              <a:rPr lang="en-US" sz="4800" b="1" dirty="0">
+                <a:solidFill>
+                  <a:srgbClr val="660033"/>
+                </a:solidFill>
+                <a:effectLst/>
+                <a:latin typeface="Microsoft JhengHei" panose="020B0604030504040204" pitchFamily="34" charset="-120"/>
+                <a:ea typeface="Microsoft JhengHei" panose="020B0604030504040204" pitchFamily="34" charset="-120"/>
+              </a:rPr>
+              <a:t> </a:t>
+            </a:r>
+            <a:r>
+              <a:rPr lang="en-US" sz="4800" b="1" dirty="0">
+                <a:solidFill>
+                  <a:srgbClr val="660033"/>
+                </a:solidFill>
+                <a:effectLst/>
+                <a:latin typeface="Microsoft JhengHei" panose="020B0604030504040204" pitchFamily="34" charset="-120"/>
+                <a:ea typeface="Microsoft JhengHei" panose="020B0604030504040204" pitchFamily="34" charset="-120"/>
+              </a:rPr>
+              <a:t>)</a:t>
+            </a:r>
+            <a:endParaRPr lang="vi-VN" sz="4800" b="1" dirty="0">
+              <a:solidFill>
+                <a:srgbClr val="660033"/>
+              </a:solidFill>
+              <a:effectLst/>
+              <a:ea typeface="Microsoft JhengHei" panose="020B0604030504040204" pitchFamily="34" charset="-120"/>
+            </a:endParaRPr>
+          </a:p>
+        </p:txBody>
+      </p:sp>
+    </p:spTree>
+    <p:extLst>
+      <p:ext uri="{BB962C8B-B14F-4D97-AF65-F5344CB8AC3E}">
+        <p14:creationId xmlns:p14="http://schemas.microsoft.com/office/powerpoint/2010/main" val="225966475"/>
+      </p:ext>
+    </p:extLst>
+  </p:cSld>
+  <p:clrMapOvr>
+    <a:masterClrMapping/>
+  </p:clrMapOvr>
+</p:sld>
+</file>
+
+<file path=ppt/slides/slide12.xml><?xml version="1.0" encoding="utf-8"?>
+<p:sld xmlns:a="http://schemas.openxmlformats.org/drawingml/2006/main" xmlns:r="http://schemas.openxmlformats.org/officeDocument/2006/relationships" xmlns:p="http://schemas.openxmlformats.org/presentationml/2006/main">
+  <p:cSld>
+    <p:spTree>
+      <p:nvGrpSpPr>
+        <p:cNvPr id="1" name=""/>
+        <p:cNvGrpSpPr/>
+        <p:nvPr/>
+      </p:nvGrpSpPr>
+      <p:grpSpPr>
+        <a:xfrm>
+          <a:off x="0" y="0"/>
+          <a:ext cx="0" cy="0"/>
+          <a:chOff x="0" y="0"/>
+          <a:chExt cx="0" cy="0"/>
+        </a:xfrm>
+      </p:grpSpPr>
+      <p:sp>
+        <p:nvSpPr>
+          <p:cNvPr id="5" name="內容版面配置區 4"/>
+          <p:cNvSpPr>
+            <a:spLocks noGrp="1"/>
+          </p:cNvSpPr>
+          <p:nvPr>
+            <p:ph idx="1"/>
+          </p:nvPr>
+        </p:nvSpPr>
+        <p:spPr>
+          <a:xfrm>
+            <a:off x="0" y="2084851"/>
+            <a:ext cx="12192000" cy="2404863"/>
+          </a:xfrm>
+        </p:spPr>
+        <p:txBody>
+          <a:bodyPr anchor="ctr">
+            <a:normAutofit/>
+          </a:bodyPr>
+          <a:lstStyle/>
+          <a:p>
+            <a:pPr algn="ctr">
               <a:buNone/>
             </a:pPr>
             <a:r>
-              <a:rPr lang="zh-TW" altLang="en-US" sz="5400" b="1" dirty="0">
-                <a:solidFill>
-                  <a:srgbClr val="002060"/>
+              <a:rPr lang="zh-TW" altLang="en-US" sz="6400" b="1" dirty="0">
+                <a:solidFill>
+                  <a:srgbClr val="660033"/>
                 </a:solidFill>
                 <a:latin typeface="微軟正黑體" pitchFamily="34" charset="-120"/>
                 <a:ea typeface="微軟正黑體" pitchFamily="34" charset="-120"/>
               </a:rPr>
-              <a:t>帶我進入你聖潔居所</a:t>
-            </a:r>
-            <a:endParaRPr lang="en-US" altLang="zh-TW" sz="5400" b="1" dirty="0">
+              <a:t>聖哉   聖哉   聖哉</a:t>
+            </a:r>
+            <a:endParaRPr lang="en-US" altLang="zh-TW" sz="6400" b="1" dirty="0">
               <a:solidFill>
-                <a:srgbClr val="002060"/>
+                <a:srgbClr val="660033"/>
               </a:solidFill>
               <a:latin typeface="微軟正黑體" pitchFamily="34" charset="-120"/>
               <a:ea typeface="微軟正黑體" pitchFamily="34" charset="-120"/>
             </a:endParaRPr>
           </a:p>
           <a:p>
-            <a:pPr marL="0" indent="0" algn="ctr">
+            <a:pPr algn="ctr">
               <a:buNone/>
             </a:pPr>
             <a:r>
-              <a:rPr lang="zh-TW" altLang="en-US" sz="5400" b="1" dirty="0">
-                <a:solidFill>
-                  <a:srgbClr val="002060"/>
+              <a:rPr lang="zh-TW" altLang="en-US" sz="6400" b="1" dirty="0">
+                <a:solidFill>
+                  <a:srgbClr val="660033"/>
                 </a:solidFill>
                 <a:latin typeface="微軟正黑體" pitchFamily="34" charset="-120"/>
                 <a:ea typeface="微軟正黑體" pitchFamily="34" charset="-120"/>
               </a:rPr>
-              <a:t>讓我今天為你活</a:t>
-            </a:r>
-            <a:endParaRPr lang="en-US" altLang="zh-TW" sz="5400" b="1" dirty="0">
+              <a:t>全地向</a:t>
+            </a:r>
+            <a:r>
+              <a:rPr lang="zh-CN" altLang="en-US" sz="6400" b="1" dirty="0">
+                <a:solidFill>
+                  <a:srgbClr val="660033"/>
+                </a:solidFill>
+                <a:latin typeface="微軟正黑體" pitchFamily="34" charset="-120"/>
+                <a:ea typeface="微軟正黑體" pitchFamily="34" charset="-120"/>
+              </a:rPr>
+              <a:t>袮</a:t>
+            </a:r>
+            <a:r>
+              <a:rPr lang="zh-TW" altLang="en-US" sz="6400" b="1" dirty="0">
+                <a:solidFill>
+                  <a:srgbClr val="660033"/>
+                </a:solidFill>
+                <a:latin typeface="微軟正黑體" pitchFamily="34" charset="-120"/>
+                <a:ea typeface="微軟正黑體" pitchFamily="34" charset="-120"/>
+              </a:rPr>
+              <a:t>跪拜</a:t>
+            </a:r>
+            <a:endParaRPr lang="en-US" altLang="zh-TW" sz="6400" b="1" dirty="0">
               <a:solidFill>
-                <a:srgbClr val="002060"/>
+                <a:srgbClr val="660033"/>
               </a:solidFill>
               <a:latin typeface="微軟正黑體" pitchFamily="34" charset="-120"/>
               <a:ea typeface="微軟正黑體" pitchFamily="34" charset="-120"/>
             </a:endParaRPr>
           </a:p>
-          <a:p>
-            <a:pPr marL="0" indent="0" algn="ctr">
+        </p:txBody>
+      </p:sp>
+      <p:sp>
+        <p:nvSpPr>
+          <p:cNvPr id="3" name="TextBox 2"/>
+          <p:cNvSpPr txBox="1"/>
+          <p:nvPr/>
+        </p:nvSpPr>
+        <p:spPr>
+          <a:xfrm>
+            <a:off x="0" y="5157193"/>
+            <a:ext cx="12192000" cy="830997"/>
+          </a:xfrm>
+          <a:prstGeom prst="rect">
+            <a:avLst/>
+          </a:prstGeom>
+          <a:noFill/>
+        </p:spPr>
+        <p:txBody>
+          <a:bodyPr wrap="square" rtlCol="0" anchor="ctr">
+            <a:spAutoFit/>
+          </a:bodyPr>
+          <a:lstStyle/>
+          <a:p>
+            <a:pPr algn="ctr"/>
+            <a:r>
+              <a:rPr lang="en-US" sz="4800" b="1" dirty="0">
+                <a:solidFill>
+                  <a:srgbClr val="660033"/>
+                </a:solidFill>
+                <a:effectLst/>
+                <a:latin typeface="Microsoft JhengHei" panose="020B0604030504040204" pitchFamily="34" charset="-120"/>
+                <a:ea typeface="Microsoft JhengHei" panose="020B0604030504040204" pitchFamily="34" charset="-120"/>
+              </a:rPr>
+              <a:t>( </a:t>
+            </a:r>
+            <a:r>
+              <a:rPr lang="zh-CN" altLang="en-US" sz="4800" b="1" dirty="0">
+                <a:solidFill>
+                  <a:srgbClr val="660033"/>
+                </a:solidFill>
+                <a:effectLst/>
+                <a:latin typeface="Microsoft JhengHei" panose="020B0604030504040204" pitchFamily="34" charset="-120"/>
+                <a:ea typeface="Microsoft JhengHei" panose="020B0604030504040204" pitchFamily="34" charset="-120"/>
+              </a:rPr>
+              <a:t>副</a:t>
+            </a:r>
+            <a:r>
+              <a:rPr lang="en-US" sz="4800" b="1" dirty="0">
+                <a:solidFill>
+                  <a:srgbClr val="660033"/>
+                </a:solidFill>
+                <a:effectLst/>
+                <a:latin typeface="Microsoft JhengHei" panose="020B0604030504040204" pitchFamily="34" charset="-120"/>
+                <a:ea typeface="Microsoft JhengHei" panose="020B0604030504040204" pitchFamily="34" charset="-120"/>
+              </a:rPr>
+              <a:t> </a:t>
+            </a:r>
+            <a:r>
+              <a:rPr lang="en-US" sz="4800" b="1" dirty="0">
+                <a:solidFill>
+                  <a:srgbClr val="660033"/>
+                </a:solidFill>
+                <a:effectLst/>
+                <a:latin typeface="Microsoft JhengHei" panose="020B0604030504040204" pitchFamily="34" charset="-120"/>
+                <a:ea typeface="Microsoft JhengHei" panose="020B0604030504040204" pitchFamily="34" charset="-120"/>
+              </a:rPr>
+              <a:t>)</a:t>
+            </a:r>
+            <a:endParaRPr lang="vi-VN" sz="4800" b="1" dirty="0">
+              <a:solidFill>
+                <a:srgbClr val="660033"/>
+              </a:solidFill>
+              <a:effectLst/>
+              <a:ea typeface="Microsoft JhengHei" panose="020B0604030504040204" pitchFamily="34" charset="-120"/>
+            </a:endParaRPr>
+          </a:p>
+        </p:txBody>
+      </p:sp>
+    </p:spTree>
+    <p:extLst>
+      <p:ext uri="{BB962C8B-B14F-4D97-AF65-F5344CB8AC3E}">
+        <p14:creationId xmlns:p14="http://schemas.microsoft.com/office/powerpoint/2010/main" val="2191025164"/>
+      </p:ext>
+    </p:extLst>
+  </p:cSld>
+  <p:clrMapOvr>
+    <a:masterClrMapping/>
+  </p:clrMapOvr>
+</p:sld>
+</file>
+
+<file path=ppt/slides/slide13.xml><?xml version="1.0" encoding="utf-8"?>
+<p:sld xmlns:a="http://schemas.openxmlformats.org/drawingml/2006/main" xmlns:r="http://schemas.openxmlformats.org/officeDocument/2006/relationships" xmlns:p="http://schemas.openxmlformats.org/presentationml/2006/main">
+  <p:cSld>
+    <p:spTree>
+      <p:nvGrpSpPr>
+        <p:cNvPr id="1" name=""/>
+        <p:cNvGrpSpPr/>
+        <p:nvPr/>
+      </p:nvGrpSpPr>
+      <p:grpSpPr>
+        <a:xfrm>
+          <a:off x="0" y="0"/>
+          <a:ext cx="0" cy="0"/>
+          <a:chOff x="0" y="0"/>
+          <a:chExt cx="0" cy="0"/>
+        </a:xfrm>
+      </p:grpSpPr>
+      <p:sp>
+        <p:nvSpPr>
+          <p:cNvPr id="5" name="內容版面配置區 4"/>
+          <p:cNvSpPr>
+            <a:spLocks noGrp="1"/>
+          </p:cNvSpPr>
+          <p:nvPr>
+            <p:ph idx="1"/>
+          </p:nvPr>
+        </p:nvSpPr>
+        <p:spPr>
+          <a:xfrm>
+            <a:off x="0" y="2084851"/>
+            <a:ext cx="12192000" cy="2404863"/>
+          </a:xfrm>
+        </p:spPr>
+        <p:txBody>
+          <a:bodyPr anchor="ctr">
+            <a:normAutofit/>
+          </a:bodyPr>
+          <a:lstStyle/>
+          <a:p>
+            <a:pPr algn="ctr">
               <a:buNone/>
             </a:pPr>
             <a:r>
-              <a:rPr lang="zh-TW" altLang="en-US" sz="5400" b="1" dirty="0">
-                <a:solidFill>
-                  <a:srgbClr val="002060"/>
+              <a:rPr lang="zh-TW" altLang="en-US" sz="6400" b="1" dirty="0">
+                <a:solidFill>
+                  <a:srgbClr val="660033"/>
                 </a:solidFill>
                 <a:latin typeface="微軟正黑體" pitchFamily="34" charset="-120"/>
                 <a:ea typeface="微軟正黑體" pitchFamily="34" charset="-120"/>
               </a:rPr>
-              <a:t>完全獻上為活祭</a:t>
-            </a:r>
-            <a:endParaRPr lang="en-US" altLang="zh-TW" sz="5400" b="1" dirty="0">
+              <a:t>尊貴榮耀都歸寶座羔羊</a:t>
+            </a:r>
+            <a:endParaRPr lang="zh-TW" altLang="en-US" sz="6400" b="1" dirty="0">
               <a:solidFill>
-                <a:srgbClr val="002060"/>
+                <a:srgbClr val="660033"/>
               </a:solidFill>
               <a:latin typeface="微軟正黑體" pitchFamily="34" charset="-120"/>
               <a:ea typeface="微軟正黑體" pitchFamily="34" charset="-120"/>
             </a:endParaRPr>
           </a:p>
-          <a:p>
-            <a:pPr marL="0" indent="0" algn="ctr">
+        </p:txBody>
+      </p:sp>
+      <p:sp>
+        <p:nvSpPr>
+          <p:cNvPr id="3" name="TextBox 2"/>
+          <p:cNvSpPr txBox="1"/>
+          <p:nvPr/>
+        </p:nvSpPr>
+        <p:spPr>
+          <a:xfrm>
+            <a:off x="0" y="5157193"/>
+            <a:ext cx="12192000" cy="830997"/>
+          </a:xfrm>
+          <a:prstGeom prst="rect">
+            <a:avLst/>
+          </a:prstGeom>
+          <a:noFill/>
+        </p:spPr>
+        <p:txBody>
+          <a:bodyPr wrap="square" rtlCol="0" anchor="ctr">
+            <a:spAutoFit/>
+          </a:bodyPr>
+          <a:lstStyle/>
+          <a:p>
+            <a:pPr algn="ctr"/>
+            <a:r>
+              <a:rPr lang="en-US" sz="4800" b="1" dirty="0">
+                <a:solidFill>
+                  <a:srgbClr val="660033"/>
+                </a:solidFill>
+                <a:effectLst/>
+                <a:latin typeface="Microsoft JhengHei" panose="020B0604030504040204" pitchFamily="34" charset="-120"/>
+                <a:ea typeface="Microsoft JhengHei" panose="020B0604030504040204" pitchFamily="34" charset="-120"/>
+              </a:rPr>
+              <a:t>( </a:t>
+            </a:r>
+            <a:r>
+              <a:rPr lang="zh-CN" altLang="en-US" sz="4800" b="1" dirty="0">
+                <a:solidFill>
+                  <a:srgbClr val="660033"/>
+                </a:solidFill>
+                <a:effectLst/>
+                <a:latin typeface="Microsoft JhengHei" panose="020B0604030504040204" pitchFamily="34" charset="-120"/>
+                <a:ea typeface="Microsoft JhengHei" panose="020B0604030504040204" pitchFamily="34" charset="-120"/>
+              </a:rPr>
+              <a:t>副</a:t>
+            </a:r>
+            <a:r>
+              <a:rPr lang="en-US" sz="4800" b="1" dirty="0">
+                <a:solidFill>
+                  <a:srgbClr val="660033"/>
+                </a:solidFill>
+                <a:effectLst/>
+                <a:latin typeface="Microsoft JhengHei" panose="020B0604030504040204" pitchFamily="34" charset="-120"/>
+                <a:ea typeface="Microsoft JhengHei" panose="020B0604030504040204" pitchFamily="34" charset="-120"/>
+              </a:rPr>
+              <a:t> </a:t>
+            </a:r>
+            <a:r>
+              <a:rPr lang="en-US" sz="4800" b="1" dirty="0">
+                <a:solidFill>
+                  <a:srgbClr val="660033"/>
+                </a:solidFill>
+                <a:effectLst/>
+                <a:latin typeface="Microsoft JhengHei" panose="020B0604030504040204" pitchFamily="34" charset="-120"/>
+                <a:ea typeface="Microsoft JhengHei" panose="020B0604030504040204" pitchFamily="34" charset="-120"/>
+              </a:rPr>
+              <a:t>)</a:t>
+            </a:r>
+            <a:endParaRPr lang="vi-VN" sz="4800" b="1" dirty="0">
+              <a:solidFill>
+                <a:srgbClr val="660033"/>
+              </a:solidFill>
+              <a:effectLst/>
+              <a:ea typeface="Microsoft JhengHei" panose="020B0604030504040204" pitchFamily="34" charset="-120"/>
+            </a:endParaRPr>
+          </a:p>
+        </p:txBody>
+      </p:sp>
+    </p:spTree>
+    <p:extLst>
+      <p:ext uri="{BB962C8B-B14F-4D97-AF65-F5344CB8AC3E}">
+        <p14:creationId xmlns:p14="http://schemas.microsoft.com/office/powerpoint/2010/main" val="3443637733"/>
+      </p:ext>
+    </p:extLst>
+  </p:cSld>
+  <p:clrMapOvr>
+    <a:masterClrMapping/>
+  </p:clrMapOvr>
+</p:sld>
+</file>
+
+<file path=ppt/slides/slide14.xml><?xml version="1.0" encoding="utf-8"?>
+<p:sld xmlns:a="http://schemas.openxmlformats.org/drawingml/2006/main" xmlns:r="http://schemas.openxmlformats.org/officeDocument/2006/relationships" xmlns:p="http://schemas.openxmlformats.org/presentationml/2006/main">
+  <p:cSld>
+    <p:spTree>
+      <p:nvGrpSpPr>
+        <p:cNvPr id="1" name=""/>
+        <p:cNvGrpSpPr/>
+        <p:nvPr/>
+      </p:nvGrpSpPr>
+      <p:grpSpPr>
+        <a:xfrm>
+          <a:off x="0" y="0"/>
+          <a:ext cx="0" cy="0"/>
+          <a:chOff x="0" y="0"/>
+          <a:chExt cx="0" cy="0"/>
+        </a:xfrm>
+      </p:grpSpPr>
+      <p:sp>
+        <p:nvSpPr>
+          <p:cNvPr id="5" name="內容版面配置區 4"/>
+          <p:cNvSpPr>
+            <a:spLocks noGrp="1"/>
+          </p:cNvSpPr>
+          <p:nvPr>
+            <p:ph idx="1"/>
+          </p:nvPr>
+        </p:nvSpPr>
+        <p:spPr>
+          <a:xfrm>
+            <a:off x="0" y="2084851"/>
+            <a:ext cx="12192000" cy="2404863"/>
+          </a:xfrm>
+        </p:spPr>
+        <p:txBody>
+          <a:bodyPr anchor="ctr">
+            <a:normAutofit/>
+          </a:bodyPr>
+          <a:lstStyle/>
+          <a:p>
+            <a:pPr algn="ctr">
               <a:buNone/>
             </a:pPr>
             <a:r>
-              <a:rPr lang="zh-TW" altLang="en-US" sz="5400" b="1" dirty="0">
-                <a:solidFill>
-                  <a:srgbClr val="002060"/>
+              <a:rPr lang="zh-TW" altLang="en-US" sz="6400" b="1" dirty="0">
+                <a:solidFill>
+                  <a:srgbClr val="660033"/>
                 </a:solidFill>
                 <a:latin typeface="微軟正黑體" pitchFamily="34" charset="-120"/>
                 <a:ea typeface="微軟正黑體" pitchFamily="34" charset="-120"/>
               </a:rPr>
-              <a:t>奉獻一生跟隨你</a:t>
-            </a:r>
-            <a:endParaRPr lang="en-US" sz="5400" b="1" dirty="0">
+              <a:t>日日夜夜   不停獻上</a:t>
+            </a:r>
+            <a:endParaRPr lang="en-US" altLang="zh-TW" sz="6400" b="1" dirty="0">
               <a:solidFill>
-                <a:srgbClr val="002060"/>
+                <a:srgbClr val="660033"/>
               </a:solidFill>
               <a:latin typeface="微軟正黑體" pitchFamily="34" charset="-120"/>
               <a:ea typeface="微軟正黑體" pitchFamily="34" charset="-120"/>
             </a:endParaRPr>
           </a:p>
+          <a:p>
+            <a:pPr algn="ctr">
+              <a:buNone/>
+            </a:pPr>
+            <a:r>
+              <a:rPr lang="zh-TW" altLang="en-US" sz="6400" b="1" dirty="0">
+                <a:solidFill>
+                  <a:srgbClr val="660033"/>
+                </a:solidFill>
+                <a:latin typeface="微軟正黑體" pitchFamily="34" charset="-120"/>
+                <a:ea typeface="微軟正黑體" pitchFamily="34" charset="-120"/>
+              </a:rPr>
+              <a:t>禱告如香不停升起</a:t>
+            </a:r>
+            <a:endParaRPr lang="en-US" altLang="zh-TW" sz="6400" b="1" dirty="0">
+              <a:solidFill>
+                <a:srgbClr val="660033"/>
+              </a:solidFill>
+              <a:latin typeface="微軟正黑體" pitchFamily="34" charset="-120"/>
+              <a:ea typeface="微軟正黑體" pitchFamily="34" charset="-120"/>
+            </a:endParaRPr>
+          </a:p>
+        </p:txBody>
+      </p:sp>
+      <p:sp>
+        <p:nvSpPr>
+          <p:cNvPr id="3" name="TextBox 2"/>
+          <p:cNvSpPr txBox="1"/>
+          <p:nvPr/>
+        </p:nvSpPr>
+        <p:spPr>
+          <a:xfrm>
+            <a:off x="0" y="5157193"/>
+            <a:ext cx="12192000" cy="830997"/>
+          </a:xfrm>
+          <a:prstGeom prst="rect">
+            <a:avLst/>
+          </a:prstGeom>
+          <a:noFill/>
+        </p:spPr>
+        <p:txBody>
+          <a:bodyPr wrap="square" rtlCol="0" anchor="ctr">
+            <a:spAutoFit/>
+          </a:bodyPr>
+          <a:lstStyle/>
+          <a:p>
+            <a:pPr algn="ctr"/>
+            <a:r>
+              <a:rPr lang="en-US" sz="4800" b="1" dirty="0">
+                <a:solidFill>
+                  <a:srgbClr val="660033"/>
+                </a:solidFill>
+                <a:effectLst/>
+                <a:latin typeface="Microsoft JhengHei" panose="020B0604030504040204" pitchFamily="34" charset="-120"/>
+                <a:ea typeface="Microsoft JhengHei" panose="020B0604030504040204" pitchFamily="34" charset="-120"/>
+              </a:rPr>
+              <a:t>( </a:t>
+            </a:r>
+            <a:r>
+              <a:rPr lang="zh-CN" altLang="en-US" sz="4800" b="1" dirty="0">
+                <a:solidFill>
+                  <a:srgbClr val="660033"/>
+                </a:solidFill>
+                <a:effectLst/>
+                <a:latin typeface="Microsoft JhengHei" panose="020B0604030504040204" pitchFamily="34" charset="-120"/>
+                <a:ea typeface="Microsoft JhengHei" panose="020B0604030504040204" pitchFamily="34" charset="-120"/>
+              </a:rPr>
+              <a:t>橋</a:t>
+            </a:r>
+            <a:r>
+              <a:rPr lang="en-US" sz="4800" b="1" dirty="0">
+                <a:solidFill>
+                  <a:srgbClr val="660033"/>
+                </a:solidFill>
+                <a:effectLst/>
+                <a:latin typeface="Microsoft JhengHei" panose="020B0604030504040204" pitchFamily="34" charset="-120"/>
+                <a:ea typeface="Microsoft JhengHei" panose="020B0604030504040204" pitchFamily="34" charset="-120"/>
+              </a:rPr>
+              <a:t> </a:t>
+            </a:r>
+            <a:r>
+              <a:rPr lang="en-US" sz="4800" b="1" dirty="0">
+                <a:solidFill>
+                  <a:srgbClr val="660033"/>
+                </a:solidFill>
+                <a:effectLst/>
+                <a:latin typeface="Microsoft JhengHei" panose="020B0604030504040204" pitchFamily="34" charset="-120"/>
+                <a:ea typeface="Microsoft JhengHei" panose="020B0604030504040204" pitchFamily="34" charset="-120"/>
+              </a:rPr>
+              <a:t>)</a:t>
+            </a:r>
+            <a:endParaRPr lang="vi-VN" sz="4800" b="1" dirty="0">
+              <a:solidFill>
+                <a:srgbClr val="660033"/>
+              </a:solidFill>
+              <a:effectLst/>
+              <a:ea typeface="Microsoft JhengHei" panose="020B0604030504040204" pitchFamily="34" charset="-120"/>
+            </a:endParaRPr>
+          </a:p>
         </p:txBody>
       </p:sp>
     </p:spTree>
     <p:extLst>
       <p:ext uri="{BB962C8B-B14F-4D97-AF65-F5344CB8AC3E}">
-        <p14:creationId xmlns="" xmlns:p14="http://schemas.microsoft.com/office/powerpoint/2010/main" val="3683158459"/>
+        <p14:creationId xmlns:p14="http://schemas.microsoft.com/office/powerpoint/2010/main" val="3300661411"/>
+      </p:ext>
+    </p:extLst>
+  </p:cSld>
+  <p:clrMapOvr>
+    <a:masterClrMapping/>
+  </p:clrMapOvr>
+</p:sld>
+</file>
+
+<file path=ppt/slides/slide15.xml><?xml version="1.0" encoding="utf-8"?>
+<p:sld xmlns:a="http://schemas.openxmlformats.org/drawingml/2006/main" xmlns:r="http://schemas.openxmlformats.org/officeDocument/2006/relationships" xmlns:p="http://schemas.openxmlformats.org/presentationml/2006/main">
+  <p:cSld>
+    <p:spTree>
+      <p:nvGrpSpPr>
+        <p:cNvPr id="1" name=""/>
+        <p:cNvGrpSpPr/>
+        <p:nvPr/>
+      </p:nvGrpSpPr>
+      <p:grpSpPr>
+        <a:xfrm>
+          <a:off x="0" y="0"/>
+          <a:ext cx="0" cy="0"/>
+          <a:chOff x="0" y="0"/>
+          <a:chExt cx="0" cy="0"/>
+        </a:xfrm>
+      </p:grpSpPr>
+      <p:sp>
+        <p:nvSpPr>
+          <p:cNvPr id="5" name="內容版面配置區 4"/>
+          <p:cNvSpPr>
+            <a:spLocks noGrp="1"/>
+          </p:cNvSpPr>
+          <p:nvPr>
+            <p:ph idx="1"/>
+          </p:nvPr>
+        </p:nvSpPr>
+        <p:spPr>
+          <a:xfrm>
+            <a:off x="0" y="2084851"/>
+            <a:ext cx="12192000" cy="2404863"/>
+          </a:xfrm>
+        </p:spPr>
+        <p:txBody>
+          <a:bodyPr anchor="ctr">
+            <a:normAutofit/>
+          </a:bodyPr>
+          <a:lstStyle/>
+          <a:p>
+            <a:pPr algn="ctr">
+              <a:buNone/>
+            </a:pPr>
+            <a:r>
+              <a:rPr lang="zh-TW" altLang="en-US" sz="6400" b="1" dirty="0">
+                <a:solidFill>
+                  <a:srgbClr val="660033"/>
+                </a:solidFill>
+                <a:latin typeface="微軟正黑體" pitchFamily="34" charset="-120"/>
+                <a:ea typeface="微軟正黑體" pitchFamily="34" charset="-120"/>
+              </a:rPr>
+              <a:t>日日夜夜   不停獻上</a:t>
+            </a:r>
+            <a:endParaRPr lang="en-US" altLang="zh-TW" sz="6400" b="1" dirty="0">
+              <a:solidFill>
+                <a:srgbClr val="660033"/>
+              </a:solidFill>
+              <a:latin typeface="微軟正黑體" pitchFamily="34" charset="-120"/>
+              <a:ea typeface="微軟正黑體" pitchFamily="34" charset="-120"/>
+            </a:endParaRPr>
+          </a:p>
+          <a:p>
+            <a:pPr algn="ctr">
+              <a:buNone/>
+            </a:pPr>
+            <a:r>
+              <a:rPr lang="zh-TW" altLang="en-US" sz="6400" b="1" dirty="0">
+                <a:solidFill>
+                  <a:srgbClr val="660033"/>
+                </a:solidFill>
+                <a:latin typeface="微軟正黑體" pitchFamily="34" charset="-120"/>
+                <a:ea typeface="微軟正黑體" pitchFamily="34" charset="-120"/>
+              </a:rPr>
+              <a:t>讚美獻祭永不斷續</a:t>
+            </a:r>
+            <a:endParaRPr lang="zh-TW" altLang="en-US" sz="6400" b="1" dirty="0">
+              <a:solidFill>
+                <a:srgbClr val="660033"/>
+              </a:solidFill>
+              <a:latin typeface="微軟正黑體" pitchFamily="34" charset="-120"/>
+              <a:ea typeface="微軟正黑體" pitchFamily="34" charset="-120"/>
+            </a:endParaRPr>
+          </a:p>
+        </p:txBody>
+      </p:sp>
+      <p:sp>
+        <p:nvSpPr>
+          <p:cNvPr id="3" name="TextBox 2"/>
+          <p:cNvSpPr txBox="1"/>
+          <p:nvPr/>
+        </p:nvSpPr>
+        <p:spPr>
+          <a:xfrm>
+            <a:off x="0" y="5157193"/>
+            <a:ext cx="12192000" cy="830997"/>
+          </a:xfrm>
+          <a:prstGeom prst="rect">
+            <a:avLst/>
+          </a:prstGeom>
+          <a:noFill/>
+        </p:spPr>
+        <p:txBody>
+          <a:bodyPr wrap="square" rtlCol="0" anchor="ctr">
+            <a:spAutoFit/>
+          </a:bodyPr>
+          <a:lstStyle/>
+          <a:p>
+            <a:pPr algn="ctr"/>
+            <a:r>
+              <a:rPr lang="en-US" sz="4800" b="1" dirty="0">
+                <a:solidFill>
+                  <a:srgbClr val="660033"/>
+                </a:solidFill>
+                <a:effectLst/>
+                <a:latin typeface="Microsoft JhengHei" panose="020B0604030504040204" pitchFamily="34" charset="-120"/>
+                <a:ea typeface="Microsoft JhengHei" panose="020B0604030504040204" pitchFamily="34" charset="-120"/>
+              </a:rPr>
+              <a:t>( </a:t>
+            </a:r>
+            <a:r>
+              <a:rPr lang="zh-CN" altLang="en-US" sz="4800" b="1" dirty="0">
+                <a:solidFill>
+                  <a:srgbClr val="660033"/>
+                </a:solidFill>
+                <a:effectLst/>
+                <a:latin typeface="Microsoft JhengHei" panose="020B0604030504040204" pitchFamily="34" charset="-120"/>
+                <a:ea typeface="Microsoft JhengHei" panose="020B0604030504040204" pitchFamily="34" charset="-120"/>
+              </a:rPr>
+              <a:t>橋</a:t>
+            </a:r>
+            <a:r>
+              <a:rPr lang="en-US" sz="4800" b="1" dirty="0">
+                <a:solidFill>
+                  <a:srgbClr val="660033"/>
+                </a:solidFill>
+                <a:effectLst/>
+                <a:latin typeface="Microsoft JhengHei" panose="020B0604030504040204" pitchFamily="34" charset="-120"/>
+                <a:ea typeface="Microsoft JhengHei" panose="020B0604030504040204" pitchFamily="34" charset="-120"/>
+              </a:rPr>
+              <a:t> </a:t>
+            </a:r>
+            <a:r>
+              <a:rPr lang="en-US" sz="4800" b="1" dirty="0">
+                <a:solidFill>
+                  <a:srgbClr val="660033"/>
+                </a:solidFill>
+                <a:effectLst/>
+                <a:latin typeface="Microsoft JhengHei" panose="020B0604030504040204" pitchFamily="34" charset="-120"/>
+                <a:ea typeface="Microsoft JhengHei" panose="020B0604030504040204" pitchFamily="34" charset="-120"/>
+              </a:rPr>
+              <a:t>)</a:t>
+            </a:r>
+            <a:endParaRPr lang="vi-VN" sz="4800" b="1" dirty="0">
+              <a:solidFill>
+                <a:srgbClr val="660033"/>
+              </a:solidFill>
+              <a:effectLst/>
+              <a:ea typeface="Microsoft JhengHei" panose="020B0604030504040204" pitchFamily="34" charset="-120"/>
+            </a:endParaRPr>
+          </a:p>
+        </p:txBody>
+      </p:sp>
+    </p:spTree>
+    <p:extLst>
+      <p:ext uri="{BB962C8B-B14F-4D97-AF65-F5344CB8AC3E}">
+        <p14:creationId xmlns:p14="http://schemas.microsoft.com/office/powerpoint/2010/main" val="2990652650"/>
       </p:ext>
     </p:extLst>
   </p:cSld>
@@ -3746,30 +4245,60 @@
       </p:grpSpPr>
       <p:sp>
         <p:nvSpPr>
-          <p:cNvPr id="4" name="標題 3"/>
-          <p:cNvSpPr>
-            <a:spLocks noGrp="1"/>
-          </p:cNvSpPr>
-          <p:nvPr>
-            <p:ph type="title"/>
-          </p:nvPr>
-        </p:nvSpPr>
-        <p:spPr/>
-        <p:txBody>
-          <a:bodyPr/>
-          <a:lstStyle/>
-          <a:p>
-            <a:r>
-              <a:rPr lang="zh-CN" altLang="en-US" b="1" dirty="0" smtClean="0">
+          <p:cNvPr id="5" name="內容版面配置區 4"/>
+          <p:cNvSpPr>
+            <a:spLocks noGrp="1"/>
+          </p:cNvSpPr>
+          <p:nvPr>
+            <p:ph idx="1"/>
+          </p:nvPr>
+        </p:nvSpPr>
+        <p:spPr>
+          <a:xfrm>
+            <a:off x="0" y="2084851"/>
+            <a:ext cx="12192000" cy="2404863"/>
+          </a:xfrm>
+        </p:spPr>
+        <p:txBody>
+          <a:bodyPr anchor="ctr">
+            <a:normAutofit/>
+          </a:bodyPr>
+          <a:lstStyle/>
+          <a:p>
+            <a:pPr algn="ctr">
+              <a:buNone/>
+            </a:pPr>
+            <a:r>
+              <a:rPr lang="zh-TW" altLang="en-US" sz="6400" b="1" dirty="0">
                 <a:solidFill>
                   <a:srgbClr val="660033"/>
                 </a:solidFill>
                 <a:latin typeface="微軟正黑體" pitchFamily="34" charset="-120"/>
                 <a:ea typeface="微軟正黑體" pitchFamily="34" charset="-120"/>
               </a:rPr>
-              <a:t>日日夜夜</a:t>
-            </a:r>
-            <a:endParaRPr lang="zh-TW" altLang="en-US" b="1" dirty="0">
+              <a:t>耶和華   </a:t>
+            </a:r>
+            <a:r>
+              <a:rPr lang="zh-CN" altLang="en-US" sz="6400" b="1" dirty="0">
+                <a:solidFill>
+                  <a:srgbClr val="660033"/>
+                </a:solidFill>
+                <a:latin typeface="微軟正黑體" pitchFamily="34" charset="-120"/>
+                <a:ea typeface="微軟正黑體" pitchFamily="34" charset="-120"/>
+              </a:rPr>
+              <a:t>袮</a:t>
+            </a:r>
+            <a:r>
+              <a:rPr lang="zh-TW" altLang="en-US" sz="6400" b="1" dirty="0">
+                <a:solidFill>
+                  <a:srgbClr val="660033"/>
+                </a:solidFill>
+                <a:latin typeface="微軟正黑體" pitchFamily="34" charset="-120"/>
+                <a:ea typeface="微軟正黑體" pitchFamily="34" charset="-120"/>
+              </a:rPr>
+              <a:t>大榮耀降臨</a:t>
+            </a:r>
+            <a:endParaRPr lang="en-US" altLang="zh-TW" sz="6400" b="1" dirty="0">
               <a:solidFill>
                 <a:srgbClr val="660033"/>
               </a:solidFill>
@@ -3777,49 +4306,21 @@
               <a:ea typeface="微軟正黑體" pitchFamily="34" charset="-120"/>
             </a:endParaRPr>
           </a:p>
-        </p:txBody>
-      </p:sp>
-      <p:sp>
-        <p:nvSpPr>
-          <p:cNvPr id="5" name="內容版面配置區 4"/>
-          <p:cNvSpPr>
-            <a:spLocks noGrp="1"/>
-          </p:cNvSpPr>
-          <p:nvPr>
-            <p:ph idx="1"/>
-          </p:nvPr>
-        </p:nvSpPr>
-        <p:spPr/>
-        <p:txBody>
-          <a:bodyPr>
-            <a:noAutofit/>
-          </a:bodyPr>
-          <a:lstStyle/>
           <a:p>
             <a:pPr algn="ctr">
               <a:buNone/>
             </a:pPr>
             <a:r>
-              <a:rPr lang="zh-TW" altLang="en-US" sz="5400" b="1" dirty="0">
+              <a:rPr lang="zh-TW" altLang="en-US" sz="6400" b="1" dirty="0">
                 <a:solidFill>
                   <a:srgbClr val="660033"/>
                 </a:solidFill>
                 <a:latin typeface="微軟正黑體" pitchFamily="34" charset="-120"/>
                 <a:ea typeface="微軟正黑體" pitchFamily="34" charset="-120"/>
               </a:rPr>
-              <a:t>聖</a:t>
-            </a:r>
-            <a:r>
-              <a:rPr lang="zh-TW" altLang="en-US" sz="5400" b="1" dirty="0" smtClean="0">
-                <a:solidFill>
-                  <a:srgbClr val="660033"/>
-                </a:solidFill>
-                <a:latin typeface="微軟正黑體" pitchFamily="34" charset="-120"/>
-                <a:ea typeface="微軟正黑體" pitchFamily="34" charset="-120"/>
-              </a:rPr>
-              <a:t>哉  聖哉  聖哉</a:t>
-            </a:r>
-            <a:endParaRPr lang="en-US" altLang="zh-TW" sz="5400" b="1" dirty="0" smtClean="0">
+              <a:t>在地上如天上的敬拜</a:t>
+            </a:r>
+            <a:endParaRPr lang="en-US" altLang="zh-TW" sz="6400" b="1" dirty="0">
               <a:solidFill>
                 <a:srgbClr val="660033"/>
               </a:solidFill>
@@ -3827,115 +4328,102 @@
               <a:ea typeface="微軟正黑體" pitchFamily="34" charset="-120"/>
             </a:endParaRPr>
           </a:p>
-          <a:p>
-            <a:pPr algn="ctr">
-              <a:buNone/>
-            </a:pPr>
-            <a:r>
-              <a:rPr lang="zh-TW" altLang="en-US" sz="5400" b="1" dirty="0" smtClean="0">
-                <a:solidFill>
-                  <a:srgbClr val="660033"/>
-                </a:solidFill>
-                <a:latin typeface="微軟正黑體" pitchFamily="34" charset="-120"/>
-                <a:ea typeface="微軟正黑體" pitchFamily="34" charset="-120"/>
-              </a:rPr>
-              <a:t>昔</a:t>
-            </a:r>
-            <a:r>
-              <a:rPr lang="zh-TW" altLang="en-US" sz="5400" b="1" dirty="0">
-                <a:solidFill>
-                  <a:srgbClr val="660033"/>
-                </a:solidFill>
-                <a:latin typeface="微軟正黑體" pitchFamily="34" charset="-120"/>
-                <a:ea typeface="微軟正黑體" pitchFamily="34" charset="-120"/>
-              </a:rPr>
-              <a:t>在今在永</a:t>
-            </a:r>
-            <a:r>
-              <a:rPr lang="zh-TW" altLang="en-US" sz="5400" b="1" dirty="0" smtClean="0">
-                <a:solidFill>
-                  <a:srgbClr val="660033"/>
-                </a:solidFill>
-                <a:latin typeface="微軟正黑體" pitchFamily="34" charset="-120"/>
-                <a:ea typeface="微軟正黑體" pitchFamily="34" charset="-120"/>
-              </a:rPr>
-              <a:t>在</a:t>
-            </a:r>
-            <a:endParaRPr lang="en-US" altLang="zh-TW" sz="5400" b="1" dirty="0">
+        </p:txBody>
+      </p:sp>
+      <p:sp>
+        <p:nvSpPr>
+          <p:cNvPr id="3" name="TextBox 2"/>
+          <p:cNvSpPr txBox="1"/>
+          <p:nvPr/>
+        </p:nvSpPr>
+        <p:spPr>
+          <a:xfrm>
+            <a:off x="0" y="5157193"/>
+            <a:ext cx="12192000" cy="830997"/>
+          </a:xfrm>
+          <a:prstGeom prst="rect">
+            <a:avLst/>
+          </a:prstGeom>
+          <a:noFill/>
+        </p:spPr>
+        <p:txBody>
+          <a:bodyPr wrap="square" rtlCol="0" anchor="ctr">
+            <a:spAutoFit/>
+          </a:bodyPr>
+          <a:lstStyle/>
+          <a:p>
+            <a:pPr algn="ctr"/>
+            <a:r>
+              <a:rPr lang="en-US" sz="4800" b="1" dirty="0">
+                <a:solidFill>
+                  <a:srgbClr val="660033"/>
+                </a:solidFill>
+                <a:effectLst/>
+                <a:latin typeface="Microsoft JhengHei" panose="020B0604030504040204" pitchFamily="34" charset="-120"/>
+                <a:ea typeface="Microsoft JhengHei" panose="020B0604030504040204" pitchFamily="34" charset="-120"/>
+              </a:rPr>
+              <a:t>( </a:t>
+            </a:r>
+            <a:r>
+              <a:rPr lang="zh-CN" altLang="en-US" sz="4800" b="1" dirty="0">
+                <a:solidFill>
+                  <a:srgbClr val="660033"/>
+                </a:solidFill>
+                <a:effectLst/>
+                <a:latin typeface="Microsoft JhengHei" panose="020B0604030504040204" pitchFamily="34" charset="-120"/>
+                <a:ea typeface="Microsoft JhengHei" panose="020B0604030504040204" pitchFamily="34" charset="-120"/>
+              </a:rPr>
+              <a:t>正</a:t>
+            </a:r>
+            <a:r>
+              <a:rPr lang="en-US" altLang="zh-CN" sz="4800" b="1" dirty="0">
+                <a:solidFill>
+                  <a:srgbClr val="660033"/>
+                </a:solidFill>
+                <a:effectLst/>
+                <a:latin typeface="Microsoft JhengHei" panose="020B0604030504040204" pitchFamily="34" charset="-120"/>
+                <a:ea typeface="Microsoft JhengHei" panose="020B0604030504040204" pitchFamily="34" charset="-120"/>
+              </a:rPr>
+              <a:t> 1</a:t>
+            </a:r>
+            <a:r>
+              <a:rPr lang="en-US" sz="4800" b="1" dirty="0">
+                <a:solidFill>
+                  <a:srgbClr val="660033"/>
+                </a:solidFill>
+                <a:effectLst/>
+                <a:latin typeface="Microsoft JhengHei" panose="020B0604030504040204" pitchFamily="34" charset="-120"/>
+                <a:ea typeface="Microsoft JhengHei" panose="020B0604030504040204" pitchFamily="34" charset="-120"/>
+              </a:rPr>
+              <a:t> </a:t>
+            </a:r>
+            <a:r>
+              <a:rPr lang="en-US" sz="4800" b="1" dirty="0">
+                <a:solidFill>
+                  <a:srgbClr val="660033"/>
+                </a:solidFill>
+                <a:effectLst/>
+                <a:latin typeface="Microsoft JhengHei" panose="020B0604030504040204" pitchFamily="34" charset="-120"/>
+                <a:ea typeface="Microsoft JhengHei" panose="020B0604030504040204" pitchFamily="34" charset="-120"/>
+              </a:rPr>
+              <a:t>)</a:t>
+            </a:r>
+            <a:endParaRPr lang="vi-VN" sz="4800" b="1" dirty="0">
               <a:solidFill>
                 <a:srgbClr val="660033"/>
               </a:solidFill>
-              <a:latin typeface="微軟正黑體" pitchFamily="34" charset="-120"/>
-              <a:ea typeface="微軟正黑體" pitchFamily="34" charset="-120"/>
+              <a:effectLst/>
+              <a:ea typeface="Microsoft JhengHei" panose="020B0604030504040204" pitchFamily="34" charset="-120"/>
             </a:endParaRPr>
           </a:p>
-          <a:p>
-            <a:pPr algn="ctr">
-              <a:buNone/>
-            </a:pPr>
-            <a:r>
-              <a:rPr lang="zh-TW" altLang="en-US" sz="5400" b="1" dirty="0" smtClean="0">
-                <a:solidFill>
-                  <a:srgbClr val="660033"/>
-                </a:solidFill>
-                <a:latin typeface="微軟正黑體" pitchFamily="34" charset="-120"/>
-                <a:ea typeface="微軟正黑體" pitchFamily="34" charset="-120"/>
-              </a:rPr>
-              <a:t>榮耀  榮耀  榮耀</a:t>
-            </a:r>
-            <a:endParaRPr lang="en-US" altLang="zh-TW" sz="5400" b="1" dirty="0" smtClean="0">
-              <a:solidFill>
-                <a:srgbClr val="660033"/>
-              </a:solidFill>
-              <a:latin typeface="微軟正黑體" pitchFamily="34" charset="-120"/>
-              <a:ea typeface="微軟正黑體" pitchFamily="34" charset="-120"/>
-            </a:endParaRPr>
-          </a:p>
-          <a:p>
-            <a:pPr algn="ctr">
-              <a:buNone/>
-            </a:pPr>
-            <a:r>
-              <a:rPr lang="zh-TW" altLang="en-US" sz="5400" b="1" dirty="0" smtClean="0">
-                <a:solidFill>
-                  <a:srgbClr val="660033"/>
-                </a:solidFill>
-                <a:latin typeface="微軟正黑體" pitchFamily="34" charset="-120"/>
-                <a:ea typeface="微軟正黑體" pitchFamily="34" charset="-120"/>
-              </a:rPr>
-              <a:t>配</a:t>
-            </a:r>
-            <a:r>
-              <a:rPr lang="zh-TW" altLang="en-US" sz="5400" b="1" dirty="0">
-                <a:solidFill>
-                  <a:srgbClr val="660033"/>
-                </a:solidFill>
-                <a:latin typeface="微軟正黑體" pitchFamily="34" charset="-120"/>
-                <a:ea typeface="微軟正黑體" pitchFamily="34" charset="-120"/>
-              </a:rPr>
-              <a:t>得頌讚</a:t>
-            </a:r>
-            <a:r>
-              <a:rPr lang="zh-TW" altLang="en-US" sz="5400" b="1" dirty="0" smtClean="0">
-                <a:solidFill>
-                  <a:srgbClr val="660033"/>
-                </a:solidFill>
-                <a:latin typeface="微軟正黑體" pitchFamily="34" charset="-120"/>
-                <a:ea typeface="微軟正黑體" pitchFamily="34" charset="-120"/>
-              </a:rPr>
-              <a:t>愛戴</a:t>
-            </a:r>
-            <a:endParaRPr lang="zh-TW" altLang="en-US" sz="5400" b="1" dirty="0">
-              <a:solidFill>
-                <a:srgbClr val="660033"/>
-              </a:solidFill>
-              <a:latin typeface="微軟正黑體" pitchFamily="34" charset="-120"/>
-              <a:ea typeface="微軟正黑體" pitchFamily="34" charset="-120"/>
-            </a:endParaRPr>
-          </a:p>
         </p:txBody>
       </p:sp>
     </p:spTree>
+    <p:extLst>
+      <p:ext uri="{BB962C8B-B14F-4D97-AF65-F5344CB8AC3E}">
+        <p14:creationId xmlns:p14="http://schemas.microsoft.com/office/powerpoint/2010/main" val="9474597"/>
+      </p:ext>
+    </p:extLst>
   </p:cSld>
   <p:clrMapOvr>
     <a:masterClrMapping/>
@@ -3962,30 +4450,90 @@
       </p:grpSpPr>
       <p:sp>
         <p:nvSpPr>
-          <p:cNvPr id="4" name="標題 3"/>
-          <p:cNvSpPr>
-            <a:spLocks noGrp="1"/>
-          </p:cNvSpPr>
-          <p:nvPr>
-            <p:ph type="title"/>
-          </p:nvPr>
-        </p:nvSpPr>
-        <p:spPr/>
-        <p:txBody>
-          <a:bodyPr/>
-          <a:lstStyle/>
-          <a:p>
-            <a:r>
-              <a:rPr lang="zh-CN" altLang="en-US" b="1" dirty="0" smtClean="0">
+          <p:cNvPr id="5" name="內容版面配置區 4"/>
+          <p:cNvSpPr>
+            <a:spLocks noGrp="1"/>
+          </p:cNvSpPr>
+          <p:nvPr>
+            <p:ph idx="1"/>
+          </p:nvPr>
+        </p:nvSpPr>
+        <p:spPr>
+          <a:xfrm>
+            <a:off x="0" y="2084851"/>
+            <a:ext cx="12192000" cy="2404863"/>
+          </a:xfrm>
+        </p:spPr>
+        <p:txBody>
+          <a:bodyPr anchor="ctr">
+            <a:normAutofit/>
+          </a:bodyPr>
+          <a:lstStyle/>
+          <a:p>
+            <a:pPr algn="ctr">
+              <a:buNone/>
+            </a:pPr>
+            <a:r>
+              <a:rPr lang="zh-CN" altLang="en-US" sz="6400" b="1" dirty="0">
                 <a:solidFill>
                   <a:srgbClr val="660033"/>
                 </a:solidFill>
                 <a:latin typeface="微軟正黑體" pitchFamily="34" charset="-120"/>
                 <a:ea typeface="微軟正黑體" pitchFamily="34" charset="-120"/>
               </a:rPr>
-              <a:t>日日夜夜</a:t>
-            </a:r>
-            <a:endParaRPr lang="zh-TW" altLang="en-US" b="1" dirty="0">
+              <a:t>袮</a:t>
+            </a:r>
+            <a:r>
+              <a:rPr lang="zh-TW" altLang="en-US" sz="6400" b="1" dirty="0">
+                <a:solidFill>
+                  <a:srgbClr val="660033"/>
+                </a:solidFill>
+                <a:latin typeface="微軟正黑體" pitchFamily="34" charset="-120"/>
+                <a:ea typeface="微軟正黑體" pitchFamily="34" charset="-120"/>
+              </a:rPr>
+              <a:t>是我們的神</a:t>
+            </a:r>
+            <a:r>
+              <a:rPr lang="en-US" altLang="zh-TW" sz="6400" b="1" dirty="0">
+                <a:solidFill>
+                  <a:srgbClr val="660033"/>
+                </a:solidFill>
+                <a:latin typeface="微軟正黑體" pitchFamily="34" charset="-120"/>
+                <a:ea typeface="微軟正黑體" pitchFamily="34" charset="-120"/>
+              </a:rPr>
+              <a:t>   </a:t>
+            </a:r>
+            <a:r>
+              <a:rPr lang="zh-TW" altLang="en-US" sz="6400" b="1" dirty="0">
+                <a:solidFill>
+                  <a:srgbClr val="660033"/>
+                </a:solidFill>
+                <a:latin typeface="微軟正黑體" pitchFamily="34" charset="-120"/>
+                <a:ea typeface="微軟正黑體" pitchFamily="34" charset="-120"/>
+              </a:rPr>
+              <a:t>我們是</a:t>
+            </a:r>
+            <a:r>
+              <a:rPr lang="zh-CN" altLang="en-US" sz="6400" b="1" dirty="0">
+                <a:solidFill>
+                  <a:srgbClr val="660033"/>
+                </a:solidFill>
+                <a:latin typeface="微軟正黑體" pitchFamily="34" charset="-120"/>
+                <a:ea typeface="微軟正黑體" pitchFamily="34" charset="-120"/>
+              </a:rPr>
+              <a:t>袮</a:t>
+            </a:r>
+            <a:r>
+              <a:rPr lang="zh-TW" altLang="en-US" sz="6400" b="1" dirty="0">
+                <a:solidFill>
+                  <a:srgbClr val="660033"/>
+                </a:solidFill>
+                <a:latin typeface="微軟正黑體" pitchFamily="34" charset="-120"/>
+                <a:ea typeface="微軟正黑體" pitchFamily="34" charset="-120"/>
+              </a:rPr>
+              <a:t>子民</a:t>
+            </a:r>
+            <a:endParaRPr lang="en-US" altLang="zh-TW" sz="6400" b="1" dirty="0">
               <a:solidFill>
                 <a:srgbClr val="660033"/>
               </a:solidFill>
@@ -3993,49 +4541,41 @@
               <a:ea typeface="微軟正黑體" pitchFamily="34" charset="-120"/>
             </a:endParaRPr>
           </a:p>
-        </p:txBody>
-      </p:sp>
-      <p:sp>
-        <p:nvSpPr>
-          <p:cNvPr id="5" name="內容版面配置區 4"/>
-          <p:cNvSpPr>
-            <a:spLocks noGrp="1"/>
-          </p:cNvSpPr>
-          <p:nvPr>
-            <p:ph idx="1"/>
-          </p:nvPr>
-        </p:nvSpPr>
-        <p:spPr/>
-        <p:txBody>
-          <a:bodyPr>
-            <a:noAutofit/>
-          </a:bodyPr>
-          <a:lstStyle/>
           <a:p>
             <a:pPr algn="ctr">
               <a:buNone/>
             </a:pPr>
             <a:r>
-              <a:rPr lang="zh-TW" altLang="en-US" sz="5400" b="1" dirty="0">
+              <a:rPr lang="zh-TW" altLang="en-US" sz="6400" b="1" dirty="0">
                 <a:solidFill>
                   <a:srgbClr val="660033"/>
                 </a:solidFill>
                 <a:latin typeface="微軟正黑體" pitchFamily="34" charset="-120"/>
                 <a:ea typeface="微軟正黑體" pitchFamily="34" charset="-120"/>
               </a:rPr>
-              <a:t>聖</a:t>
-            </a:r>
-            <a:r>
-              <a:rPr lang="zh-TW" altLang="en-US" sz="5400" b="1" dirty="0" smtClean="0">
+              <a:t>因</a:t>
+            </a:r>
+            <a:r>
+              <a:rPr lang="zh-CN" altLang="en-US" sz="6400" b="1" dirty="0">
                 <a:solidFill>
                   <a:srgbClr val="660033"/>
                 </a:solidFill>
                 <a:latin typeface="微軟正黑體" pitchFamily="34" charset="-120"/>
                 <a:ea typeface="微軟正黑體" pitchFamily="34" charset="-120"/>
               </a:rPr>
-              <a:t>哉  聖哉  聖哉</a:t>
-            </a:r>
-            <a:endParaRPr lang="en-US" altLang="zh-TW" sz="5400" b="1" dirty="0" smtClean="0">
+              <a:t>袮</a:t>
+            </a:r>
+            <a:r>
+              <a:rPr lang="zh-TW" altLang="en-US" sz="6400" b="1" dirty="0">
+                <a:solidFill>
+                  <a:srgbClr val="660033"/>
+                </a:solidFill>
+                <a:latin typeface="微軟正黑體" pitchFamily="34" charset="-120"/>
+                <a:ea typeface="微軟正黑體" pitchFamily="34" charset="-120"/>
+              </a:rPr>
+              <a:t>榮耀我不住敬拜</a:t>
+            </a:r>
+            <a:endParaRPr lang="zh-TW" altLang="en-US" sz="6400" b="1" dirty="0">
               <a:solidFill>
                 <a:srgbClr val="660033"/>
               </a:solidFill>
@@ -4043,76 +4583,86 @@
               <a:ea typeface="微軟正黑體" pitchFamily="34" charset="-120"/>
             </a:endParaRPr>
           </a:p>
-          <a:p>
-            <a:pPr algn="ctr">
-              <a:buNone/>
-            </a:pPr>
-            <a:r>
-              <a:rPr lang="zh-TW" altLang="en-US" sz="5400" b="1" dirty="0" smtClean="0">
-                <a:solidFill>
-                  <a:srgbClr val="660033"/>
-                </a:solidFill>
-                <a:latin typeface="微軟正黑體" pitchFamily="34" charset="-120"/>
-                <a:ea typeface="微軟正黑體" pitchFamily="34" charset="-120"/>
-              </a:rPr>
-              <a:t>全</a:t>
-            </a:r>
-            <a:r>
-              <a:rPr lang="zh-TW" altLang="en-US" sz="5400" b="1" dirty="0">
-                <a:solidFill>
-                  <a:srgbClr val="660033"/>
-                </a:solidFill>
-                <a:latin typeface="微軟正黑體" pitchFamily="34" charset="-120"/>
-                <a:ea typeface="微軟正黑體" pitchFamily="34" charset="-120"/>
-              </a:rPr>
-              <a:t>地向你</a:t>
-            </a:r>
-            <a:r>
-              <a:rPr lang="zh-TW" altLang="en-US" sz="5400" b="1" dirty="0" smtClean="0">
-                <a:solidFill>
-                  <a:srgbClr val="660033"/>
-                </a:solidFill>
-                <a:latin typeface="微軟正黑體" pitchFamily="34" charset="-120"/>
-                <a:ea typeface="微軟正黑體" pitchFamily="34" charset="-120"/>
-              </a:rPr>
-              <a:t>跪拜</a:t>
-            </a:r>
-            <a:endParaRPr lang="en-US" altLang="zh-TW" sz="5400" b="1" dirty="0">
+        </p:txBody>
+      </p:sp>
+      <p:sp>
+        <p:nvSpPr>
+          <p:cNvPr id="3" name="TextBox 2"/>
+          <p:cNvSpPr txBox="1"/>
+          <p:nvPr/>
+        </p:nvSpPr>
+        <p:spPr>
+          <a:xfrm>
+            <a:off x="0" y="5157193"/>
+            <a:ext cx="12192000" cy="830997"/>
+          </a:xfrm>
+          <a:prstGeom prst="rect">
+            <a:avLst/>
+          </a:prstGeom>
+          <a:noFill/>
+        </p:spPr>
+        <p:txBody>
+          <a:bodyPr wrap="square" rtlCol="0" anchor="ctr">
+            <a:spAutoFit/>
+          </a:bodyPr>
+          <a:lstStyle/>
+          <a:p>
+            <a:pPr algn="ctr"/>
+            <a:r>
+              <a:rPr lang="en-US" sz="4800" b="1" dirty="0">
+                <a:solidFill>
+                  <a:srgbClr val="660033"/>
+                </a:solidFill>
+                <a:latin typeface="Microsoft JhengHei" panose="020B0604030504040204" pitchFamily="34" charset="-120"/>
+                <a:ea typeface="Microsoft JhengHei" panose="020B0604030504040204" pitchFamily="34" charset="-120"/>
+              </a:rPr>
+              <a:t>( </a:t>
+            </a:r>
+            <a:r>
+              <a:rPr lang="zh-CN" altLang="en-US" sz="4800" b="1" dirty="0">
+                <a:solidFill>
+                  <a:srgbClr val="660033"/>
+                </a:solidFill>
+                <a:latin typeface="Microsoft JhengHei" panose="020B0604030504040204" pitchFamily="34" charset="-120"/>
+                <a:ea typeface="Microsoft JhengHei" panose="020B0604030504040204" pitchFamily="34" charset="-120"/>
+              </a:rPr>
+              <a:t>正</a:t>
+            </a:r>
+            <a:r>
+              <a:rPr lang="en-US" altLang="zh-CN" sz="4800" b="1" dirty="0">
+                <a:solidFill>
+                  <a:srgbClr val="660033"/>
+                </a:solidFill>
+                <a:latin typeface="Microsoft JhengHei" panose="020B0604030504040204" pitchFamily="34" charset="-120"/>
+                <a:ea typeface="Microsoft JhengHei" panose="020B0604030504040204" pitchFamily="34" charset="-120"/>
+              </a:rPr>
+              <a:t> 1</a:t>
+            </a:r>
+            <a:r>
+              <a:rPr lang="en-US" sz="4800" b="1" dirty="0">
+                <a:solidFill>
+                  <a:srgbClr val="660033"/>
+                </a:solidFill>
+                <a:latin typeface="Microsoft JhengHei" panose="020B0604030504040204" pitchFamily="34" charset="-120"/>
+                <a:ea typeface="Microsoft JhengHei" panose="020B0604030504040204" pitchFamily="34" charset="-120"/>
+              </a:rPr>
+              <a:t> )</a:t>
+            </a:r>
+            <a:endParaRPr lang="vi-VN" sz="4800" b="1" dirty="0">
               <a:solidFill>
                 <a:srgbClr val="660033"/>
               </a:solidFill>
-              <a:latin typeface="微軟正黑體" pitchFamily="34" charset="-120"/>
-              <a:ea typeface="微軟正黑體" pitchFamily="34" charset="-120"/>
+              <a:ea typeface="Microsoft JhengHei" panose="020B0604030504040204" pitchFamily="34" charset="-120"/>
             </a:endParaRPr>
           </a:p>
-          <a:p>
-            <a:pPr algn="ctr">
-              <a:buNone/>
-            </a:pPr>
-            <a:r>
-              <a:rPr lang="zh-TW" altLang="en-US" sz="5400" b="1" dirty="0" smtClean="0">
-                <a:solidFill>
-                  <a:srgbClr val="660033"/>
-                </a:solidFill>
-                <a:latin typeface="微軟正黑體" pitchFamily="34" charset="-120"/>
-                <a:ea typeface="微軟正黑體" pitchFamily="34" charset="-120"/>
-              </a:rPr>
-              <a:t>尊貴</a:t>
-            </a:r>
-            <a:r>
-              <a:rPr lang="zh-TW" altLang="en-US" sz="5400" b="1" dirty="0">
-                <a:solidFill>
-                  <a:srgbClr val="660033"/>
-                </a:solidFill>
-                <a:latin typeface="微軟正黑體" pitchFamily="34" charset="-120"/>
-                <a:ea typeface="微軟正黑體" pitchFamily="34" charset="-120"/>
-              </a:rPr>
-              <a:t>榮耀都歸寶座羔羊</a:t>
-            </a:r>
-          </a:p>
         </p:txBody>
       </p:sp>
     </p:spTree>
+    <p:extLst>
+      <p:ext uri="{BB962C8B-B14F-4D97-AF65-F5344CB8AC3E}">
+        <p14:creationId xmlns:p14="http://schemas.microsoft.com/office/powerpoint/2010/main" val="2353799205"/>
+      </p:ext>
+    </p:extLst>
   </p:cSld>
   <p:clrMapOvr>
     <a:masterClrMapping/>
@@ -4139,30 +4689,40 @@
       </p:grpSpPr>
       <p:sp>
         <p:nvSpPr>
-          <p:cNvPr id="4" name="標題 3"/>
-          <p:cNvSpPr>
-            <a:spLocks noGrp="1"/>
-          </p:cNvSpPr>
-          <p:nvPr>
-            <p:ph type="title"/>
-          </p:nvPr>
-        </p:nvSpPr>
-        <p:spPr/>
-        <p:txBody>
-          <a:bodyPr/>
-          <a:lstStyle/>
-          <a:p>
-            <a:r>
-              <a:rPr lang="zh-CN" altLang="en-US" b="1" dirty="0" smtClean="0">
+          <p:cNvPr id="5" name="內容版面配置區 4"/>
+          <p:cNvSpPr>
+            <a:spLocks noGrp="1"/>
+          </p:cNvSpPr>
+          <p:nvPr>
+            <p:ph idx="1"/>
+          </p:nvPr>
+        </p:nvSpPr>
+        <p:spPr>
+          <a:xfrm>
+            <a:off x="0" y="2084851"/>
+            <a:ext cx="12192000" cy="2404863"/>
+          </a:xfrm>
+        </p:spPr>
+        <p:txBody>
+          <a:bodyPr anchor="ctr">
+            <a:normAutofit/>
+          </a:bodyPr>
+          <a:lstStyle/>
+          <a:p>
+            <a:pPr algn="ctr">
+              <a:buNone/>
+            </a:pPr>
+            <a:r>
+              <a:rPr lang="zh-TW" altLang="en-US" sz="6400" b="1" dirty="0">
                 <a:solidFill>
                   <a:srgbClr val="660033"/>
                 </a:solidFill>
                 <a:latin typeface="微軟正黑體" pitchFamily="34" charset="-120"/>
                 <a:ea typeface="微軟正黑體" pitchFamily="34" charset="-120"/>
               </a:rPr>
-              <a:t>日日夜夜</a:t>
-            </a:r>
-            <a:endParaRPr lang="zh-TW" altLang="en-US" b="1" dirty="0">
+              <a:t>聖哉   聖哉   聖哉</a:t>
+            </a:r>
+            <a:endParaRPr lang="en-US" altLang="zh-TW" sz="6400" b="1" dirty="0">
               <a:solidFill>
                 <a:srgbClr val="660033"/>
               </a:solidFill>
@@ -4170,49 +4730,21 @@
               <a:ea typeface="微軟正黑體" pitchFamily="34" charset="-120"/>
             </a:endParaRPr>
           </a:p>
-        </p:txBody>
-      </p:sp>
-      <p:sp>
-        <p:nvSpPr>
-          <p:cNvPr id="5" name="內容版面配置區 4"/>
-          <p:cNvSpPr>
-            <a:spLocks noGrp="1"/>
-          </p:cNvSpPr>
-          <p:nvPr>
-            <p:ph idx="1"/>
-          </p:nvPr>
-        </p:nvSpPr>
-        <p:spPr/>
-        <p:txBody>
-          <a:bodyPr>
-            <a:noAutofit/>
-          </a:bodyPr>
-          <a:lstStyle/>
           <a:p>
             <a:pPr algn="ctr">
               <a:buNone/>
             </a:pPr>
             <a:r>
-              <a:rPr lang="zh-TW" altLang="en-US" sz="5400" b="1" dirty="0">
+              <a:rPr lang="zh-TW" altLang="en-US" sz="6400" b="1" dirty="0">
                 <a:solidFill>
                   <a:srgbClr val="660033"/>
                 </a:solidFill>
                 <a:latin typeface="微軟正黑體" pitchFamily="34" charset="-120"/>
                 <a:ea typeface="微軟正黑體" pitchFamily="34" charset="-120"/>
               </a:rPr>
-              <a:t>我受造是為了敬拜</a:t>
-            </a:r>
-            <a:r>
-              <a:rPr lang="zh-TW" altLang="en-US" sz="5400" b="1" dirty="0" smtClean="0">
-                <a:solidFill>
-                  <a:srgbClr val="660033"/>
-                </a:solidFill>
-                <a:latin typeface="微軟正黑體" pitchFamily="34" charset="-120"/>
-                <a:ea typeface="微軟正黑體" pitchFamily="34" charset="-120"/>
-              </a:rPr>
-              <a:t>你</a:t>
-            </a:r>
-            <a:endParaRPr lang="en-US" altLang="zh-TW" sz="5400" b="1" dirty="0" smtClean="0">
+              <a:t>昔在今在永在</a:t>
+            </a:r>
+            <a:endParaRPr lang="en-US" altLang="zh-TW" sz="6400" b="1" dirty="0">
               <a:solidFill>
                 <a:srgbClr val="660033"/>
               </a:solidFill>
@@ -4220,160 +4752,91 @@
               <a:ea typeface="微軟正黑體" pitchFamily="34" charset="-120"/>
             </a:endParaRPr>
           </a:p>
-          <a:p>
-            <a:pPr algn="ctr">
-              <a:buNone/>
-            </a:pPr>
-            <a:r>
-              <a:rPr lang="zh-TW" altLang="en-US" sz="5400" b="1" dirty="0" smtClean="0">
-                <a:solidFill>
-                  <a:srgbClr val="660033"/>
-                </a:solidFill>
-                <a:latin typeface="微軟正黑體" pitchFamily="34" charset="-120"/>
-                <a:ea typeface="微軟正黑體" pitchFamily="34" charset="-120"/>
-              </a:rPr>
-              <a:t>我</a:t>
-            </a:r>
-            <a:r>
-              <a:rPr lang="zh-TW" altLang="en-US" sz="5400" b="1" dirty="0">
-                <a:solidFill>
-                  <a:srgbClr val="660033"/>
-                </a:solidFill>
-                <a:latin typeface="微軟正黑體" pitchFamily="34" charset="-120"/>
-                <a:ea typeface="微軟正黑體" pitchFamily="34" charset="-120"/>
-              </a:rPr>
-              <a:t>受造是為了榮耀</a:t>
-            </a:r>
-            <a:r>
-              <a:rPr lang="zh-TW" altLang="en-US" sz="5400" b="1" dirty="0" smtClean="0">
-                <a:solidFill>
-                  <a:srgbClr val="660033"/>
-                </a:solidFill>
-                <a:latin typeface="微軟正黑體" pitchFamily="34" charset="-120"/>
-                <a:ea typeface="微軟正黑體" pitchFamily="34" charset="-120"/>
-              </a:rPr>
-              <a:t>你</a:t>
-            </a:r>
-            <a:endParaRPr lang="en-US" altLang="zh-TW" sz="5400" b="1" dirty="0">
+        </p:txBody>
+      </p:sp>
+      <p:sp>
+        <p:nvSpPr>
+          <p:cNvPr id="3" name="TextBox 2"/>
+          <p:cNvSpPr txBox="1"/>
+          <p:nvPr/>
+        </p:nvSpPr>
+        <p:spPr>
+          <a:xfrm>
+            <a:off x="0" y="5157193"/>
+            <a:ext cx="12192000" cy="830997"/>
+          </a:xfrm>
+          <a:prstGeom prst="rect">
+            <a:avLst/>
+          </a:prstGeom>
+          <a:noFill/>
+        </p:spPr>
+        <p:txBody>
+          <a:bodyPr wrap="square" rtlCol="0" anchor="ctr">
+            <a:spAutoFit/>
+          </a:bodyPr>
+          <a:lstStyle/>
+          <a:p>
+            <a:pPr algn="ctr"/>
+            <a:r>
+              <a:rPr lang="en-US" sz="4800" b="1" dirty="0">
+                <a:solidFill>
+                  <a:srgbClr val="660033"/>
+                </a:solidFill>
+                <a:effectLst/>
+                <a:latin typeface="Microsoft JhengHei" panose="020B0604030504040204" pitchFamily="34" charset="-120"/>
+                <a:ea typeface="Microsoft JhengHei" panose="020B0604030504040204" pitchFamily="34" charset="-120"/>
+              </a:rPr>
+              <a:t>( </a:t>
+            </a:r>
+            <a:r>
+              <a:rPr lang="zh-CN" altLang="en-US" sz="4800" b="1" dirty="0">
+                <a:solidFill>
+                  <a:srgbClr val="660033"/>
+                </a:solidFill>
+                <a:effectLst/>
+                <a:latin typeface="Microsoft JhengHei" panose="020B0604030504040204" pitchFamily="34" charset="-120"/>
+                <a:ea typeface="Microsoft JhengHei" panose="020B0604030504040204" pitchFamily="34" charset="-120"/>
+              </a:rPr>
+              <a:t>副</a:t>
+            </a:r>
+            <a:r>
+              <a:rPr lang="en-US" sz="4800" b="1" dirty="0">
+                <a:solidFill>
+                  <a:srgbClr val="660033"/>
+                </a:solidFill>
+                <a:effectLst/>
+                <a:latin typeface="Microsoft JhengHei" panose="020B0604030504040204" pitchFamily="34" charset="-120"/>
+                <a:ea typeface="Microsoft JhengHei" panose="020B0604030504040204" pitchFamily="34" charset="-120"/>
+              </a:rPr>
+              <a:t> </a:t>
+            </a:r>
+            <a:r>
+              <a:rPr lang="en-US" sz="4800" b="1" dirty="0">
+                <a:solidFill>
+                  <a:srgbClr val="660033"/>
+                </a:solidFill>
+                <a:effectLst/>
+                <a:latin typeface="Microsoft JhengHei" panose="020B0604030504040204" pitchFamily="34" charset="-120"/>
+                <a:ea typeface="Microsoft JhengHei" panose="020B0604030504040204" pitchFamily="34" charset="-120"/>
+              </a:rPr>
+              <a:t>)</a:t>
+            </a:r>
+            <a:endParaRPr lang="vi-VN" sz="4800" b="1" dirty="0">
               <a:solidFill>
                 <a:srgbClr val="660033"/>
               </a:solidFill>
-              <a:latin typeface="微軟正黑體" pitchFamily="34" charset="-120"/>
-              <a:ea typeface="微軟正黑體" pitchFamily="34" charset="-120"/>
+              <a:effectLst/>
+              <a:ea typeface="Microsoft JhengHei" panose="020B0604030504040204" pitchFamily="34" charset="-120"/>
             </a:endParaRPr>
           </a:p>
-          <a:p>
-            <a:pPr algn="ctr">
-              <a:buNone/>
-            </a:pPr>
-            <a:r>
-              <a:rPr lang="zh-TW" altLang="en-US" sz="5400" b="1" dirty="0" smtClean="0">
-                <a:solidFill>
-                  <a:srgbClr val="660033"/>
-                </a:solidFill>
-                <a:latin typeface="微軟正黑體" pitchFamily="34" charset="-120"/>
-                <a:ea typeface="微軟正黑體" pitchFamily="34" charset="-120"/>
-              </a:rPr>
-              <a:t>你</a:t>
-            </a:r>
-            <a:r>
-              <a:rPr lang="zh-TW" altLang="en-US" sz="5400" b="1" dirty="0">
-                <a:solidFill>
-                  <a:srgbClr val="660033"/>
-                </a:solidFill>
-                <a:latin typeface="微軟正黑體" pitchFamily="34" charset="-120"/>
-                <a:ea typeface="微軟正黑體" pitchFamily="34" charset="-120"/>
-              </a:rPr>
-              <a:t>是我們的</a:t>
-            </a:r>
-            <a:r>
-              <a:rPr lang="zh-TW" altLang="en-US" sz="5400" b="1" dirty="0" smtClean="0">
-                <a:solidFill>
-                  <a:srgbClr val="660033"/>
-                </a:solidFill>
-                <a:latin typeface="微軟正黑體" pitchFamily="34" charset="-120"/>
-                <a:ea typeface="微軟正黑體" pitchFamily="34" charset="-120"/>
-              </a:rPr>
-              <a:t>神</a:t>
-            </a:r>
-            <a:endParaRPr lang="en-US" altLang="zh-TW" sz="5400" b="1" dirty="0" smtClean="0">
-              <a:solidFill>
-                <a:srgbClr val="660033"/>
-              </a:solidFill>
-              <a:latin typeface="微軟正黑體" pitchFamily="34" charset="-120"/>
-              <a:ea typeface="微軟正黑體" pitchFamily="34" charset="-120"/>
-            </a:endParaRPr>
-          </a:p>
-          <a:p>
-            <a:pPr algn="ctr">
-              <a:buNone/>
-            </a:pPr>
-            <a:r>
-              <a:rPr lang="zh-TW" altLang="en-US" sz="5400" b="1" dirty="0" smtClean="0">
-                <a:solidFill>
-                  <a:srgbClr val="660033"/>
-                </a:solidFill>
-                <a:latin typeface="微軟正黑體" pitchFamily="34" charset="-120"/>
-                <a:ea typeface="微軟正黑體" pitchFamily="34" charset="-120"/>
-              </a:rPr>
-              <a:t>你</a:t>
-            </a:r>
-            <a:r>
-              <a:rPr lang="zh-TW" altLang="en-US" sz="5400" b="1" dirty="0">
-                <a:solidFill>
-                  <a:srgbClr val="660033"/>
-                </a:solidFill>
-                <a:latin typeface="微軟正黑體" pitchFamily="34" charset="-120"/>
-                <a:ea typeface="微軟正黑體" pitchFamily="34" charset="-120"/>
-              </a:rPr>
-              <a:t>與我們同</a:t>
-            </a:r>
-            <a:r>
-              <a:rPr lang="zh-TW" altLang="en-US" sz="5400" b="1" dirty="0" smtClean="0">
-                <a:solidFill>
-                  <a:srgbClr val="660033"/>
-                </a:solidFill>
-                <a:latin typeface="微軟正黑體" pitchFamily="34" charset="-120"/>
-                <a:ea typeface="微軟正黑體" pitchFamily="34" charset="-120"/>
-              </a:rPr>
-              <a:t>住</a:t>
-            </a:r>
-            <a:endParaRPr lang="en-US" altLang="zh-TW" sz="5400" b="1" dirty="0" smtClean="0">
-              <a:solidFill>
-                <a:srgbClr val="660033"/>
-              </a:solidFill>
-              <a:latin typeface="微軟正黑體" pitchFamily="34" charset="-120"/>
-              <a:ea typeface="微軟正黑體" pitchFamily="34" charset="-120"/>
-            </a:endParaRPr>
-          </a:p>
-          <a:p>
-            <a:pPr algn="ctr">
-              <a:buNone/>
-            </a:pPr>
-            <a:r>
-              <a:rPr lang="zh-TW" altLang="en-US" sz="5400" b="1" dirty="0" smtClean="0">
-                <a:solidFill>
-                  <a:srgbClr val="660033"/>
-                </a:solidFill>
-                <a:latin typeface="微軟正黑體" pitchFamily="34" charset="-120"/>
-                <a:ea typeface="微軟正黑體" pitchFamily="34" charset="-120"/>
-              </a:rPr>
-              <a:t>因</a:t>
-            </a:r>
-            <a:r>
-              <a:rPr lang="zh-TW" altLang="en-US" sz="5400" b="1" dirty="0">
-                <a:solidFill>
-                  <a:srgbClr val="660033"/>
-                </a:solidFill>
-                <a:latin typeface="微軟正黑體" pitchFamily="34" charset="-120"/>
-                <a:ea typeface="微軟正黑體" pitchFamily="34" charset="-120"/>
-              </a:rPr>
-              <a:t>你榮耀我不住敬拜</a:t>
-            </a:r>
-          </a:p>
         </p:txBody>
       </p:sp>
     </p:spTree>
+    <p:extLst>
+      <p:ext uri="{BB962C8B-B14F-4D97-AF65-F5344CB8AC3E}">
+        <p14:creationId xmlns:p14="http://schemas.microsoft.com/office/powerpoint/2010/main" val="772888258"/>
+      </p:ext>
+    </p:extLst>
   </p:cSld>
   <p:clrMapOvr>
     <a:masterClrMapping/>
@@ -4400,30 +4863,40 @@
       </p:grpSpPr>
       <p:sp>
         <p:nvSpPr>
-          <p:cNvPr id="4" name="標題 3"/>
-          <p:cNvSpPr>
-            <a:spLocks noGrp="1"/>
-          </p:cNvSpPr>
-          <p:nvPr>
-            <p:ph type="title"/>
-          </p:nvPr>
-        </p:nvSpPr>
-        <p:spPr/>
-        <p:txBody>
-          <a:bodyPr/>
-          <a:lstStyle/>
-          <a:p>
-            <a:r>
-              <a:rPr lang="zh-CN" altLang="en-US" b="1" dirty="0" smtClean="0">
+          <p:cNvPr id="5" name="內容版面配置區 4"/>
+          <p:cNvSpPr>
+            <a:spLocks noGrp="1"/>
+          </p:cNvSpPr>
+          <p:nvPr>
+            <p:ph idx="1"/>
+          </p:nvPr>
+        </p:nvSpPr>
+        <p:spPr>
+          <a:xfrm>
+            <a:off x="0" y="2084851"/>
+            <a:ext cx="12192000" cy="2404863"/>
+          </a:xfrm>
+        </p:spPr>
+        <p:txBody>
+          <a:bodyPr anchor="ctr">
+            <a:normAutofit/>
+          </a:bodyPr>
+          <a:lstStyle/>
+          <a:p>
+            <a:pPr algn="ctr">
+              <a:buNone/>
+            </a:pPr>
+            <a:r>
+              <a:rPr lang="zh-TW" altLang="en-US" sz="6400" b="1" dirty="0">
                 <a:solidFill>
                   <a:srgbClr val="660033"/>
                 </a:solidFill>
                 <a:latin typeface="微軟正黑體" pitchFamily="34" charset="-120"/>
                 <a:ea typeface="微軟正黑體" pitchFamily="34" charset="-120"/>
               </a:rPr>
-              <a:t>日日夜夜</a:t>
-            </a:r>
-            <a:endParaRPr lang="zh-TW" altLang="en-US" b="1" dirty="0">
+              <a:t>榮耀   榮耀   榮耀</a:t>
+            </a:r>
+            <a:endParaRPr lang="en-US" altLang="zh-TW" sz="6400" b="1" dirty="0">
               <a:solidFill>
                 <a:srgbClr val="660033"/>
               </a:solidFill>
@@ -4431,49 +4904,21 @@
               <a:ea typeface="微軟正黑體" pitchFamily="34" charset="-120"/>
             </a:endParaRPr>
           </a:p>
-        </p:txBody>
-      </p:sp>
-      <p:sp>
-        <p:nvSpPr>
-          <p:cNvPr id="5" name="內容版面配置區 4"/>
-          <p:cNvSpPr>
-            <a:spLocks noGrp="1"/>
-          </p:cNvSpPr>
-          <p:nvPr>
-            <p:ph idx="1"/>
-          </p:nvPr>
-        </p:nvSpPr>
-        <p:spPr/>
-        <p:txBody>
-          <a:bodyPr>
-            <a:noAutofit/>
-          </a:bodyPr>
-          <a:lstStyle/>
           <a:p>
             <a:pPr algn="ctr">
               <a:buNone/>
             </a:pPr>
             <a:r>
-              <a:rPr lang="zh-TW" altLang="en-US" sz="5400" b="1" dirty="0">
+              <a:rPr lang="zh-TW" altLang="en-US" sz="6400" b="1" dirty="0">
                 <a:solidFill>
                   <a:srgbClr val="660033"/>
                 </a:solidFill>
                 <a:latin typeface="微軟正黑體" pitchFamily="34" charset="-120"/>
                 <a:ea typeface="微軟正黑體" pitchFamily="34" charset="-120"/>
               </a:rPr>
-              <a:t>聖</a:t>
-            </a:r>
-            <a:r>
-              <a:rPr lang="zh-TW" altLang="en-US" sz="5400" b="1" dirty="0" smtClean="0">
-                <a:solidFill>
-                  <a:srgbClr val="660033"/>
-                </a:solidFill>
-                <a:latin typeface="微軟正黑體" pitchFamily="34" charset="-120"/>
-                <a:ea typeface="微軟正黑體" pitchFamily="34" charset="-120"/>
-              </a:rPr>
-              <a:t>哉  聖哉  聖哉</a:t>
-            </a:r>
-            <a:endParaRPr lang="en-US" altLang="zh-TW" sz="5400" b="1" dirty="0" smtClean="0">
+              <a:t>配得頌讚愛戴</a:t>
+            </a:r>
+            <a:endParaRPr lang="zh-TW" altLang="en-US" sz="6400" b="1" dirty="0">
               <a:solidFill>
                 <a:srgbClr val="660033"/>
               </a:solidFill>
@@ -4481,115 +4926,91 @@
               <a:ea typeface="微軟正黑體" pitchFamily="34" charset="-120"/>
             </a:endParaRPr>
           </a:p>
-          <a:p>
-            <a:pPr algn="ctr">
-              <a:buNone/>
-            </a:pPr>
-            <a:r>
-              <a:rPr lang="zh-TW" altLang="en-US" sz="5400" b="1" dirty="0" smtClean="0">
-                <a:solidFill>
-                  <a:srgbClr val="660033"/>
-                </a:solidFill>
-                <a:latin typeface="微軟正黑體" pitchFamily="34" charset="-120"/>
-                <a:ea typeface="微軟正黑體" pitchFamily="34" charset="-120"/>
-              </a:rPr>
-              <a:t>昔</a:t>
-            </a:r>
-            <a:r>
-              <a:rPr lang="zh-TW" altLang="en-US" sz="5400" b="1" dirty="0">
-                <a:solidFill>
-                  <a:srgbClr val="660033"/>
-                </a:solidFill>
-                <a:latin typeface="微軟正黑體" pitchFamily="34" charset="-120"/>
-                <a:ea typeface="微軟正黑體" pitchFamily="34" charset="-120"/>
-              </a:rPr>
-              <a:t>在今在永</a:t>
-            </a:r>
-            <a:r>
-              <a:rPr lang="zh-TW" altLang="en-US" sz="5400" b="1" dirty="0" smtClean="0">
-                <a:solidFill>
-                  <a:srgbClr val="660033"/>
-                </a:solidFill>
-                <a:latin typeface="微軟正黑體" pitchFamily="34" charset="-120"/>
-                <a:ea typeface="微軟正黑體" pitchFamily="34" charset="-120"/>
-              </a:rPr>
-              <a:t>在</a:t>
-            </a:r>
-            <a:endParaRPr lang="en-US" altLang="zh-TW" sz="5400" b="1" dirty="0">
+        </p:txBody>
+      </p:sp>
+      <p:sp>
+        <p:nvSpPr>
+          <p:cNvPr id="3" name="TextBox 2"/>
+          <p:cNvSpPr txBox="1"/>
+          <p:nvPr/>
+        </p:nvSpPr>
+        <p:spPr>
+          <a:xfrm>
+            <a:off x="0" y="5157193"/>
+            <a:ext cx="12192000" cy="830997"/>
+          </a:xfrm>
+          <a:prstGeom prst="rect">
+            <a:avLst/>
+          </a:prstGeom>
+          <a:noFill/>
+        </p:spPr>
+        <p:txBody>
+          <a:bodyPr wrap="square" rtlCol="0" anchor="ctr">
+            <a:spAutoFit/>
+          </a:bodyPr>
+          <a:lstStyle/>
+          <a:p>
+            <a:pPr algn="ctr"/>
+            <a:r>
+              <a:rPr lang="en-US" sz="4800" b="1" dirty="0">
+                <a:solidFill>
+                  <a:srgbClr val="660033"/>
+                </a:solidFill>
+                <a:effectLst/>
+                <a:latin typeface="Microsoft JhengHei" panose="020B0604030504040204" pitchFamily="34" charset="-120"/>
+                <a:ea typeface="Microsoft JhengHei" panose="020B0604030504040204" pitchFamily="34" charset="-120"/>
+              </a:rPr>
+              <a:t>( </a:t>
+            </a:r>
+            <a:r>
+              <a:rPr lang="zh-CN" altLang="en-US" sz="4800" b="1" dirty="0">
+                <a:solidFill>
+                  <a:srgbClr val="660033"/>
+                </a:solidFill>
+                <a:effectLst/>
+                <a:latin typeface="Microsoft JhengHei" panose="020B0604030504040204" pitchFamily="34" charset="-120"/>
+                <a:ea typeface="Microsoft JhengHei" panose="020B0604030504040204" pitchFamily="34" charset="-120"/>
+              </a:rPr>
+              <a:t>副</a:t>
+            </a:r>
+            <a:r>
+              <a:rPr lang="en-US" sz="4800" b="1" dirty="0">
+                <a:solidFill>
+                  <a:srgbClr val="660033"/>
+                </a:solidFill>
+                <a:effectLst/>
+                <a:latin typeface="Microsoft JhengHei" panose="020B0604030504040204" pitchFamily="34" charset="-120"/>
+                <a:ea typeface="Microsoft JhengHei" panose="020B0604030504040204" pitchFamily="34" charset="-120"/>
+              </a:rPr>
+              <a:t> </a:t>
+            </a:r>
+            <a:r>
+              <a:rPr lang="en-US" sz="4800" b="1" dirty="0">
+                <a:solidFill>
+                  <a:srgbClr val="660033"/>
+                </a:solidFill>
+                <a:effectLst/>
+                <a:latin typeface="Microsoft JhengHei" panose="020B0604030504040204" pitchFamily="34" charset="-120"/>
+                <a:ea typeface="Microsoft JhengHei" panose="020B0604030504040204" pitchFamily="34" charset="-120"/>
+              </a:rPr>
+              <a:t>)</a:t>
+            </a:r>
+            <a:endParaRPr lang="vi-VN" sz="4800" b="1" dirty="0">
               <a:solidFill>
                 <a:srgbClr val="660033"/>
               </a:solidFill>
-              <a:latin typeface="微軟正黑體" pitchFamily="34" charset="-120"/>
-              <a:ea typeface="微軟正黑體" pitchFamily="34" charset="-120"/>
+              <a:effectLst/>
+              <a:ea typeface="Microsoft JhengHei" panose="020B0604030504040204" pitchFamily="34" charset="-120"/>
             </a:endParaRPr>
           </a:p>
-          <a:p>
-            <a:pPr algn="ctr">
-              <a:buNone/>
-            </a:pPr>
-            <a:r>
-              <a:rPr lang="zh-TW" altLang="en-US" sz="5400" b="1" dirty="0" smtClean="0">
-                <a:solidFill>
-                  <a:srgbClr val="660033"/>
-                </a:solidFill>
-                <a:latin typeface="微軟正黑體" pitchFamily="34" charset="-120"/>
-                <a:ea typeface="微軟正黑體" pitchFamily="34" charset="-120"/>
-              </a:rPr>
-              <a:t>榮耀  榮耀  榮耀</a:t>
-            </a:r>
-            <a:endParaRPr lang="en-US" altLang="zh-TW" sz="5400" b="1" dirty="0" smtClean="0">
-              <a:solidFill>
-                <a:srgbClr val="660033"/>
-              </a:solidFill>
-              <a:latin typeface="微軟正黑體" pitchFamily="34" charset="-120"/>
-              <a:ea typeface="微軟正黑體" pitchFamily="34" charset="-120"/>
-            </a:endParaRPr>
-          </a:p>
-          <a:p>
-            <a:pPr algn="ctr">
-              <a:buNone/>
-            </a:pPr>
-            <a:r>
-              <a:rPr lang="zh-TW" altLang="en-US" sz="5400" b="1" dirty="0" smtClean="0">
-                <a:solidFill>
-                  <a:srgbClr val="660033"/>
-                </a:solidFill>
-                <a:latin typeface="微軟正黑體" pitchFamily="34" charset="-120"/>
-                <a:ea typeface="微軟正黑體" pitchFamily="34" charset="-120"/>
-              </a:rPr>
-              <a:t>配</a:t>
-            </a:r>
-            <a:r>
-              <a:rPr lang="zh-TW" altLang="en-US" sz="5400" b="1" dirty="0">
-                <a:solidFill>
-                  <a:srgbClr val="660033"/>
-                </a:solidFill>
-                <a:latin typeface="微軟正黑體" pitchFamily="34" charset="-120"/>
-                <a:ea typeface="微軟正黑體" pitchFamily="34" charset="-120"/>
-              </a:rPr>
-              <a:t>得頌讚</a:t>
-            </a:r>
-            <a:r>
-              <a:rPr lang="zh-TW" altLang="en-US" sz="5400" b="1" dirty="0" smtClean="0">
-                <a:solidFill>
-                  <a:srgbClr val="660033"/>
-                </a:solidFill>
-                <a:latin typeface="微軟正黑體" pitchFamily="34" charset="-120"/>
-                <a:ea typeface="微軟正黑體" pitchFamily="34" charset="-120"/>
-              </a:rPr>
-              <a:t>愛戴</a:t>
-            </a:r>
-            <a:endParaRPr lang="zh-TW" altLang="en-US" sz="5400" b="1" dirty="0">
-              <a:solidFill>
-                <a:srgbClr val="660033"/>
-              </a:solidFill>
-              <a:latin typeface="微軟正黑體" pitchFamily="34" charset="-120"/>
-              <a:ea typeface="微軟正黑體" pitchFamily="34" charset="-120"/>
-            </a:endParaRPr>
-          </a:p>
         </p:txBody>
       </p:sp>
     </p:spTree>
+    <p:extLst>
+      <p:ext uri="{BB962C8B-B14F-4D97-AF65-F5344CB8AC3E}">
+        <p14:creationId xmlns:p14="http://schemas.microsoft.com/office/powerpoint/2010/main" val="577941682"/>
+      </p:ext>
+    </p:extLst>
   </p:cSld>
   <p:clrMapOvr>
     <a:masterClrMapping/>
@@ -4616,30 +5037,40 @@
       </p:grpSpPr>
       <p:sp>
         <p:nvSpPr>
-          <p:cNvPr id="4" name="標題 3"/>
-          <p:cNvSpPr>
-            <a:spLocks noGrp="1"/>
-          </p:cNvSpPr>
-          <p:nvPr>
-            <p:ph type="title"/>
-          </p:nvPr>
-        </p:nvSpPr>
-        <p:spPr/>
-        <p:txBody>
-          <a:bodyPr/>
-          <a:lstStyle/>
-          <a:p>
-            <a:r>
-              <a:rPr lang="zh-CN" altLang="en-US" b="1" dirty="0" smtClean="0">
+          <p:cNvPr id="5" name="內容版面配置區 4"/>
+          <p:cNvSpPr>
+            <a:spLocks noGrp="1"/>
+          </p:cNvSpPr>
+          <p:nvPr>
+            <p:ph idx="1"/>
+          </p:nvPr>
+        </p:nvSpPr>
+        <p:spPr>
+          <a:xfrm>
+            <a:off x="0" y="2084851"/>
+            <a:ext cx="12192000" cy="2404863"/>
+          </a:xfrm>
+        </p:spPr>
+        <p:txBody>
+          <a:bodyPr anchor="ctr">
+            <a:normAutofit/>
+          </a:bodyPr>
+          <a:lstStyle/>
+          <a:p>
+            <a:pPr algn="ctr">
+              <a:buNone/>
+            </a:pPr>
+            <a:r>
+              <a:rPr lang="zh-TW" altLang="en-US" sz="6400" b="1" dirty="0">
                 <a:solidFill>
                   <a:srgbClr val="660033"/>
                 </a:solidFill>
                 <a:latin typeface="微軟正黑體" pitchFamily="34" charset="-120"/>
                 <a:ea typeface="微軟正黑體" pitchFamily="34" charset="-120"/>
               </a:rPr>
-              <a:t>日日夜夜</a:t>
-            </a:r>
-            <a:endParaRPr lang="zh-TW" altLang="en-US" b="1" dirty="0">
+              <a:t>聖哉   聖哉   聖哉</a:t>
+            </a:r>
+            <a:endParaRPr lang="en-US" altLang="zh-TW" sz="6400" b="1" dirty="0">
               <a:solidFill>
                 <a:srgbClr val="660033"/>
               </a:solidFill>
@@ -4647,49 +5078,41 @@
               <a:ea typeface="微軟正黑體" pitchFamily="34" charset="-120"/>
             </a:endParaRPr>
           </a:p>
-        </p:txBody>
-      </p:sp>
-      <p:sp>
-        <p:nvSpPr>
-          <p:cNvPr id="5" name="內容版面配置區 4"/>
-          <p:cNvSpPr>
-            <a:spLocks noGrp="1"/>
-          </p:cNvSpPr>
-          <p:nvPr>
-            <p:ph idx="1"/>
-          </p:nvPr>
-        </p:nvSpPr>
-        <p:spPr/>
-        <p:txBody>
-          <a:bodyPr>
-            <a:noAutofit/>
-          </a:bodyPr>
-          <a:lstStyle/>
           <a:p>
             <a:pPr algn="ctr">
               <a:buNone/>
             </a:pPr>
             <a:r>
-              <a:rPr lang="zh-TW" altLang="en-US" sz="5400" b="1" dirty="0">
+              <a:rPr lang="zh-TW" altLang="en-US" sz="6400" b="1" dirty="0">
                 <a:solidFill>
                   <a:srgbClr val="660033"/>
                 </a:solidFill>
                 <a:latin typeface="微軟正黑體" pitchFamily="34" charset="-120"/>
                 <a:ea typeface="微軟正黑體" pitchFamily="34" charset="-120"/>
               </a:rPr>
-              <a:t>聖</a:t>
-            </a:r>
-            <a:r>
-              <a:rPr lang="zh-TW" altLang="en-US" sz="5400" b="1" dirty="0" smtClean="0">
+              <a:t>全地向</a:t>
+            </a:r>
+            <a:r>
+              <a:rPr lang="zh-CN" altLang="en-US" sz="6400" b="1" dirty="0">
                 <a:solidFill>
                   <a:srgbClr val="660033"/>
                 </a:solidFill>
                 <a:latin typeface="微軟正黑體" pitchFamily="34" charset="-120"/>
                 <a:ea typeface="微軟正黑體" pitchFamily="34" charset="-120"/>
               </a:rPr>
-              <a:t>哉  聖哉  聖哉</a:t>
-            </a:r>
-            <a:endParaRPr lang="en-US" altLang="zh-TW" sz="5400" b="1" dirty="0" smtClean="0">
+              <a:t>袮</a:t>
+            </a:r>
+            <a:r>
+              <a:rPr lang="zh-TW" altLang="en-US" sz="6400" b="1" dirty="0">
+                <a:solidFill>
+                  <a:srgbClr val="660033"/>
+                </a:solidFill>
+                <a:latin typeface="微軟正黑體" pitchFamily="34" charset="-120"/>
+                <a:ea typeface="微軟正黑體" pitchFamily="34" charset="-120"/>
+              </a:rPr>
+              <a:t>跪拜</a:t>
+            </a:r>
+            <a:endParaRPr lang="en-US" altLang="zh-TW" sz="6400" b="1" dirty="0">
               <a:solidFill>
                 <a:srgbClr val="660033"/>
               </a:solidFill>
@@ -4697,76 +5120,91 @@
               <a:ea typeface="微軟正黑體" pitchFamily="34" charset="-120"/>
             </a:endParaRPr>
           </a:p>
-          <a:p>
-            <a:pPr algn="ctr">
-              <a:buNone/>
-            </a:pPr>
-            <a:r>
-              <a:rPr lang="zh-TW" altLang="en-US" sz="5400" b="1" dirty="0" smtClean="0">
-                <a:solidFill>
-                  <a:srgbClr val="660033"/>
-                </a:solidFill>
-                <a:latin typeface="微軟正黑體" pitchFamily="34" charset="-120"/>
-                <a:ea typeface="微軟正黑體" pitchFamily="34" charset="-120"/>
-              </a:rPr>
-              <a:t>全</a:t>
-            </a:r>
-            <a:r>
-              <a:rPr lang="zh-TW" altLang="en-US" sz="5400" b="1" dirty="0">
-                <a:solidFill>
-                  <a:srgbClr val="660033"/>
-                </a:solidFill>
-                <a:latin typeface="微軟正黑體" pitchFamily="34" charset="-120"/>
-                <a:ea typeface="微軟正黑體" pitchFamily="34" charset="-120"/>
-              </a:rPr>
-              <a:t>地向你</a:t>
-            </a:r>
-            <a:r>
-              <a:rPr lang="zh-TW" altLang="en-US" sz="5400" b="1" dirty="0" smtClean="0">
-                <a:solidFill>
-                  <a:srgbClr val="660033"/>
-                </a:solidFill>
-                <a:latin typeface="微軟正黑體" pitchFamily="34" charset="-120"/>
-                <a:ea typeface="微軟正黑體" pitchFamily="34" charset="-120"/>
-              </a:rPr>
-              <a:t>跪拜</a:t>
-            </a:r>
-            <a:endParaRPr lang="en-US" altLang="zh-TW" sz="5400" b="1" dirty="0">
+        </p:txBody>
+      </p:sp>
+      <p:sp>
+        <p:nvSpPr>
+          <p:cNvPr id="3" name="TextBox 2"/>
+          <p:cNvSpPr txBox="1"/>
+          <p:nvPr/>
+        </p:nvSpPr>
+        <p:spPr>
+          <a:xfrm>
+            <a:off x="0" y="5157193"/>
+            <a:ext cx="12192000" cy="830997"/>
+          </a:xfrm>
+          <a:prstGeom prst="rect">
+            <a:avLst/>
+          </a:prstGeom>
+          <a:noFill/>
+        </p:spPr>
+        <p:txBody>
+          <a:bodyPr wrap="square" rtlCol="0" anchor="ctr">
+            <a:spAutoFit/>
+          </a:bodyPr>
+          <a:lstStyle/>
+          <a:p>
+            <a:pPr algn="ctr"/>
+            <a:r>
+              <a:rPr lang="en-US" sz="4800" b="1" dirty="0">
+                <a:solidFill>
+                  <a:srgbClr val="660033"/>
+                </a:solidFill>
+                <a:effectLst/>
+                <a:latin typeface="Microsoft JhengHei" panose="020B0604030504040204" pitchFamily="34" charset="-120"/>
+                <a:ea typeface="Microsoft JhengHei" panose="020B0604030504040204" pitchFamily="34" charset="-120"/>
+              </a:rPr>
+              <a:t>( </a:t>
+            </a:r>
+            <a:r>
+              <a:rPr lang="zh-CN" altLang="en-US" sz="4800" b="1" dirty="0">
+                <a:solidFill>
+                  <a:srgbClr val="660033"/>
+                </a:solidFill>
+                <a:effectLst/>
+                <a:latin typeface="Microsoft JhengHei" panose="020B0604030504040204" pitchFamily="34" charset="-120"/>
+                <a:ea typeface="Microsoft JhengHei" panose="020B0604030504040204" pitchFamily="34" charset="-120"/>
+              </a:rPr>
+              <a:t>副</a:t>
+            </a:r>
+            <a:r>
+              <a:rPr lang="en-US" sz="4800" b="1" dirty="0">
+                <a:solidFill>
+                  <a:srgbClr val="660033"/>
+                </a:solidFill>
+                <a:effectLst/>
+                <a:latin typeface="Microsoft JhengHei" panose="020B0604030504040204" pitchFamily="34" charset="-120"/>
+                <a:ea typeface="Microsoft JhengHei" panose="020B0604030504040204" pitchFamily="34" charset="-120"/>
+              </a:rPr>
+              <a:t> </a:t>
+            </a:r>
+            <a:r>
+              <a:rPr lang="en-US" sz="4800" b="1" dirty="0">
+                <a:solidFill>
+                  <a:srgbClr val="660033"/>
+                </a:solidFill>
+                <a:effectLst/>
+                <a:latin typeface="Microsoft JhengHei" panose="020B0604030504040204" pitchFamily="34" charset="-120"/>
+                <a:ea typeface="Microsoft JhengHei" panose="020B0604030504040204" pitchFamily="34" charset="-120"/>
+              </a:rPr>
+              <a:t>)</a:t>
+            </a:r>
+            <a:endParaRPr lang="vi-VN" sz="4800" b="1" dirty="0">
               <a:solidFill>
                 <a:srgbClr val="660033"/>
               </a:solidFill>
-              <a:latin typeface="微軟正黑體" pitchFamily="34" charset="-120"/>
-              <a:ea typeface="微軟正黑體" pitchFamily="34" charset="-120"/>
+              <a:effectLst/>
+              <a:ea typeface="Microsoft JhengHei" panose="020B0604030504040204" pitchFamily="34" charset="-120"/>
             </a:endParaRPr>
           </a:p>
-          <a:p>
-            <a:pPr algn="ctr">
-              <a:buNone/>
-            </a:pPr>
-            <a:r>
-              <a:rPr lang="zh-TW" altLang="en-US" sz="5400" b="1" dirty="0" smtClean="0">
-                <a:solidFill>
-                  <a:srgbClr val="660033"/>
-                </a:solidFill>
-                <a:latin typeface="微軟正黑體" pitchFamily="34" charset="-120"/>
-                <a:ea typeface="微軟正黑體" pitchFamily="34" charset="-120"/>
-              </a:rPr>
-              <a:t>尊貴</a:t>
-            </a:r>
-            <a:r>
-              <a:rPr lang="zh-TW" altLang="en-US" sz="5400" b="1" dirty="0">
-                <a:solidFill>
-                  <a:srgbClr val="660033"/>
-                </a:solidFill>
-                <a:latin typeface="微軟正黑體" pitchFamily="34" charset="-120"/>
-                <a:ea typeface="微軟正黑體" pitchFamily="34" charset="-120"/>
-              </a:rPr>
-              <a:t>榮耀都歸寶座羔羊</a:t>
-            </a:r>
-          </a:p>
         </p:txBody>
       </p:sp>
     </p:spTree>
+    <p:extLst>
+      <p:ext uri="{BB962C8B-B14F-4D97-AF65-F5344CB8AC3E}">
+        <p14:creationId xmlns:p14="http://schemas.microsoft.com/office/powerpoint/2010/main" val="2061820309"/>
+      </p:ext>
+    </p:extLst>
   </p:cSld>
   <p:clrMapOvr>
     <a:masterClrMapping/>
@@ -4793,30 +5231,40 @@
       </p:grpSpPr>
       <p:sp>
         <p:nvSpPr>
-          <p:cNvPr id="4" name="標題 3"/>
-          <p:cNvSpPr>
-            <a:spLocks noGrp="1"/>
-          </p:cNvSpPr>
-          <p:nvPr>
-            <p:ph type="title"/>
-          </p:nvPr>
-        </p:nvSpPr>
-        <p:spPr/>
-        <p:txBody>
-          <a:bodyPr/>
-          <a:lstStyle/>
-          <a:p>
-            <a:r>
-              <a:rPr lang="zh-CN" altLang="en-US" b="1" dirty="0" smtClean="0">
+          <p:cNvPr id="5" name="內容版面配置區 4"/>
+          <p:cNvSpPr>
+            <a:spLocks noGrp="1"/>
+          </p:cNvSpPr>
+          <p:nvPr>
+            <p:ph idx="1"/>
+          </p:nvPr>
+        </p:nvSpPr>
+        <p:spPr>
+          <a:xfrm>
+            <a:off x="0" y="2084851"/>
+            <a:ext cx="12192000" cy="2404863"/>
+          </a:xfrm>
+        </p:spPr>
+        <p:txBody>
+          <a:bodyPr anchor="ctr">
+            <a:normAutofit/>
+          </a:bodyPr>
+          <a:lstStyle/>
+          <a:p>
+            <a:pPr algn="ctr">
+              <a:buNone/>
+            </a:pPr>
+            <a:r>
+              <a:rPr lang="zh-TW" altLang="en-US" sz="6400" b="1" dirty="0">
                 <a:solidFill>
                   <a:srgbClr val="660033"/>
                 </a:solidFill>
                 <a:latin typeface="微軟正黑體" pitchFamily="34" charset="-120"/>
                 <a:ea typeface="微軟正黑體" pitchFamily="34" charset="-120"/>
               </a:rPr>
-              <a:t>日日夜夜</a:t>
-            </a:r>
-            <a:endParaRPr lang="zh-TW" altLang="en-US" b="1" dirty="0">
+              <a:t>尊貴榮耀都歸寶座羔羊</a:t>
+            </a:r>
+            <a:endParaRPr lang="zh-TW" altLang="en-US" sz="6400" b="1" dirty="0">
               <a:solidFill>
                 <a:srgbClr val="660033"/>
               </a:solidFill>
@@ -4828,174 +5276,87 @@
       </p:sp>
       <p:sp>
         <p:nvSpPr>
-          <p:cNvPr id="5" name="內容版面配置區 4"/>
-          <p:cNvSpPr>
-            <a:spLocks noGrp="1"/>
-          </p:cNvSpPr>
-          <p:nvPr>
-            <p:ph idx="1"/>
-          </p:nvPr>
-        </p:nvSpPr>
-        <p:spPr/>
-        <p:txBody>
-          <a:bodyPr>
-            <a:noAutofit/>
+          <p:cNvPr id="3" name="TextBox 2"/>
+          <p:cNvSpPr txBox="1"/>
+          <p:nvPr/>
+        </p:nvSpPr>
+        <p:spPr>
+          <a:xfrm>
+            <a:off x="0" y="5157193"/>
+            <a:ext cx="12192000" cy="830997"/>
+          </a:xfrm>
+          <a:prstGeom prst="rect">
+            <a:avLst/>
+          </a:prstGeom>
+          <a:noFill/>
+        </p:spPr>
+        <p:txBody>
+          <a:bodyPr wrap="square" rtlCol="0" anchor="ctr">
+            <a:spAutoFit/>
           </a:bodyPr>
           <a:lstStyle/>
           <a:p>
-            <a:pPr algn="ctr">
-              <a:buNone/>
-            </a:pPr>
-            <a:r>
-              <a:rPr lang="zh-TW" altLang="en-US" sz="5400" b="1" dirty="0" smtClean="0">
-                <a:solidFill>
-                  <a:srgbClr val="660033"/>
-                </a:solidFill>
-                <a:latin typeface="微軟正黑體" pitchFamily="34" charset="-120"/>
-                <a:ea typeface="微軟正黑體" pitchFamily="34" charset="-120"/>
-              </a:rPr>
-              <a:t>日日夜夜  不停</a:t>
-            </a:r>
-            <a:r>
-              <a:rPr lang="zh-TW" altLang="en-US" sz="5400" b="1" dirty="0">
-                <a:solidFill>
-                  <a:srgbClr val="660033"/>
-                </a:solidFill>
-                <a:latin typeface="微軟正黑體" pitchFamily="34" charset="-120"/>
-                <a:ea typeface="微軟正黑體" pitchFamily="34" charset="-120"/>
-              </a:rPr>
-              <a:t>獻</a:t>
-            </a:r>
-            <a:r>
-              <a:rPr lang="zh-TW" altLang="en-US" sz="5400" b="1" dirty="0" smtClean="0">
-                <a:solidFill>
-                  <a:srgbClr val="660033"/>
-                </a:solidFill>
-                <a:latin typeface="微軟正黑體" pitchFamily="34" charset="-120"/>
-                <a:ea typeface="微軟正黑體" pitchFamily="34" charset="-120"/>
-              </a:rPr>
-              <a:t>上</a:t>
-            </a:r>
-            <a:endParaRPr lang="en-US" altLang="zh-TW" sz="5400" b="1" dirty="0" smtClean="0">
+            <a:pPr algn="ctr"/>
+            <a:r>
+              <a:rPr lang="en-US" sz="4800" b="1" dirty="0">
+                <a:solidFill>
+                  <a:srgbClr val="660033"/>
+                </a:solidFill>
+                <a:effectLst/>
+                <a:latin typeface="Microsoft JhengHei" panose="020B0604030504040204" pitchFamily="34" charset="-120"/>
+                <a:ea typeface="Microsoft JhengHei" panose="020B0604030504040204" pitchFamily="34" charset="-120"/>
+              </a:rPr>
+              <a:t>( </a:t>
+            </a:r>
+            <a:r>
+              <a:rPr lang="zh-CN" altLang="en-US" sz="4800" b="1" dirty="0">
+                <a:solidFill>
+                  <a:srgbClr val="660033"/>
+                </a:solidFill>
+                <a:effectLst/>
+                <a:latin typeface="Microsoft JhengHei" panose="020B0604030504040204" pitchFamily="34" charset="-120"/>
+                <a:ea typeface="Microsoft JhengHei" panose="020B0604030504040204" pitchFamily="34" charset="-120"/>
+              </a:rPr>
+              <a:t>副</a:t>
+            </a:r>
+            <a:r>
+              <a:rPr lang="en-US" sz="4800" b="1" dirty="0">
+                <a:solidFill>
+                  <a:srgbClr val="660033"/>
+                </a:solidFill>
+                <a:effectLst/>
+                <a:latin typeface="Microsoft JhengHei" panose="020B0604030504040204" pitchFamily="34" charset="-120"/>
+                <a:ea typeface="Microsoft JhengHei" panose="020B0604030504040204" pitchFamily="34" charset="-120"/>
+              </a:rPr>
+              <a:t> </a:t>
+            </a:r>
+            <a:r>
+              <a:rPr lang="en-US" sz="4800" b="1" dirty="0">
+                <a:solidFill>
+                  <a:srgbClr val="660033"/>
+                </a:solidFill>
+                <a:effectLst/>
+                <a:latin typeface="Microsoft JhengHei" panose="020B0604030504040204" pitchFamily="34" charset="-120"/>
+                <a:ea typeface="Microsoft JhengHei" panose="020B0604030504040204" pitchFamily="34" charset="-120"/>
+              </a:rPr>
+              <a:t>)</a:t>
+            </a:r>
+            <a:endParaRPr lang="vi-VN" sz="4800" b="1" dirty="0">
               <a:solidFill>
                 <a:srgbClr val="660033"/>
               </a:solidFill>
-              <a:latin typeface="微軟正黑體" pitchFamily="34" charset="-120"/>
-              <a:ea typeface="微軟正黑體" pitchFamily="34" charset="-120"/>
+              <a:effectLst/>
+              <a:ea typeface="Microsoft JhengHei" panose="020B0604030504040204" pitchFamily="34" charset="-120"/>
             </a:endParaRPr>
           </a:p>
-          <a:p>
-            <a:pPr algn="ctr">
-              <a:buNone/>
-            </a:pPr>
-            <a:r>
-              <a:rPr lang="zh-TW" altLang="en-US" sz="5400" b="1" dirty="0" smtClean="0">
-                <a:solidFill>
-                  <a:srgbClr val="660033"/>
-                </a:solidFill>
-                <a:latin typeface="微軟正黑體" pitchFamily="34" charset="-120"/>
-                <a:ea typeface="微軟正黑體" pitchFamily="34" charset="-120"/>
-              </a:rPr>
-              <a:t>禱告</a:t>
-            </a:r>
-            <a:r>
-              <a:rPr lang="zh-TW" altLang="en-US" sz="5400" b="1" dirty="0">
-                <a:solidFill>
-                  <a:srgbClr val="660033"/>
-                </a:solidFill>
-                <a:latin typeface="微軟正黑體" pitchFamily="34" charset="-120"/>
-                <a:ea typeface="微軟正黑體" pitchFamily="34" charset="-120"/>
-              </a:rPr>
-              <a:t>如香不停</a:t>
-            </a:r>
-            <a:r>
-              <a:rPr lang="zh-TW" altLang="en-US" sz="5400" b="1" dirty="0" smtClean="0">
-                <a:solidFill>
-                  <a:srgbClr val="660033"/>
-                </a:solidFill>
-                <a:latin typeface="微軟正黑體" pitchFamily="34" charset="-120"/>
-                <a:ea typeface="微軟正黑體" pitchFamily="34" charset="-120"/>
-              </a:rPr>
-              <a:t>升起</a:t>
-            </a:r>
-            <a:endParaRPr lang="en-US" altLang="zh-TW" sz="5400" b="1" dirty="0">
-              <a:solidFill>
-                <a:srgbClr val="660033"/>
-              </a:solidFill>
-              <a:latin typeface="微軟正黑體" pitchFamily="34" charset="-120"/>
-              <a:ea typeface="微軟正黑體" pitchFamily="34" charset="-120"/>
-            </a:endParaRPr>
-          </a:p>
-          <a:p>
-            <a:pPr algn="ctr">
-              <a:buNone/>
-            </a:pPr>
-            <a:r>
-              <a:rPr lang="zh-TW" altLang="en-US" sz="5400" b="1" dirty="0" smtClean="0">
-                <a:solidFill>
-                  <a:srgbClr val="660033"/>
-                </a:solidFill>
-                <a:latin typeface="微軟正黑體" pitchFamily="34" charset="-120"/>
-                <a:ea typeface="微軟正黑體" pitchFamily="34" charset="-120"/>
-              </a:rPr>
-              <a:t>日日夜夜  不停</a:t>
-            </a:r>
-            <a:r>
-              <a:rPr lang="zh-TW" altLang="en-US" sz="5400" b="1" dirty="0">
-                <a:solidFill>
-                  <a:srgbClr val="660033"/>
-                </a:solidFill>
-                <a:latin typeface="微軟正黑體" pitchFamily="34" charset="-120"/>
-                <a:ea typeface="微軟正黑體" pitchFamily="34" charset="-120"/>
-              </a:rPr>
-              <a:t>獻</a:t>
-            </a:r>
-            <a:r>
-              <a:rPr lang="zh-TW" altLang="en-US" sz="5400" b="1" dirty="0" smtClean="0">
-                <a:solidFill>
-                  <a:srgbClr val="660033"/>
-                </a:solidFill>
-                <a:latin typeface="微軟正黑體" pitchFamily="34" charset="-120"/>
-                <a:ea typeface="微軟正黑體" pitchFamily="34" charset="-120"/>
-              </a:rPr>
-              <a:t>上</a:t>
-            </a:r>
-            <a:endParaRPr lang="en-US" altLang="zh-TW" sz="5400" b="1" dirty="0" smtClean="0">
-              <a:solidFill>
-                <a:srgbClr val="660033"/>
-              </a:solidFill>
-              <a:latin typeface="微軟正黑體" pitchFamily="34" charset="-120"/>
-              <a:ea typeface="微軟正黑體" pitchFamily="34" charset="-120"/>
-            </a:endParaRPr>
-          </a:p>
-          <a:p>
-            <a:pPr algn="ctr">
-              <a:buNone/>
-            </a:pPr>
-            <a:r>
-              <a:rPr lang="zh-TW" altLang="en-US" sz="5400" b="1" dirty="0" smtClean="0">
-                <a:solidFill>
-                  <a:srgbClr val="660033"/>
-                </a:solidFill>
-                <a:latin typeface="微軟正黑體" pitchFamily="34" charset="-120"/>
-                <a:ea typeface="微軟正黑體" pitchFamily="34" charset="-120"/>
-              </a:rPr>
-              <a:t>讚美</a:t>
-            </a:r>
-            <a:r>
-              <a:rPr lang="zh-TW" altLang="en-US" sz="5400" b="1" dirty="0">
-                <a:solidFill>
-                  <a:srgbClr val="660033"/>
-                </a:solidFill>
-                <a:latin typeface="微軟正黑體" pitchFamily="34" charset="-120"/>
-                <a:ea typeface="微軟正黑體" pitchFamily="34" charset="-120"/>
-              </a:rPr>
-              <a:t>獻祭永不斷續</a:t>
-            </a:r>
-          </a:p>
         </p:txBody>
       </p:sp>
     </p:spTree>
+    <p:extLst>
+      <p:ext uri="{BB962C8B-B14F-4D97-AF65-F5344CB8AC3E}">
+        <p14:creationId xmlns:p14="http://schemas.microsoft.com/office/powerpoint/2010/main" val="2397845422"/>
+      </p:ext>
+    </p:extLst>
   </p:cSld>
   <p:clrMapOvr>
     <a:masterClrMapping/>
@@ -5022,154 +5383,175 @@
       </p:grpSpPr>
       <p:sp>
         <p:nvSpPr>
-          <p:cNvPr id="2" name="Title 1">
-            <a:extLst>
-              <a:ext uri="{FF2B5EF4-FFF2-40B4-BE49-F238E27FC236}">
-                <a16:creationId xmlns="" xmlns:a16="http://schemas.microsoft.com/office/drawing/2014/main" id="{B6F284A6-4082-460F-84D5-43E3AA19EE45}"/>
-              </a:ext>
-            </a:extLst>
-          </p:cNvPr>
-          <p:cNvSpPr>
-            <a:spLocks noGrp="1"/>
-          </p:cNvSpPr>
-          <p:nvPr>
-            <p:ph type="title"/>
-          </p:nvPr>
-        </p:nvSpPr>
-        <p:spPr/>
-        <p:txBody>
-          <a:bodyPr/>
-          <a:lstStyle/>
-          <a:p>
-            <a:pPr algn="ctr"/>
-            <a:r>
-              <a:rPr lang="zh-CN" altLang="en-US" b="1" dirty="0">
-                <a:solidFill>
-                  <a:srgbClr val="002060"/>
+          <p:cNvPr id="5" name="內容版面配置區 4"/>
+          <p:cNvSpPr>
+            <a:spLocks noGrp="1"/>
+          </p:cNvSpPr>
+          <p:nvPr>
+            <p:ph idx="1"/>
+          </p:nvPr>
+        </p:nvSpPr>
+        <p:spPr>
+          <a:xfrm>
+            <a:off x="0" y="2084851"/>
+            <a:ext cx="12192000" cy="2404863"/>
+          </a:xfrm>
+        </p:spPr>
+        <p:txBody>
+          <a:bodyPr anchor="ctr">
+            <a:normAutofit/>
+          </a:bodyPr>
+          <a:lstStyle/>
+          <a:p>
+            <a:pPr algn="ctr">
+              <a:buNone/>
+            </a:pPr>
+            <a:r>
+              <a:rPr lang="zh-TW" altLang="en-US" sz="6400" b="1" dirty="0">
+                <a:solidFill>
+                  <a:srgbClr val="660033"/>
                 </a:solidFill>
                 <a:latin typeface="微軟正黑體" pitchFamily="34" charset="-120"/>
                 <a:ea typeface="微軟正黑體" pitchFamily="34" charset="-120"/>
               </a:rPr>
-              <a:t>每天的禱告</a:t>
-            </a:r>
-            <a:endParaRPr lang="en-US" b="1" dirty="0">
+              <a:t>我受造是為了敬拜</a:t>
+            </a:r>
+            <a:r>
+              <a:rPr lang="zh-CN" altLang="en-US" sz="6400" b="1" dirty="0">
+                <a:solidFill>
+                  <a:srgbClr val="660033"/>
+                </a:solidFill>
+                <a:latin typeface="微軟正黑體" pitchFamily="34" charset="-120"/>
+                <a:ea typeface="微軟正黑體" pitchFamily="34" charset="-120"/>
+              </a:rPr>
+              <a:t>袮</a:t>
+            </a:r>
+            <a:endParaRPr lang="en-US" altLang="zh-TW" sz="6400" b="1" dirty="0">
               <a:solidFill>
-                <a:srgbClr val="002060"/>
+                <a:srgbClr val="660033"/>
               </a:solidFill>
               <a:latin typeface="微軟正黑體" pitchFamily="34" charset="-120"/>
               <a:ea typeface="微軟正黑體" pitchFamily="34" charset="-120"/>
             </a:endParaRPr>
           </a:p>
-        </p:txBody>
-      </p:sp>
-      <p:sp>
-        <p:nvSpPr>
-          <p:cNvPr id="3" name="Content Placeholder 2">
-            <a:extLst>
-              <a:ext uri="{FF2B5EF4-FFF2-40B4-BE49-F238E27FC236}">
-                <a16:creationId xmlns="" xmlns:a16="http://schemas.microsoft.com/office/drawing/2014/main" id="{8F3B43DA-80DC-4D6F-85C7-D4EEB00EDF0B}"/>
-              </a:ext>
-            </a:extLst>
-          </p:cNvPr>
-          <p:cNvSpPr>
-            <a:spLocks noGrp="1"/>
-          </p:cNvSpPr>
-          <p:nvPr>
-            <p:ph idx="1"/>
-          </p:nvPr>
-        </p:nvSpPr>
-        <p:spPr/>
-        <p:txBody>
-          <a:bodyPr>
-            <a:normAutofit/>
-          </a:bodyPr>
-          <a:lstStyle/>
-          <a:p>
-            <a:pPr marL="0" indent="0" algn="ctr">
+          <a:p>
+            <a:pPr algn="ctr">
               <a:buNone/>
             </a:pPr>
             <a:r>
-              <a:rPr lang="zh-TW" altLang="en-US" sz="5400" b="1" dirty="0">
-                <a:solidFill>
-                  <a:srgbClr val="002060"/>
+              <a:rPr lang="zh-TW" altLang="en-US" sz="6400" b="1" dirty="0">
+                <a:solidFill>
+                  <a:srgbClr val="660033"/>
                 </a:solidFill>
                 <a:latin typeface="微軟正黑體" pitchFamily="34" charset="-120"/>
                 <a:ea typeface="微軟正黑體" pitchFamily="34" charset="-120"/>
               </a:rPr>
-              <a:t>主  我心愛你</a:t>
-            </a:r>
-            <a:endParaRPr lang="en-US" altLang="zh-TW" sz="5400" b="1" dirty="0">
+              <a:t>我受造是為了榮耀</a:t>
+            </a:r>
+            <a:r>
+              <a:rPr lang="zh-CN" altLang="en-US" sz="6400" b="1" dirty="0">
+                <a:solidFill>
+                  <a:srgbClr val="660033"/>
+                </a:solidFill>
+                <a:latin typeface="微軟正黑體" pitchFamily="34" charset="-120"/>
+                <a:ea typeface="微軟正黑體" pitchFamily="34" charset="-120"/>
+              </a:rPr>
+              <a:t>袮</a:t>
+            </a:r>
+            <a:endParaRPr lang="en-US" altLang="zh-TW" sz="6400" b="1" dirty="0">
               <a:solidFill>
-                <a:srgbClr val="002060"/>
+                <a:srgbClr val="660033"/>
               </a:solidFill>
               <a:latin typeface="微軟正黑體" pitchFamily="34" charset="-120"/>
               <a:ea typeface="微軟正黑體" pitchFamily="34" charset="-120"/>
             </a:endParaRPr>
           </a:p>
-          <a:p>
-            <a:pPr marL="0" indent="0" algn="ctr">
-              <a:buNone/>
-            </a:pPr>
-            <a:r>
-              <a:rPr lang="zh-TW" altLang="en-US" sz="5400" b="1" dirty="0">
-                <a:solidFill>
-                  <a:srgbClr val="002060"/>
-                </a:solidFill>
-                <a:latin typeface="微軟正黑體" pitchFamily="34" charset="-120"/>
-                <a:ea typeface="微軟正黑體" pitchFamily="34" charset="-120"/>
-              </a:rPr>
-              <a:t>我渴望活在你的懷裡</a:t>
-            </a:r>
-            <a:endParaRPr lang="en-US" altLang="zh-TW" sz="5400" b="1" dirty="0">
+        </p:txBody>
+      </p:sp>
+      <p:sp>
+        <p:nvSpPr>
+          <p:cNvPr id="3" name="TextBox 2"/>
+          <p:cNvSpPr txBox="1"/>
+          <p:nvPr/>
+        </p:nvSpPr>
+        <p:spPr>
+          <a:xfrm>
+            <a:off x="0" y="5157193"/>
+            <a:ext cx="12192000" cy="830997"/>
+          </a:xfrm>
+          <a:prstGeom prst="rect">
+            <a:avLst/>
+          </a:prstGeom>
+          <a:noFill/>
+        </p:spPr>
+        <p:txBody>
+          <a:bodyPr wrap="square" rtlCol="0" anchor="ctr">
+            <a:spAutoFit/>
+          </a:bodyPr>
+          <a:lstStyle/>
+          <a:p>
+            <a:pPr algn="ctr"/>
+            <a:r>
+              <a:rPr lang="en-US" sz="4800" b="1" dirty="0">
+                <a:solidFill>
+                  <a:srgbClr val="660033"/>
+                </a:solidFill>
+                <a:effectLst/>
+                <a:latin typeface="Microsoft JhengHei" panose="020B0604030504040204" pitchFamily="34" charset="-120"/>
+                <a:ea typeface="Microsoft JhengHei" panose="020B0604030504040204" pitchFamily="34" charset="-120"/>
+              </a:rPr>
+              <a:t>( </a:t>
+            </a:r>
+            <a:r>
+              <a:rPr lang="zh-CN" altLang="en-US" sz="4800" b="1" dirty="0">
+                <a:solidFill>
+                  <a:srgbClr val="660033"/>
+                </a:solidFill>
+                <a:effectLst/>
+                <a:latin typeface="Microsoft JhengHei" panose="020B0604030504040204" pitchFamily="34" charset="-120"/>
+                <a:ea typeface="Microsoft JhengHei" panose="020B0604030504040204" pitchFamily="34" charset="-120"/>
+              </a:rPr>
+              <a:t>正</a:t>
+            </a:r>
+            <a:r>
+              <a:rPr lang="en-US" altLang="zh-CN" sz="4800" b="1" dirty="0">
+                <a:solidFill>
+                  <a:srgbClr val="660033"/>
+                </a:solidFill>
+                <a:effectLst/>
+                <a:latin typeface="Microsoft JhengHei" panose="020B0604030504040204" pitchFamily="34" charset="-120"/>
+                <a:ea typeface="Microsoft JhengHei" panose="020B0604030504040204" pitchFamily="34" charset="-120"/>
+              </a:rPr>
+              <a:t> 2</a:t>
+            </a:r>
+            <a:r>
+              <a:rPr lang="en-US" sz="4800" b="1" dirty="0">
+                <a:solidFill>
+                  <a:srgbClr val="660033"/>
+                </a:solidFill>
+                <a:effectLst/>
+                <a:latin typeface="Microsoft JhengHei" panose="020B0604030504040204" pitchFamily="34" charset="-120"/>
+                <a:ea typeface="Microsoft JhengHei" panose="020B0604030504040204" pitchFamily="34" charset="-120"/>
+              </a:rPr>
+              <a:t> </a:t>
+            </a:r>
+            <a:r>
+              <a:rPr lang="en-US" sz="4800" b="1" dirty="0">
+                <a:solidFill>
+                  <a:srgbClr val="660033"/>
+                </a:solidFill>
+                <a:effectLst/>
+                <a:latin typeface="Microsoft JhengHei" panose="020B0604030504040204" pitchFamily="34" charset="-120"/>
+                <a:ea typeface="Microsoft JhengHei" panose="020B0604030504040204" pitchFamily="34" charset="-120"/>
+              </a:rPr>
+              <a:t>)</a:t>
+            </a:r>
+            <a:endParaRPr lang="vi-VN" sz="4800" b="1" dirty="0">
               <a:solidFill>
-                <a:srgbClr val="002060"/>
+                <a:srgbClr val="660033"/>
               </a:solidFill>
-              <a:latin typeface="微軟正黑體" pitchFamily="34" charset="-120"/>
-              <a:ea typeface="微軟正黑體" pitchFamily="34" charset="-120"/>
-            </a:endParaRPr>
-          </a:p>
-          <a:p>
-            <a:pPr marL="0" indent="0" algn="ctr">
-              <a:buNone/>
-            </a:pPr>
-            <a:r>
-              <a:rPr lang="zh-TW" altLang="en-US" sz="5400" b="1" dirty="0">
-                <a:solidFill>
-                  <a:srgbClr val="002060"/>
-                </a:solidFill>
-                <a:latin typeface="微軟正黑體" pitchFamily="34" charset="-120"/>
-                <a:ea typeface="微軟正黑體" pitchFamily="34" charset="-120"/>
-              </a:rPr>
-              <a:t>每天與你同在</a:t>
-            </a:r>
-            <a:endParaRPr lang="en-US" altLang="zh-TW" sz="5400" b="1" dirty="0">
-              <a:solidFill>
-                <a:srgbClr val="002060"/>
-              </a:solidFill>
-              <a:latin typeface="微軟正黑體" pitchFamily="34" charset="-120"/>
-              <a:ea typeface="微軟正黑體" pitchFamily="34" charset="-120"/>
-            </a:endParaRPr>
-          </a:p>
-          <a:p>
-            <a:pPr marL="0" indent="0" algn="ctr">
-              <a:buNone/>
-            </a:pPr>
-            <a:r>
-              <a:rPr lang="zh-TW" altLang="en-US" sz="5400" b="1" dirty="0">
-                <a:solidFill>
-                  <a:srgbClr val="002060"/>
-                </a:solidFill>
-                <a:latin typeface="微軟正黑體" pitchFamily="34" charset="-120"/>
-                <a:ea typeface="微軟正黑體" pitchFamily="34" charset="-120"/>
-              </a:rPr>
-              <a:t>享受你的大愛</a:t>
-            </a:r>
-            <a:endParaRPr lang="en-US" sz="5400" b="1" dirty="0">
-              <a:solidFill>
-                <a:srgbClr val="002060"/>
-              </a:solidFill>
-              <a:latin typeface="微軟正黑體" pitchFamily="34" charset="-120"/>
-              <a:ea typeface="微軟正黑體" pitchFamily="34" charset="-120"/>
+              <a:effectLst/>
+              <a:ea typeface="Microsoft JhengHei" panose="020B0604030504040204" pitchFamily="34" charset="-120"/>
             </a:endParaRPr>
           </a:p>
         </p:txBody>
@@ -5177,7 +5559,7 @@
     </p:spTree>
     <p:extLst>
       <p:ext uri="{BB962C8B-B14F-4D97-AF65-F5344CB8AC3E}">
-        <p14:creationId xmlns="" xmlns:p14="http://schemas.microsoft.com/office/powerpoint/2010/main" val="466449364"/>
+        <p14:creationId xmlns:p14="http://schemas.microsoft.com/office/powerpoint/2010/main" val="4047563099"/>
       </p:ext>
     </p:extLst>
   </p:cSld>
@@ -5206,154 +5588,205 @@
       </p:grpSpPr>
       <p:sp>
         <p:nvSpPr>
-          <p:cNvPr id="2" name="Title 1">
-            <a:extLst>
-              <a:ext uri="{FF2B5EF4-FFF2-40B4-BE49-F238E27FC236}">
-                <a16:creationId xmlns="" xmlns:a16="http://schemas.microsoft.com/office/drawing/2014/main" id="{B6F284A6-4082-460F-84D5-43E3AA19EE45}"/>
-              </a:ext>
-            </a:extLst>
-          </p:cNvPr>
-          <p:cNvSpPr>
-            <a:spLocks noGrp="1"/>
-          </p:cNvSpPr>
-          <p:nvPr>
-            <p:ph type="title"/>
-          </p:nvPr>
-        </p:nvSpPr>
-        <p:spPr/>
-        <p:txBody>
-          <a:bodyPr/>
-          <a:lstStyle/>
-          <a:p>
-            <a:pPr algn="ctr"/>
-            <a:r>
-              <a:rPr lang="zh-CN" altLang="en-US" b="1" dirty="0">
-                <a:solidFill>
-                  <a:srgbClr val="002060"/>
+          <p:cNvPr id="5" name="內容版面配置區 4"/>
+          <p:cNvSpPr>
+            <a:spLocks noGrp="1"/>
+          </p:cNvSpPr>
+          <p:nvPr>
+            <p:ph idx="1"/>
+          </p:nvPr>
+        </p:nvSpPr>
+        <p:spPr>
+          <a:xfrm>
+            <a:off x="0" y="2084851"/>
+            <a:ext cx="12192000" cy="2404863"/>
+          </a:xfrm>
+        </p:spPr>
+        <p:txBody>
+          <a:bodyPr anchor="ctr">
+            <a:normAutofit/>
+          </a:bodyPr>
+          <a:lstStyle/>
+          <a:p>
+            <a:pPr algn="ctr">
+              <a:buNone/>
+            </a:pPr>
+            <a:r>
+              <a:rPr lang="zh-CN" altLang="en-US" sz="6400" b="1" dirty="0">
+                <a:solidFill>
+                  <a:srgbClr val="660033"/>
                 </a:solidFill>
                 <a:latin typeface="微軟正黑體" pitchFamily="34" charset="-120"/>
                 <a:ea typeface="微軟正黑體" pitchFamily="34" charset="-120"/>
               </a:rPr>
-              <a:t>每天的禱告</a:t>
-            </a:r>
-            <a:endParaRPr lang="en-US" b="1" dirty="0">
+              <a:t>袮</a:t>
+            </a:r>
+            <a:r>
+              <a:rPr lang="zh-TW" altLang="en-US" sz="6400" b="1" dirty="0">
+                <a:solidFill>
+                  <a:srgbClr val="660033"/>
+                </a:solidFill>
+                <a:latin typeface="微軟正黑體" pitchFamily="34" charset="-120"/>
+                <a:ea typeface="微軟正黑體" pitchFamily="34" charset="-120"/>
+              </a:rPr>
+              <a:t>是我們的神</a:t>
+            </a:r>
+            <a:r>
+              <a:rPr lang="zh-CN" altLang="en-US" sz="6400" b="1" dirty="0">
+                <a:solidFill>
+                  <a:srgbClr val="660033"/>
+                </a:solidFill>
+                <a:latin typeface="微軟正黑體" pitchFamily="34" charset="-120"/>
+                <a:ea typeface="微軟正黑體" pitchFamily="34" charset="-120"/>
+              </a:rPr>
+              <a:t>   袮</a:t>
+            </a:r>
+            <a:r>
+              <a:rPr lang="zh-TW" altLang="en-US" sz="6400" b="1" dirty="0">
+                <a:solidFill>
+                  <a:srgbClr val="660033"/>
+                </a:solidFill>
+                <a:latin typeface="微軟正黑體" pitchFamily="34" charset="-120"/>
+                <a:ea typeface="微軟正黑體" pitchFamily="34" charset="-120"/>
+              </a:rPr>
+              <a:t>與我們同住</a:t>
+            </a:r>
+            <a:endParaRPr lang="en-US" altLang="zh-TW" sz="6400" b="1" dirty="0">
               <a:solidFill>
-                <a:srgbClr val="002060"/>
+                <a:srgbClr val="660033"/>
               </a:solidFill>
               <a:latin typeface="微軟正黑體" pitchFamily="34" charset="-120"/>
               <a:ea typeface="微軟正黑體" pitchFamily="34" charset="-120"/>
             </a:endParaRPr>
           </a:p>
-        </p:txBody>
-      </p:sp>
-      <p:sp>
-        <p:nvSpPr>
-          <p:cNvPr id="3" name="Content Placeholder 2">
-            <a:extLst>
-              <a:ext uri="{FF2B5EF4-FFF2-40B4-BE49-F238E27FC236}">
-                <a16:creationId xmlns="" xmlns:a16="http://schemas.microsoft.com/office/drawing/2014/main" id="{8F3B43DA-80DC-4D6F-85C7-D4EEB00EDF0B}"/>
-              </a:ext>
-            </a:extLst>
-          </p:cNvPr>
-          <p:cNvSpPr>
-            <a:spLocks noGrp="1"/>
-          </p:cNvSpPr>
-          <p:nvPr>
-            <p:ph idx="1"/>
-          </p:nvPr>
-        </p:nvSpPr>
-        <p:spPr/>
-        <p:txBody>
-          <a:bodyPr>
-            <a:normAutofit/>
-          </a:bodyPr>
-          <a:lstStyle/>
-          <a:p>
-            <a:pPr marL="0" indent="0" algn="ctr">
+          <a:p>
+            <a:pPr algn="ctr">
               <a:buNone/>
             </a:pPr>
             <a:r>
-              <a:rPr lang="zh-TW" altLang="en-US" sz="5400" b="1" dirty="0">
-                <a:solidFill>
-                  <a:srgbClr val="002060"/>
+              <a:rPr lang="zh-TW" altLang="en-US" sz="6400" b="1" dirty="0">
+                <a:solidFill>
+                  <a:srgbClr val="660033"/>
                 </a:solidFill>
                 <a:latin typeface="微軟正黑體" pitchFamily="34" charset="-120"/>
                 <a:ea typeface="微軟正黑體" pitchFamily="34" charset="-120"/>
               </a:rPr>
-              <a:t>醫治我受傷的心靈</a:t>
-            </a:r>
-            <a:endParaRPr lang="en-US" altLang="zh-TW" sz="5400" b="1" dirty="0">
+              <a:t>因</a:t>
+            </a:r>
+            <a:r>
+              <a:rPr lang="zh-CN" altLang="en-US" sz="6400" b="1" dirty="0">
+                <a:solidFill>
+                  <a:srgbClr val="660033"/>
+                </a:solidFill>
+                <a:latin typeface="微軟正黑體" pitchFamily="34" charset="-120"/>
+                <a:ea typeface="微軟正黑體" pitchFamily="34" charset="-120"/>
+              </a:rPr>
+              <a:t>袮</a:t>
+            </a:r>
+            <a:r>
+              <a:rPr lang="zh-TW" altLang="en-US" sz="6400" b="1" dirty="0">
+                <a:solidFill>
+                  <a:srgbClr val="660033"/>
+                </a:solidFill>
+                <a:latin typeface="微軟正黑體" pitchFamily="34" charset="-120"/>
+                <a:ea typeface="微軟正黑體" pitchFamily="34" charset="-120"/>
+              </a:rPr>
+              <a:t>榮耀我不住敬拜</a:t>
+            </a:r>
+            <a:endParaRPr lang="zh-TW" altLang="en-US" sz="6400" b="1" dirty="0">
               <a:solidFill>
-                <a:srgbClr val="002060"/>
+                <a:srgbClr val="660033"/>
               </a:solidFill>
               <a:latin typeface="微軟正黑體" pitchFamily="34" charset="-120"/>
               <a:ea typeface="微軟正黑體" pitchFamily="34" charset="-120"/>
             </a:endParaRPr>
           </a:p>
-          <a:p>
-            <a:pPr marL="0" indent="0" algn="ctr">
-              <a:buNone/>
-            </a:pPr>
-            <a:r>
-              <a:rPr lang="zh-TW" altLang="en-US" sz="5400" b="1" dirty="0">
-                <a:solidFill>
-                  <a:srgbClr val="002060"/>
-                </a:solidFill>
-                <a:latin typeface="微軟正黑體" pitchFamily="34" charset="-120"/>
-                <a:ea typeface="微軟正黑體" pitchFamily="34" charset="-120"/>
-              </a:rPr>
-              <a:t>改變我原有的生命</a:t>
-            </a:r>
-            <a:endParaRPr lang="en-US" altLang="zh-TW" sz="5400" b="1" dirty="0">
+        </p:txBody>
+      </p:sp>
+      <p:sp>
+        <p:nvSpPr>
+          <p:cNvPr id="3" name="TextBox 2"/>
+          <p:cNvSpPr txBox="1"/>
+          <p:nvPr/>
+        </p:nvSpPr>
+        <p:spPr>
+          <a:xfrm>
+            <a:off x="0" y="5157193"/>
+            <a:ext cx="12192000" cy="830997"/>
+          </a:xfrm>
+          <a:prstGeom prst="rect">
+            <a:avLst/>
+          </a:prstGeom>
+          <a:noFill/>
+        </p:spPr>
+        <p:txBody>
+          <a:bodyPr wrap="square" rtlCol="0" anchor="ctr">
+            <a:spAutoFit/>
+          </a:bodyPr>
+          <a:lstStyle/>
+          <a:p>
+            <a:pPr algn="ctr"/>
+            <a:r>
+              <a:rPr lang="en-US" sz="4800" b="1" dirty="0">
+                <a:solidFill>
+                  <a:srgbClr val="660033"/>
+                </a:solidFill>
+                <a:effectLst/>
+                <a:latin typeface="Microsoft JhengHei" panose="020B0604030504040204" pitchFamily="34" charset="-120"/>
+                <a:ea typeface="Microsoft JhengHei" panose="020B0604030504040204" pitchFamily="34" charset="-120"/>
+              </a:rPr>
+              <a:t>( </a:t>
+            </a:r>
+            <a:r>
+              <a:rPr lang="zh-CN" altLang="en-US" sz="4800" b="1" dirty="0">
+                <a:solidFill>
+                  <a:srgbClr val="660033"/>
+                </a:solidFill>
+                <a:effectLst/>
+                <a:latin typeface="Microsoft JhengHei" panose="020B0604030504040204" pitchFamily="34" charset="-120"/>
+                <a:ea typeface="Microsoft JhengHei" panose="020B0604030504040204" pitchFamily="34" charset="-120"/>
+              </a:rPr>
+              <a:t>正</a:t>
+            </a:r>
+            <a:r>
+              <a:rPr lang="en-US" altLang="zh-CN" sz="4800" b="1" dirty="0">
+                <a:solidFill>
+                  <a:srgbClr val="660033"/>
+                </a:solidFill>
+                <a:effectLst/>
+                <a:latin typeface="Microsoft JhengHei" panose="020B0604030504040204" pitchFamily="34" charset="-120"/>
+                <a:ea typeface="Microsoft JhengHei" panose="020B0604030504040204" pitchFamily="34" charset="-120"/>
+              </a:rPr>
+              <a:t> 2</a:t>
+            </a:r>
+            <a:r>
+              <a:rPr lang="en-US" sz="4800" b="1" dirty="0">
+                <a:solidFill>
+                  <a:srgbClr val="660033"/>
+                </a:solidFill>
+                <a:effectLst/>
+                <a:latin typeface="Microsoft JhengHei" panose="020B0604030504040204" pitchFamily="34" charset="-120"/>
+                <a:ea typeface="Microsoft JhengHei" panose="020B0604030504040204" pitchFamily="34" charset="-120"/>
+              </a:rPr>
+              <a:t> </a:t>
+            </a:r>
+            <a:r>
+              <a:rPr lang="en-US" sz="4800" b="1" dirty="0">
+                <a:solidFill>
+                  <a:srgbClr val="660033"/>
+                </a:solidFill>
+                <a:effectLst/>
+                <a:latin typeface="Microsoft JhengHei" panose="020B0604030504040204" pitchFamily="34" charset="-120"/>
+                <a:ea typeface="Microsoft JhengHei" panose="020B0604030504040204" pitchFamily="34" charset="-120"/>
+              </a:rPr>
+              <a:t>)</a:t>
+            </a:r>
+            <a:endParaRPr lang="vi-VN" sz="4800" b="1" dirty="0">
               <a:solidFill>
-                <a:srgbClr val="002060"/>
+                <a:srgbClr val="660033"/>
               </a:solidFill>
-              <a:latin typeface="微軟正黑體" pitchFamily="34" charset="-120"/>
-              <a:ea typeface="微軟正黑體" pitchFamily="34" charset="-120"/>
-            </a:endParaRPr>
-          </a:p>
-          <a:p>
-            <a:pPr marL="0" indent="0" algn="ctr">
-              <a:buNone/>
-            </a:pPr>
-            <a:r>
-              <a:rPr lang="zh-TW" altLang="en-US" sz="5400" b="1" dirty="0">
-                <a:solidFill>
-                  <a:srgbClr val="002060"/>
-                </a:solidFill>
-                <a:latin typeface="微軟正黑體" pitchFamily="34" charset="-120"/>
-                <a:ea typeface="微軟正黑體" pitchFamily="34" charset="-120"/>
-              </a:rPr>
-              <a:t>引導我當走的路</a:t>
-            </a:r>
-            <a:endParaRPr lang="en-US" altLang="zh-TW" sz="5400" b="1" dirty="0">
-              <a:solidFill>
-                <a:srgbClr val="002060"/>
-              </a:solidFill>
-              <a:latin typeface="微軟正黑體" pitchFamily="34" charset="-120"/>
-              <a:ea typeface="微軟正黑體" pitchFamily="34" charset="-120"/>
-            </a:endParaRPr>
-          </a:p>
-          <a:p>
-            <a:pPr marL="0" indent="0" algn="ctr">
-              <a:buNone/>
-            </a:pPr>
-            <a:r>
-              <a:rPr lang="zh-TW" altLang="en-US" sz="5400" b="1" dirty="0">
-                <a:solidFill>
-                  <a:srgbClr val="002060"/>
-                </a:solidFill>
-                <a:latin typeface="微軟正黑體" pitchFamily="34" charset="-120"/>
-                <a:ea typeface="微軟正黑體" pitchFamily="34" charset="-120"/>
-              </a:rPr>
-              <a:t>今天的服事求你托住</a:t>
-            </a:r>
-            <a:endParaRPr lang="en-US" sz="5400" b="1" dirty="0">
-              <a:solidFill>
-                <a:srgbClr val="002060"/>
-              </a:solidFill>
-              <a:latin typeface="微軟正黑體" pitchFamily="34" charset="-120"/>
-              <a:ea typeface="微軟正黑體" pitchFamily="34" charset="-120"/>
+              <a:effectLst/>
+              <a:ea typeface="Microsoft JhengHei" panose="020B0604030504040204" pitchFamily="34" charset="-120"/>
             </a:endParaRPr>
           </a:p>
         </p:txBody>
@@ -5361,7 +5794,7 @@
     </p:spTree>
     <p:extLst>
       <p:ext uri="{BB962C8B-B14F-4D97-AF65-F5344CB8AC3E}">
-        <p14:creationId xmlns="" xmlns:p14="http://schemas.microsoft.com/office/powerpoint/2010/main" val="2398644539"/>
+        <p14:creationId xmlns:p14="http://schemas.microsoft.com/office/powerpoint/2010/main" val="3988081596"/>
       </p:ext>
     </p:extLst>
   </p:cSld>
